--- a/PPT CIS5560.pptx
+++ b/PPT CIS5560.pptx
@@ -51,20 +51,16 @@
     <p:sldId id="296" r:id="rId46"/>
     <p:sldId id="297" r:id="rId47"/>
     <p:sldId id="298" r:id="rId48"/>
-    <p:sldId id="299" r:id="rId49"/>
-    <p:sldId id="300" r:id="rId50"/>
-    <p:sldId id="301" r:id="rId51"/>
-    <p:sldId id="302" r:id="rId52"/>
   </p:sldIdLst>
   <p:sldSz cy="5143500" cx="9144000"/>
   <p:notesSz cx="6858000" cy="9144000"/>
   <p:embeddedFontLst>
     <p:embeddedFont>
       <p:font typeface="Source Sans Pro"/>
-      <p:regular r:id="rId53"/>
-      <p:bold r:id="rId54"/>
-      <p:italic r:id="rId55"/>
-      <p:boldItalic r:id="rId56"/>
+      <p:regular r:id="rId49"/>
+      <p:bold r:id="rId50"/>
+      <p:italic r:id="rId51"/>
+      <p:boldItalic r:id="rId52"/>
     </p:embeddedFont>
   </p:embeddedFontLst>
   <p:defaultTextStyle>
@@ -806,7 +802,7 @@
   <p:cSld>
     <p:spTree>
       <p:nvGrpSpPr>
-        <p:cNvPr id="180" name="Shape 180"/>
+        <p:cNvPr id="182" name="Shape 182"/>
         <p:cNvGrpSpPr/>
         <p:nvPr/>
       </p:nvGrpSpPr>
@@ -820,7 +816,7 @@
       </p:grpSpPr>
       <p:sp>
         <p:nvSpPr>
-          <p:cNvPr id="181" name="Shape 181"/>
+          <p:cNvPr id="183" name="Shape 183"/>
           <p:cNvSpPr/>
           <p:nvPr>
             <p:ph idx="2" type="sldImg"/>
@@ -854,7 +850,7 @@
       </p:sp>
       <p:sp>
         <p:nvSpPr>
-          <p:cNvPr id="182" name="Shape 182"/>
+          <p:cNvPr id="184" name="Shape 184"/>
           <p:cNvSpPr txBox="1"/>
           <p:nvPr>
             <p:ph idx="1" type="body"/>
@@ -901,7 +897,7 @@
   <p:cSld>
     <p:spTree>
       <p:nvGrpSpPr>
-        <p:cNvPr id="187" name="Shape 187"/>
+        <p:cNvPr id="189" name="Shape 189"/>
         <p:cNvGrpSpPr/>
         <p:nvPr/>
       </p:nvGrpSpPr>
@@ -915,7 +911,7 @@
       </p:grpSpPr>
       <p:sp>
         <p:nvSpPr>
-          <p:cNvPr id="188" name="Shape 188"/>
+          <p:cNvPr id="190" name="Shape 190"/>
           <p:cNvSpPr/>
           <p:nvPr>
             <p:ph idx="2" type="sldImg"/>
@@ -949,7 +945,7 @@
       </p:sp>
       <p:sp>
         <p:nvSpPr>
-          <p:cNvPr id="189" name="Shape 189"/>
+          <p:cNvPr id="191" name="Shape 191"/>
           <p:cNvSpPr txBox="1"/>
           <p:nvPr>
             <p:ph idx="1" type="body"/>
@@ -996,7 +992,7 @@
   <p:cSld>
     <p:spTree>
       <p:nvGrpSpPr>
-        <p:cNvPr id="198" name="Shape 198"/>
+        <p:cNvPr id="200" name="Shape 200"/>
         <p:cNvGrpSpPr/>
         <p:nvPr/>
       </p:nvGrpSpPr>
@@ -1010,7 +1006,7 @@
       </p:grpSpPr>
       <p:sp>
         <p:nvSpPr>
-          <p:cNvPr id="199" name="Shape 199"/>
+          <p:cNvPr id="201" name="Shape 201"/>
           <p:cNvSpPr/>
           <p:nvPr>
             <p:ph idx="2" type="sldImg"/>
@@ -1044,7 +1040,7 @@
       </p:sp>
       <p:sp>
         <p:nvSpPr>
-          <p:cNvPr id="200" name="Shape 200"/>
+          <p:cNvPr id="202" name="Shape 202"/>
           <p:cNvSpPr txBox="1"/>
           <p:nvPr>
             <p:ph idx="1" type="body"/>
@@ -1091,7 +1087,7 @@
   <p:cSld>
     <p:spTree>
       <p:nvGrpSpPr>
-        <p:cNvPr id="204" name="Shape 204"/>
+        <p:cNvPr id="206" name="Shape 206"/>
         <p:cNvGrpSpPr/>
         <p:nvPr/>
       </p:nvGrpSpPr>
@@ -1105,7 +1101,7 @@
       </p:grpSpPr>
       <p:sp>
         <p:nvSpPr>
-          <p:cNvPr id="205" name="Shape 205"/>
+          <p:cNvPr id="207" name="Shape 207"/>
           <p:cNvSpPr/>
           <p:nvPr>
             <p:ph idx="2" type="sldImg"/>
@@ -1139,7 +1135,7 @@
       </p:sp>
       <p:sp>
         <p:nvSpPr>
-          <p:cNvPr id="206" name="Shape 206"/>
+          <p:cNvPr id="208" name="Shape 208"/>
           <p:cNvSpPr txBox="1"/>
           <p:nvPr>
             <p:ph idx="1" type="body"/>
@@ -1186,7 +1182,7 @@
   <p:cSld>
     <p:spTree>
       <p:nvGrpSpPr>
-        <p:cNvPr id="210" name="Shape 210"/>
+        <p:cNvPr id="212" name="Shape 212"/>
         <p:cNvGrpSpPr/>
         <p:nvPr/>
       </p:nvGrpSpPr>
@@ -1200,7 +1196,7 @@
       </p:grpSpPr>
       <p:sp>
         <p:nvSpPr>
-          <p:cNvPr id="211" name="Shape 211"/>
+          <p:cNvPr id="213" name="Shape 213"/>
           <p:cNvSpPr/>
           <p:nvPr>
             <p:ph idx="2" type="sldImg"/>
@@ -1234,7 +1230,7 @@
       </p:sp>
       <p:sp>
         <p:nvSpPr>
-          <p:cNvPr id="212" name="Shape 212"/>
+          <p:cNvPr id="214" name="Shape 214"/>
           <p:cNvSpPr txBox="1"/>
           <p:nvPr>
             <p:ph idx="1" type="body"/>
@@ -1281,7 +1277,7 @@
   <p:cSld>
     <p:spTree>
       <p:nvGrpSpPr>
-        <p:cNvPr id="218" name="Shape 218"/>
+        <p:cNvPr id="220" name="Shape 220"/>
         <p:cNvGrpSpPr/>
         <p:nvPr/>
       </p:nvGrpSpPr>
@@ -1295,7 +1291,7 @@
       </p:grpSpPr>
       <p:sp>
         <p:nvSpPr>
-          <p:cNvPr id="219" name="Shape 219"/>
+          <p:cNvPr id="221" name="Shape 221"/>
           <p:cNvSpPr/>
           <p:nvPr>
             <p:ph idx="2" type="sldImg"/>
@@ -1329,7 +1325,7 @@
       </p:sp>
       <p:sp>
         <p:nvSpPr>
-          <p:cNvPr id="220" name="Shape 220"/>
+          <p:cNvPr id="222" name="Shape 222"/>
           <p:cNvSpPr txBox="1"/>
           <p:nvPr>
             <p:ph idx="1" type="body"/>
@@ -1376,7 +1372,7 @@
   <p:cSld>
     <p:spTree>
       <p:nvGrpSpPr>
-        <p:cNvPr id="228" name="Shape 228"/>
+        <p:cNvPr id="230" name="Shape 230"/>
         <p:cNvGrpSpPr/>
         <p:nvPr/>
       </p:nvGrpSpPr>
@@ -1390,7 +1386,7 @@
       </p:grpSpPr>
       <p:sp>
         <p:nvSpPr>
-          <p:cNvPr id="229" name="Shape 229"/>
+          <p:cNvPr id="231" name="Shape 231"/>
           <p:cNvSpPr/>
           <p:nvPr>
             <p:ph idx="2" type="sldImg"/>
@@ -1424,7 +1420,7 @@
       </p:sp>
       <p:sp>
         <p:nvSpPr>
-          <p:cNvPr id="230" name="Shape 230"/>
+          <p:cNvPr id="232" name="Shape 232"/>
           <p:cNvSpPr txBox="1"/>
           <p:nvPr>
             <p:ph idx="1" type="body"/>
@@ -1566,7 +1562,7 @@
   <p:cSld>
     <p:spTree>
       <p:nvGrpSpPr>
-        <p:cNvPr id="238" name="Shape 238"/>
+        <p:cNvPr id="240" name="Shape 240"/>
         <p:cNvGrpSpPr/>
         <p:nvPr/>
       </p:nvGrpSpPr>
@@ -1580,7 +1576,7 @@
       </p:grpSpPr>
       <p:sp>
         <p:nvSpPr>
-          <p:cNvPr id="239" name="Shape 239"/>
+          <p:cNvPr id="241" name="Shape 241"/>
           <p:cNvSpPr/>
           <p:nvPr>
             <p:ph idx="2" type="sldImg"/>
@@ -1614,7 +1610,7 @@
       </p:sp>
       <p:sp>
         <p:nvSpPr>
-          <p:cNvPr id="240" name="Shape 240"/>
+          <p:cNvPr id="242" name="Shape 242"/>
           <p:cNvSpPr txBox="1"/>
           <p:nvPr>
             <p:ph idx="1" type="body"/>
@@ -1661,7 +1657,7 @@
   <p:cSld>
     <p:spTree>
       <p:nvGrpSpPr>
-        <p:cNvPr id="248" name="Shape 248"/>
+        <p:cNvPr id="251" name="Shape 251"/>
         <p:cNvGrpSpPr/>
         <p:nvPr/>
       </p:nvGrpSpPr>
@@ -1675,7 +1671,7 @@
       </p:grpSpPr>
       <p:sp>
         <p:nvSpPr>
-          <p:cNvPr id="249" name="Shape 249"/>
+          <p:cNvPr id="252" name="Shape 252"/>
           <p:cNvSpPr/>
           <p:nvPr>
             <p:ph idx="2" type="sldImg"/>
@@ -1709,7 +1705,7 @@
       </p:sp>
       <p:sp>
         <p:nvSpPr>
-          <p:cNvPr id="250" name="Shape 250"/>
+          <p:cNvPr id="253" name="Shape 253"/>
           <p:cNvSpPr txBox="1"/>
           <p:nvPr>
             <p:ph idx="1" type="body"/>
@@ -1756,7 +1752,7 @@
   <p:cSld>
     <p:spTree>
       <p:nvGrpSpPr>
-        <p:cNvPr id="255" name="Shape 255"/>
+        <p:cNvPr id="258" name="Shape 258"/>
         <p:cNvGrpSpPr/>
         <p:nvPr/>
       </p:nvGrpSpPr>
@@ -1770,7 +1766,7 @@
       </p:grpSpPr>
       <p:sp>
         <p:nvSpPr>
-          <p:cNvPr id="256" name="Shape 256"/>
+          <p:cNvPr id="259" name="Shape 259"/>
           <p:cNvSpPr/>
           <p:nvPr>
             <p:ph idx="2" type="sldImg"/>
@@ -1804,7 +1800,7 @@
       </p:sp>
       <p:sp>
         <p:nvSpPr>
-          <p:cNvPr id="257" name="Shape 257"/>
+          <p:cNvPr id="260" name="Shape 260"/>
           <p:cNvSpPr txBox="1"/>
           <p:nvPr>
             <p:ph idx="1" type="body"/>
@@ -1851,7 +1847,7 @@
   <p:cSld>
     <p:spTree>
       <p:nvGrpSpPr>
-        <p:cNvPr id="262" name="Shape 262"/>
+        <p:cNvPr id="265" name="Shape 265"/>
         <p:cNvGrpSpPr/>
         <p:nvPr/>
       </p:nvGrpSpPr>
@@ -1865,7 +1861,7 @@
       </p:grpSpPr>
       <p:sp>
         <p:nvSpPr>
-          <p:cNvPr id="263" name="Shape 263"/>
+          <p:cNvPr id="266" name="Shape 266"/>
           <p:cNvSpPr/>
           <p:nvPr>
             <p:ph idx="2" type="sldImg"/>
@@ -1899,7 +1895,7 @@
       </p:sp>
       <p:sp>
         <p:nvSpPr>
-          <p:cNvPr id="264" name="Shape 264"/>
+          <p:cNvPr id="267" name="Shape 267"/>
           <p:cNvSpPr txBox="1"/>
           <p:nvPr>
             <p:ph idx="1" type="body"/>
@@ -1946,7 +1942,7 @@
   <p:cSld>
     <p:spTree>
       <p:nvGrpSpPr>
-        <p:cNvPr id="269" name="Shape 269"/>
+        <p:cNvPr id="272" name="Shape 272"/>
         <p:cNvGrpSpPr/>
         <p:nvPr/>
       </p:nvGrpSpPr>
@@ -1960,7 +1956,7 @@
       </p:grpSpPr>
       <p:sp>
         <p:nvSpPr>
-          <p:cNvPr id="270" name="Shape 270"/>
+          <p:cNvPr id="273" name="Shape 273"/>
           <p:cNvSpPr/>
           <p:nvPr>
             <p:ph idx="2" type="sldImg"/>
@@ -1994,7 +1990,7 @@
       </p:sp>
       <p:sp>
         <p:nvSpPr>
-          <p:cNvPr id="271" name="Shape 271"/>
+          <p:cNvPr id="274" name="Shape 274"/>
           <p:cNvSpPr txBox="1"/>
           <p:nvPr>
             <p:ph idx="1" type="body"/>
@@ -2041,7 +2037,7 @@
   <p:cSld>
     <p:spTree>
       <p:nvGrpSpPr>
-        <p:cNvPr id="276" name="Shape 276"/>
+        <p:cNvPr id="279" name="Shape 279"/>
         <p:cNvGrpSpPr/>
         <p:nvPr/>
       </p:nvGrpSpPr>
@@ -2055,7 +2051,7 @@
       </p:grpSpPr>
       <p:sp>
         <p:nvSpPr>
-          <p:cNvPr id="277" name="Shape 277"/>
+          <p:cNvPr id="280" name="Shape 280"/>
           <p:cNvSpPr/>
           <p:nvPr>
             <p:ph idx="2" type="sldImg"/>
@@ -2089,7 +2085,7 @@
       </p:sp>
       <p:sp>
         <p:nvSpPr>
-          <p:cNvPr id="278" name="Shape 278"/>
+          <p:cNvPr id="281" name="Shape 281"/>
           <p:cNvSpPr txBox="1"/>
           <p:nvPr>
             <p:ph idx="1" type="body"/>
@@ -2136,7 +2132,7 @@
   <p:cSld>
     <p:spTree>
       <p:nvGrpSpPr>
-        <p:cNvPr id="286" name="Shape 286"/>
+        <p:cNvPr id="293" name="Shape 293"/>
         <p:cNvGrpSpPr/>
         <p:nvPr/>
       </p:nvGrpSpPr>
@@ -2150,7 +2146,7 @@
       </p:grpSpPr>
       <p:sp>
         <p:nvSpPr>
-          <p:cNvPr id="287" name="Shape 287"/>
+          <p:cNvPr id="294" name="Shape 294"/>
           <p:cNvSpPr/>
           <p:nvPr>
             <p:ph idx="2" type="sldImg"/>
@@ -2184,7 +2180,7 @@
       </p:sp>
       <p:sp>
         <p:nvSpPr>
-          <p:cNvPr id="288" name="Shape 288"/>
+          <p:cNvPr id="295" name="Shape 295"/>
           <p:cNvSpPr txBox="1"/>
           <p:nvPr>
             <p:ph idx="1" type="body"/>
@@ -2231,7 +2227,7 @@
   <p:cSld>
     <p:spTree>
       <p:nvGrpSpPr>
-        <p:cNvPr id="292" name="Shape 292"/>
+        <p:cNvPr id="301" name="Shape 301"/>
         <p:cNvGrpSpPr/>
         <p:nvPr/>
       </p:nvGrpSpPr>
@@ -2245,7 +2241,7 @@
       </p:grpSpPr>
       <p:sp>
         <p:nvSpPr>
-          <p:cNvPr id="293" name="Shape 293"/>
+          <p:cNvPr id="302" name="Shape 302"/>
           <p:cNvSpPr/>
           <p:nvPr>
             <p:ph idx="2" type="sldImg"/>
@@ -2279,7 +2275,7 @@
       </p:sp>
       <p:sp>
         <p:nvSpPr>
-          <p:cNvPr id="294" name="Shape 294"/>
+          <p:cNvPr id="303" name="Shape 303"/>
           <p:cNvSpPr txBox="1"/>
           <p:nvPr>
             <p:ph idx="1" type="body"/>
@@ -2326,7 +2322,7 @@
   <p:cSld>
     <p:spTree>
       <p:nvGrpSpPr>
-        <p:cNvPr id="303" name="Shape 303"/>
+        <p:cNvPr id="312" name="Shape 312"/>
         <p:cNvGrpSpPr/>
         <p:nvPr/>
       </p:nvGrpSpPr>
@@ -2340,7 +2336,7 @@
       </p:grpSpPr>
       <p:sp>
         <p:nvSpPr>
-          <p:cNvPr id="304" name="Shape 304"/>
+          <p:cNvPr id="313" name="Shape 313"/>
           <p:cNvSpPr/>
           <p:nvPr>
             <p:ph idx="2" type="sldImg"/>
@@ -2374,7 +2370,7 @@
       </p:sp>
       <p:sp>
         <p:nvSpPr>
-          <p:cNvPr id="305" name="Shape 305"/>
+          <p:cNvPr id="314" name="Shape 314"/>
           <p:cNvSpPr txBox="1"/>
           <p:nvPr>
             <p:ph idx="1" type="body"/>
@@ -2421,7 +2417,7 @@
   <p:cSld>
     <p:spTree>
       <p:nvGrpSpPr>
-        <p:cNvPr id="310" name="Shape 310"/>
+        <p:cNvPr id="319" name="Shape 319"/>
         <p:cNvGrpSpPr/>
         <p:nvPr/>
       </p:nvGrpSpPr>
@@ -2435,7 +2431,7 @@
       </p:grpSpPr>
       <p:sp>
         <p:nvSpPr>
-          <p:cNvPr id="311" name="Shape 311"/>
+          <p:cNvPr id="320" name="Shape 320"/>
           <p:cNvSpPr/>
           <p:nvPr>
             <p:ph idx="2" type="sldImg"/>
@@ -2469,7 +2465,7 @@
       </p:sp>
       <p:sp>
         <p:nvSpPr>
-          <p:cNvPr id="312" name="Shape 312"/>
+          <p:cNvPr id="321" name="Shape 321"/>
           <p:cNvSpPr txBox="1"/>
           <p:nvPr>
             <p:ph idx="1" type="body"/>
@@ -2611,7 +2607,7 @@
   <p:cSld>
     <p:spTree>
       <p:nvGrpSpPr>
-        <p:cNvPr id="318" name="Shape 318"/>
+        <p:cNvPr id="327" name="Shape 327"/>
         <p:cNvGrpSpPr/>
         <p:nvPr/>
       </p:nvGrpSpPr>
@@ -2625,7 +2621,7 @@
       </p:grpSpPr>
       <p:sp>
         <p:nvSpPr>
-          <p:cNvPr id="319" name="Shape 319"/>
+          <p:cNvPr id="328" name="Shape 328"/>
           <p:cNvSpPr/>
           <p:nvPr>
             <p:ph idx="2" type="sldImg"/>
@@ -2659,7 +2655,7 @@
       </p:sp>
       <p:sp>
         <p:nvSpPr>
-          <p:cNvPr id="320" name="Shape 320"/>
+          <p:cNvPr id="329" name="Shape 329"/>
           <p:cNvSpPr txBox="1"/>
           <p:nvPr>
             <p:ph idx="1" type="body"/>
@@ -2706,7 +2702,7 @@
   <p:cSld>
     <p:spTree>
       <p:nvGrpSpPr>
-        <p:cNvPr id="325" name="Shape 325"/>
+        <p:cNvPr id="334" name="Shape 334"/>
         <p:cNvGrpSpPr/>
         <p:nvPr/>
       </p:nvGrpSpPr>
@@ -2720,7 +2716,7 @@
       </p:grpSpPr>
       <p:sp>
         <p:nvSpPr>
-          <p:cNvPr id="326" name="Shape 326"/>
+          <p:cNvPr id="335" name="Shape 335"/>
           <p:cNvSpPr/>
           <p:nvPr>
             <p:ph idx="2" type="sldImg"/>
@@ -2754,7 +2750,7 @@
       </p:sp>
       <p:sp>
         <p:nvSpPr>
-          <p:cNvPr id="327" name="Shape 327"/>
+          <p:cNvPr id="336" name="Shape 336"/>
           <p:cNvSpPr txBox="1"/>
           <p:nvPr>
             <p:ph idx="1" type="body"/>
@@ -2801,7 +2797,7 @@
   <p:cSld>
     <p:spTree>
       <p:nvGrpSpPr>
-        <p:cNvPr id="336" name="Shape 336"/>
+        <p:cNvPr id="345" name="Shape 345"/>
         <p:cNvGrpSpPr/>
         <p:nvPr/>
       </p:nvGrpSpPr>
@@ -2815,7 +2811,7 @@
       </p:grpSpPr>
       <p:sp>
         <p:nvSpPr>
-          <p:cNvPr id="337" name="Shape 337"/>
+          <p:cNvPr id="346" name="Shape 346"/>
           <p:cNvSpPr/>
           <p:nvPr>
             <p:ph idx="2" type="sldImg"/>
@@ -2849,7 +2845,7 @@
       </p:sp>
       <p:sp>
         <p:nvSpPr>
-          <p:cNvPr id="338" name="Shape 338"/>
+          <p:cNvPr id="347" name="Shape 347"/>
           <p:cNvSpPr txBox="1"/>
           <p:nvPr>
             <p:ph idx="1" type="body"/>
@@ -2896,7 +2892,7 @@
   <p:cSld>
     <p:spTree>
       <p:nvGrpSpPr>
-        <p:cNvPr id="342" name="Shape 342"/>
+        <p:cNvPr id="351" name="Shape 351"/>
         <p:cNvGrpSpPr/>
         <p:nvPr/>
       </p:nvGrpSpPr>
@@ -2910,7 +2906,7 @@
       </p:grpSpPr>
       <p:sp>
         <p:nvSpPr>
-          <p:cNvPr id="343" name="Shape 343"/>
+          <p:cNvPr id="352" name="Shape 352"/>
           <p:cNvSpPr/>
           <p:nvPr>
             <p:ph idx="2" type="sldImg"/>
@@ -2944,7 +2940,7 @@
       </p:sp>
       <p:sp>
         <p:nvSpPr>
-          <p:cNvPr id="344" name="Shape 344"/>
+          <p:cNvPr id="353" name="Shape 353"/>
           <p:cNvSpPr txBox="1"/>
           <p:nvPr>
             <p:ph idx="1" type="body"/>
@@ -2991,7 +2987,7 @@
   <p:cSld>
     <p:spTree>
       <p:nvGrpSpPr>
-        <p:cNvPr id="353" name="Shape 353"/>
+        <p:cNvPr id="362" name="Shape 362"/>
         <p:cNvGrpSpPr/>
         <p:nvPr/>
       </p:nvGrpSpPr>
@@ -3005,7 +3001,7 @@
       </p:grpSpPr>
       <p:sp>
         <p:nvSpPr>
-          <p:cNvPr id="354" name="Shape 354"/>
+          <p:cNvPr id="363" name="Shape 363"/>
           <p:cNvSpPr/>
           <p:nvPr>
             <p:ph idx="2" type="sldImg"/>
@@ -3039,7 +3035,7 @@
       </p:sp>
       <p:sp>
         <p:nvSpPr>
-          <p:cNvPr id="355" name="Shape 355"/>
+          <p:cNvPr id="364" name="Shape 364"/>
           <p:cNvSpPr txBox="1"/>
           <p:nvPr>
             <p:ph idx="1" type="body"/>
@@ -3086,7 +3082,7 @@
   <p:cSld>
     <p:spTree>
       <p:nvGrpSpPr>
-        <p:cNvPr id="362" name="Shape 362"/>
+        <p:cNvPr id="371" name="Shape 371"/>
         <p:cNvGrpSpPr/>
         <p:nvPr/>
       </p:nvGrpSpPr>
@@ -3100,7 +3096,7 @@
       </p:grpSpPr>
       <p:sp>
         <p:nvSpPr>
-          <p:cNvPr id="363" name="Shape 363"/>
+          <p:cNvPr id="372" name="Shape 372"/>
           <p:cNvSpPr/>
           <p:nvPr>
             <p:ph idx="2" type="sldImg"/>
@@ -3134,7 +3130,7 @@
       </p:sp>
       <p:sp>
         <p:nvSpPr>
-          <p:cNvPr id="364" name="Shape 364"/>
+          <p:cNvPr id="373" name="Shape 373"/>
           <p:cNvSpPr txBox="1"/>
           <p:nvPr>
             <p:ph idx="1" type="body"/>
@@ -3181,7 +3177,7 @@
   <p:cSld>
     <p:spTree>
       <p:nvGrpSpPr>
-        <p:cNvPr id="368" name="Shape 368"/>
+        <p:cNvPr id="377" name="Shape 377"/>
         <p:cNvGrpSpPr/>
         <p:nvPr/>
       </p:nvGrpSpPr>
@@ -3195,7 +3191,7 @@
       </p:grpSpPr>
       <p:sp>
         <p:nvSpPr>
-          <p:cNvPr id="369" name="Shape 369"/>
+          <p:cNvPr id="378" name="Shape 378"/>
           <p:cNvSpPr/>
           <p:nvPr>
             <p:ph idx="2" type="sldImg"/>
@@ -3229,7 +3225,7 @@
       </p:sp>
       <p:sp>
         <p:nvSpPr>
-          <p:cNvPr id="370" name="Shape 370"/>
+          <p:cNvPr id="379" name="Shape 379"/>
           <p:cNvSpPr txBox="1"/>
           <p:nvPr>
             <p:ph idx="1" type="body"/>
@@ -3276,7 +3272,7 @@
   <p:cSld>
     <p:spTree>
       <p:nvGrpSpPr>
-        <p:cNvPr id="374" name="Shape 374"/>
+        <p:cNvPr id="383" name="Shape 383"/>
         <p:cNvGrpSpPr/>
         <p:nvPr/>
       </p:nvGrpSpPr>
@@ -3290,7 +3286,7 @@
       </p:grpSpPr>
       <p:sp>
         <p:nvSpPr>
-          <p:cNvPr id="375" name="Shape 375"/>
+          <p:cNvPr id="384" name="Shape 384"/>
           <p:cNvSpPr/>
           <p:nvPr>
             <p:ph idx="2" type="sldImg"/>
@@ -3324,7 +3320,7 @@
       </p:sp>
       <p:sp>
         <p:nvSpPr>
-          <p:cNvPr id="376" name="Shape 376"/>
+          <p:cNvPr id="385" name="Shape 385"/>
           <p:cNvSpPr txBox="1"/>
           <p:nvPr>
             <p:ph idx="1" type="body"/>
@@ -3345,7 +3341,7 @@
           </a:bodyPr>
           <a:lstStyle/>
           <a:p>
-            <a:pPr lvl="0">
+            <a:pPr lvl="0" rtl="0">
               <a:spcBef>
                 <a:spcPts val="0"/>
               </a:spcBef>
@@ -3371,7 +3367,7 @@
   <p:cSld>
     <p:spTree>
       <p:nvGrpSpPr>
-        <p:cNvPr id="380" name="Shape 380"/>
+        <p:cNvPr id="390" name="Shape 390"/>
         <p:cNvGrpSpPr/>
         <p:nvPr/>
       </p:nvGrpSpPr>
@@ -3385,7 +3381,7 @@
       </p:grpSpPr>
       <p:sp>
         <p:nvSpPr>
-          <p:cNvPr id="381" name="Shape 381"/>
+          <p:cNvPr id="391" name="Shape 391"/>
           <p:cNvSpPr/>
           <p:nvPr>
             <p:ph idx="2" type="sldImg"/>
@@ -3419,7 +3415,7 @@
       </p:sp>
       <p:sp>
         <p:nvSpPr>
-          <p:cNvPr id="382" name="Shape 382"/>
+          <p:cNvPr id="392" name="Shape 392"/>
           <p:cNvSpPr txBox="1"/>
           <p:nvPr>
             <p:ph idx="1" type="body"/>
@@ -3440,7 +3436,7 @@
           </a:bodyPr>
           <a:lstStyle/>
           <a:p>
-            <a:pPr lvl="0" rtl="0">
+            <a:pPr lvl="0">
               <a:spcBef>
                 <a:spcPts val="0"/>
               </a:spcBef>
@@ -3466,7 +3462,7 @@
   <p:cSld>
     <p:spTree>
       <p:nvGrpSpPr>
-        <p:cNvPr id="387" name="Shape 387"/>
+        <p:cNvPr id="396" name="Shape 396"/>
         <p:cNvGrpSpPr/>
         <p:nvPr/>
       </p:nvGrpSpPr>
@@ -3480,7 +3476,7 @@
       </p:grpSpPr>
       <p:sp>
         <p:nvSpPr>
-          <p:cNvPr id="388" name="Shape 388"/>
+          <p:cNvPr id="397" name="Shape 397"/>
           <p:cNvSpPr/>
           <p:nvPr>
             <p:ph idx="2" type="sldImg"/>
@@ -3514,7 +3510,7 @@
       </p:sp>
       <p:sp>
         <p:nvSpPr>
-          <p:cNvPr id="389" name="Shape 389"/>
+          <p:cNvPr id="398" name="Shape 398"/>
           <p:cNvSpPr txBox="1"/>
           <p:nvPr>
             <p:ph idx="1" type="body"/>
@@ -3656,7 +3652,7 @@
   <p:cSld>
     <p:spTree>
       <p:nvGrpSpPr>
-        <p:cNvPr id="393" name="Shape 393"/>
+        <p:cNvPr id="402" name="Shape 402"/>
         <p:cNvGrpSpPr/>
         <p:nvPr/>
       </p:nvGrpSpPr>
@@ -3670,7 +3666,7 @@
       </p:grpSpPr>
       <p:sp>
         <p:nvSpPr>
-          <p:cNvPr id="394" name="Shape 394"/>
+          <p:cNvPr id="403" name="Shape 403"/>
           <p:cNvSpPr/>
           <p:nvPr>
             <p:ph idx="2" type="sldImg"/>
@@ -3704,7 +3700,7 @@
       </p:sp>
       <p:sp>
         <p:nvSpPr>
-          <p:cNvPr id="395" name="Shape 395"/>
+          <p:cNvPr id="404" name="Shape 404"/>
           <p:cNvSpPr txBox="1"/>
           <p:nvPr>
             <p:ph idx="1" type="body"/>
@@ -3751,7 +3747,7 @@
   <p:cSld>
     <p:spTree>
       <p:nvGrpSpPr>
-        <p:cNvPr id="401" name="Shape 401"/>
+        <p:cNvPr id="408" name="Shape 408"/>
         <p:cNvGrpSpPr/>
         <p:nvPr/>
       </p:nvGrpSpPr>
@@ -3765,7 +3761,7 @@
       </p:grpSpPr>
       <p:sp>
         <p:nvSpPr>
-          <p:cNvPr id="402" name="Shape 402"/>
+          <p:cNvPr id="409" name="Shape 409"/>
           <p:cNvSpPr/>
           <p:nvPr>
             <p:ph idx="2" type="sldImg"/>
@@ -3799,7 +3795,7 @@
       </p:sp>
       <p:sp>
         <p:nvSpPr>
-          <p:cNvPr id="403" name="Shape 403"/>
+          <p:cNvPr id="410" name="Shape 410"/>
           <p:cNvSpPr txBox="1"/>
           <p:nvPr>
             <p:ph idx="1" type="body"/>
@@ -3846,7 +3842,7 @@
   <p:cSld>
     <p:spTree>
       <p:nvGrpSpPr>
-        <p:cNvPr id="407" name="Shape 407"/>
+        <p:cNvPr id="415" name="Shape 415"/>
         <p:cNvGrpSpPr/>
         <p:nvPr/>
       </p:nvGrpSpPr>
@@ -3860,7 +3856,7 @@
       </p:grpSpPr>
       <p:sp>
         <p:nvSpPr>
-          <p:cNvPr id="408" name="Shape 408"/>
+          <p:cNvPr id="416" name="Shape 416"/>
           <p:cNvSpPr/>
           <p:nvPr>
             <p:ph idx="2" type="sldImg"/>
@@ -3894,7 +3890,7 @@
       </p:sp>
       <p:sp>
         <p:nvSpPr>
-          <p:cNvPr id="409" name="Shape 409"/>
+          <p:cNvPr id="417" name="Shape 417"/>
           <p:cNvSpPr txBox="1"/>
           <p:nvPr>
             <p:ph idx="1" type="body"/>
@@ -3941,7 +3937,7 @@
   <p:cSld>
     <p:spTree>
       <p:nvGrpSpPr>
-        <p:cNvPr id="417" name="Shape 417"/>
+        <p:cNvPr id="421" name="Shape 421"/>
         <p:cNvGrpSpPr/>
         <p:nvPr/>
       </p:nvGrpSpPr>
@@ -3955,7 +3951,7 @@
       </p:grpSpPr>
       <p:sp>
         <p:nvSpPr>
-          <p:cNvPr id="418" name="Shape 418"/>
+          <p:cNvPr id="422" name="Shape 422"/>
           <p:cNvSpPr/>
           <p:nvPr>
             <p:ph idx="2" type="sldImg"/>
@@ -3989,387 +3985,7 @@
       </p:sp>
       <p:sp>
         <p:nvSpPr>
-          <p:cNvPr id="419" name="Shape 419"/>
-          <p:cNvSpPr txBox="1"/>
-          <p:nvPr>
-            <p:ph idx="1" type="body"/>
-          </p:nvPr>
-        </p:nvSpPr>
-        <p:spPr>
-          <a:xfrm>
-            <a:off x="685800" y="4343400"/>
-            <a:ext cx="5486400" cy="4114800"/>
-          </a:xfrm>
-          <a:prstGeom prst="rect">
-            <a:avLst/>
-          </a:prstGeom>
-        </p:spPr>
-        <p:txBody>
-          <a:bodyPr anchorCtr="0" anchor="t" bIns="91425" lIns="91425" rIns="91425" tIns="91425">
-            <a:noAutofit/>
-          </a:bodyPr>
-          <a:lstStyle/>
-          <a:p>
-            <a:pPr lvl="0">
-              <a:spcBef>
-                <a:spcPts val="0"/>
-              </a:spcBef>
-              <a:buNone/>
-            </a:pPr>
-            <a:r>
-              <a:t/>
-            </a:r>
-            <a:endParaRPr/>
-          </a:p>
-        </p:txBody>
-      </p:sp>
-    </p:spTree>
-  </p:cSld>
-  <p:clrMapOvr>
-    <a:masterClrMapping/>
-  </p:clrMapOvr>
-</p:notes>
-</file>
-
-<file path=ppt/notesSlides/notesSlide44.xml><?xml version="1.0" encoding="utf-8"?>
-<p:notes xmlns:a="http://schemas.openxmlformats.org/drawingml/2006/main" xmlns:r="http://schemas.openxmlformats.org/officeDocument/2006/relationships" xmlns:mc="http://schemas.openxmlformats.org/markup-compatibility/2006" xmlns:mv="urn:schemas-microsoft-com:mac:vml" xmlns:p="http://schemas.openxmlformats.org/presentationml/2006/main" xmlns:c="http://schemas.openxmlformats.org/drawingml/2006/chart" xmlns:dgm="http://schemas.openxmlformats.org/drawingml/2006/diagram" xmlns:o="urn:schemas-microsoft-com:office:office" xmlns:v="urn:schemas-microsoft-com:vml" xmlns:pvml="urn:schemas-microsoft-com:office:powerpoint" xmlns:com="http://schemas.openxmlformats.org/drawingml/2006/compatibility" xmlns:p14="http://schemas.microsoft.com/office/powerpoint/2010/main" showMasterPhAnim="0" showMasterSp="0">
-  <p:cSld>
-    <p:spTree>
-      <p:nvGrpSpPr>
-        <p:cNvPr id="423" name="Shape 423"/>
-        <p:cNvGrpSpPr/>
-        <p:nvPr/>
-      </p:nvGrpSpPr>
-      <p:grpSpPr>
-        <a:xfrm>
-          <a:off x="0" y="0"/>
-          <a:ext cx="0" cy="0"/>
-          <a:chOff x="0" y="0"/>
-          <a:chExt cx="0" cy="0"/>
-        </a:xfrm>
-      </p:grpSpPr>
-      <p:sp>
-        <p:nvSpPr>
-          <p:cNvPr id="424" name="Shape 424"/>
-          <p:cNvSpPr/>
-          <p:nvPr>
-            <p:ph idx="2" type="sldImg"/>
-          </p:nvPr>
-        </p:nvSpPr>
-        <p:spPr>
-          <a:xfrm>
-            <a:off x="381300" y="685800"/>
-            <a:ext cx="6096000" cy="3429000"/>
-          </a:xfrm>
-          <a:custGeom>
-            <a:pathLst>
-              <a:path extrusionOk="0" h="120000" w="120000">
-                <a:moveTo>
-                  <a:pt x="0" y="0"/>
-                </a:moveTo>
-                <a:lnTo>
-                  <a:pt x="120000" y="0"/>
-                </a:lnTo>
-                <a:lnTo>
-                  <a:pt x="120000" y="120000"/>
-                </a:lnTo>
-                <a:lnTo>
-                  <a:pt x="0" y="120000"/>
-                </a:lnTo>
-                <a:close/>
-              </a:path>
-            </a:pathLst>
-          </a:custGeom>
-        </p:spPr>
-      </p:sp>
-      <p:sp>
-        <p:nvSpPr>
-          <p:cNvPr id="425" name="Shape 425"/>
-          <p:cNvSpPr txBox="1"/>
-          <p:nvPr>
-            <p:ph idx="1" type="body"/>
-          </p:nvPr>
-        </p:nvSpPr>
-        <p:spPr>
-          <a:xfrm>
-            <a:off x="685800" y="4343400"/>
-            <a:ext cx="5486400" cy="4114800"/>
-          </a:xfrm>
-          <a:prstGeom prst="rect">
-            <a:avLst/>
-          </a:prstGeom>
-        </p:spPr>
-        <p:txBody>
-          <a:bodyPr anchorCtr="0" anchor="t" bIns="91425" lIns="91425" rIns="91425" tIns="91425">
-            <a:noAutofit/>
-          </a:bodyPr>
-          <a:lstStyle/>
-          <a:p>
-            <a:pPr lvl="0">
-              <a:spcBef>
-                <a:spcPts val="0"/>
-              </a:spcBef>
-              <a:buNone/>
-            </a:pPr>
-            <a:r>
-              <a:t/>
-            </a:r>
-            <a:endParaRPr/>
-          </a:p>
-        </p:txBody>
-      </p:sp>
-    </p:spTree>
-  </p:cSld>
-  <p:clrMapOvr>
-    <a:masterClrMapping/>
-  </p:clrMapOvr>
-</p:notes>
-</file>
-
-<file path=ppt/notesSlides/notesSlide45.xml><?xml version="1.0" encoding="utf-8"?>
-<p:notes xmlns:a="http://schemas.openxmlformats.org/drawingml/2006/main" xmlns:r="http://schemas.openxmlformats.org/officeDocument/2006/relationships" xmlns:mc="http://schemas.openxmlformats.org/markup-compatibility/2006" xmlns:mv="urn:schemas-microsoft-com:mac:vml" xmlns:p="http://schemas.openxmlformats.org/presentationml/2006/main" xmlns:c="http://schemas.openxmlformats.org/drawingml/2006/chart" xmlns:dgm="http://schemas.openxmlformats.org/drawingml/2006/diagram" xmlns:o="urn:schemas-microsoft-com:office:office" xmlns:v="urn:schemas-microsoft-com:vml" xmlns:pvml="urn:schemas-microsoft-com:office:powerpoint" xmlns:com="http://schemas.openxmlformats.org/drawingml/2006/compatibility" xmlns:p14="http://schemas.microsoft.com/office/powerpoint/2010/main" showMasterPhAnim="0" showMasterSp="0">
-  <p:cSld>
-    <p:spTree>
-      <p:nvGrpSpPr>
-        <p:cNvPr id="429" name="Shape 429"/>
-        <p:cNvGrpSpPr/>
-        <p:nvPr/>
-      </p:nvGrpSpPr>
-      <p:grpSpPr>
-        <a:xfrm>
-          <a:off x="0" y="0"/>
-          <a:ext cx="0" cy="0"/>
-          <a:chOff x="0" y="0"/>
-          <a:chExt cx="0" cy="0"/>
-        </a:xfrm>
-      </p:grpSpPr>
-      <p:sp>
-        <p:nvSpPr>
-          <p:cNvPr id="430" name="Shape 430"/>
-          <p:cNvSpPr/>
-          <p:nvPr>
-            <p:ph idx="2" type="sldImg"/>
-          </p:nvPr>
-        </p:nvSpPr>
-        <p:spPr>
-          <a:xfrm>
-            <a:off x="381300" y="685800"/>
-            <a:ext cx="6096000" cy="3429000"/>
-          </a:xfrm>
-          <a:custGeom>
-            <a:pathLst>
-              <a:path extrusionOk="0" h="120000" w="120000">
-                <a:moveTo>
-                  <a:pt x="0" y="0"/>
-                </a:moveTo>
-                <a:lnTo>
-                  <a:pt x="120000" y="0"/>
-                </a:lnTo>
-                <a:lnTo>
-                  <a:pt x="120000" y="120000"/>
-                </a:lnTo>
-                <a:lnTo>
-                  <a:pt x="0" y="120000"/>
-                </a:lnTo>
-                <a:close/>
-              </a:path>
-            </a:pathLst>
-          </a:custGeom>
-        </p:spPr>
-      </p:sp>
-      <p:sp>
-        <p:nvSpPr>
-          <p:cNvPr id="431" name="Shape 431"/>
-          <p:cNvSpPr txBox="1"/>
-          <p:nvPr>
-            <p:ph idx="1" type="body"/>
-          </p:nvPr>
-        </p:nvSpPr>
-        <p:spPr>
-          <a:xfrm>
-            <a:off x="685800" y="4343400"/>
-            <a:ext cx="5486400" cy="4114800"/>
-          </a:xfrm>
-          <a:prstGeom prst="rect">
-            <a:avLst/>
-          </a:prstGeom>
-        </p:spPr>
-        <p:txBody>
-          <a:bodyPr anchorCtr="0" anchor="t" bIns="91425" lIns="91425" rIns="91425" tIns="91425">
-            <a:noAutofit/>
-          </a:bodyPr>
-          <a:lstStyle/>
-          <a:p>
-            <a:pPr lvl="0">
-              <a:spcBef>
-                <a:spcPts val="0"/>
-              </a:spcBef>
-              <a:buNone/>
-            </a:pPr>
-            <a:r>
-              <a:t/>
-            </a:r>
-            <a:endParaRPr/>
-          </a:p>
-        </p:txBody>
-      </p:sp>
-    </p:spTree>
-  </p:cSld>
-  <p:clrMapOvr>
-    <a:masterClrMapping/>
-  </p:clrMapOvr>
-</p:notes>
-</file>
-
-<file path=ppt/notesSlides/notesSlide46.xml><?xml version="1.0" encoding="utf-8"?>
-<p:notes xmlns:a="http://schemas.openxmlformats.org/drawingml/2006/main" xmlns:r="http://schemas.openxmlformats.org/officeDocument/2006/relationships" xmlns:mc="http://schemas.openxmlformats.org/markup-compatibility/2006" xmlns:mv="urn:schemas-microsoft-com:mac:vml" xmlns:p="http://schemas.openxmlformats.org/presentationml/2006/main" xmlns:c="http://schemas.openxmlformats.org/drawingml/2006/chart" xmlns:dgm="http://schemas.openxmlformats.org/drawingml/2006/diagram" xmlns:o="urn:schemas-microsoft-com:office:office" xmlns:v="urn:schemas-microsoft-com:vml" xmlns:pvml="urn:schemas-microsoft-com:office:powerpoint" xmlns:com="http://schemas.openxmlformats.org/drawingml/2006/compatibility" xmlns:p14="http://schemas.microsoft.com/office/powerpoint/2010/main" showMasterPhAnim="0" showMasterSp="0">
-  <p:cSld>
-    <p:spTree>
-      <p:nvGrpSpPr>
-        <p:cNvPr id="435" name="Shape 435"/>
-        <p:cNvGrpSpPr/>
-        <p:nvPr/>
-      </p:nvGrpSpPr>
-      <p:grpSpPr>
-        <a:xfrm>
-          <a:off x="0" y="0"/>
-          <a:ext cx="0" cy="0"/>
-          <a:chOff x="0" y="0"/>
-          <a:chExt cx="0" cy="0"/>
-        </a:xfrm>
-      </p:grpSpPr>
-      <p:sp>
-        <p:nvSpPr>
-          <p:cNvPr id="436" name="Shape 436"/>
-          <p:cNvSpPr/>
-          <p:nvPr>
-            <p:ph idx="2" type="sldImg"/>
-          </p:nvPr>
-        </p:nvSpPr>
-        <p:spPr>
-          <a:xfrm>
-            <a:off x="381300" y="685800"/>
-            <a:ext cx="6096000" cy="3429000"/>
-          </a:xfrm>
-          <a:custGeom>
-            <a:pathLst>
-              <a:path extrusionOk="0" h="120000" w="120000">
-                <a:moveTo>
-                  <a:pt x="0" y="0"/>
-                </a:moveTo>
-                <a:lnTo>
-                  <a:pt x="120000" y="0"/>
-                </a:lnTo>
-                <a:lnTo>
-                  <a:pt x="120000" y="120000"/>
-                </a:lnTo>
-                <a:lnTo>
-                  <a:pt x="0" y="120000"/>
-                </a:lnTo>
-                <a:close/>
-              </a:path>
-            </a:pathLst>
-          </a:custGeom>
-        </p:spPr>
-      </p:sp>
-      <p:sp>
-        <p:nvSpPr>
-          <p:cNvPr id="437" name="Shape 437"/>
-          <p:cNvSpPr txBox="1"/>
-          <p:nvPr>
-            <p:ph idx="1" type="body"/>
-          </p:nvPr>
-        </p:nvSpPr>
-        <p:spPr>
-          <a:xfrm>
-            <a:off x="685800" y="4343400"/>
-            <a:ext cx="5486400" cy="4114800"/>
-          </a:xfrm>
-          <a:prstGeom prst="rect">
-            <a:avLst/>
-          </a:prstGeom>
-        </p:spPr>
-        <p:txBody>
-          <a:bodyPr anchorCtr="0" anchor="t" bIns="91425" lIns="91425" rIns="91425" tIns="91425">
-            <a:noAutofit/>
-          </a:bodyPr>
-          <a:lstStyle/>
-          <a:p>
-            <a:pPr lvl="0">
-              <a:spcBef>
-                <a:spcPts val="0"/>
-              </a:spcBef>
-              <a:buNone/>
-            </a:pPr>
-            <a:r>
-              <a:t/>
-            </a:r>
-            <a:endParaRPr/>
-          </a:p>
-        </p:txBody>
-      </p:sp>
-    </p:spTree>
-  </p:cSld>
-  <p:clrMapOvr>
-    <a:masterClrMapping/>
-  </p:clrMapOvr>
-</p:notes>
-</file>
-
-<file path=ppt/notesSlides/notesSlide47.xml><?xml version="1.0" encoding="utf-8"?>
-<p:notes xmlns:a="http://schemas.openxmlformats.org/drawingml/2006/main" xmlns:r="http://schemas.openxmlformats.org/officeDocument/2006/relationships" xmlns:mc="http://schemas.openxmlformats.org/markup-compatibility/2006" xmlns:mv="urn:schemas-microsoft-com:mac:vml" xmlns:p="http://schemas.openxmlformats.org/presentationml/2006/main" xmlns:c="http://schemas.openxmlformats.org/drawingml/2006/chart" xmlns:dgm="http://schemas.openxmlformats.org/drawingml/2006/diagram" xmlns:o="urn:schemas-microsoft-com:office:office" xmlns:v="urn:schemas-microsoft-com:vml" xmlns:pvml="urn:schemas-microsoft-com:office:powerpoint" xmlns:com="http://schemas.openxmlformats.org/drawingml/2006/compatibility" xmlns:p14="http://schemas.microsoft.com/office/powerpoint/2010/main" showMasterPhAnim="0" showMasterSp="0">
-  <p:cSld>
-    <p:spTree>
-      <p:nvGrpSpPr>
-        <p:cNvPr id="441" name="Shape 441"/>
-        <p:cNvGrpSpPr/>
-        <p:nvPr/>
-      </p:nvGrpSpPr>
-      <p:grpSpPr>
-        <a:xfrm>
-          <a:off x="0" y="0"/>
-          <a:ext cx="0" cy="0"/>
-          <a:chOff x="0" y="0"/>
-          <a:chExt cx="0" cy="0"/>
-        </a:xfrm>
-      </p:grpSpPr>
-      <p:sp>
-        <p:nvSpPr>
-          <p:cNvPr id="442" name="Shape 442"/>
-          <p:cNvSpPr/>
-          <p:nvPr>
-            <p:ph idx="2" type="sldImg"/>
-          </p:nvPr>
-        </p:nvSpPr>
-        <p:spPr>
-          <a:xfrm>
-            <a:off x="381300" y="685800"/>
-            <a:ext cx="6096000" cy="3429000"/>
-          </a:xfrm>
-          <a:custGeom>
-            <a:pathLst>
-              <a:path extrusionOk="0" h="120000" w="120000">
-                <a:moveTo>
-                  <a:pt x="0" y="0"/>
-                </a:moveTo>
-                <a:lnTo>
-                  <a:pt x="120000" y="0"/>
-                </a:lnTo>
-                <a:lnTo>
-                  <a:pt x="120000" y="120000"/>
-                </a:lnTo>
-                <a:lnTo>
-                  <a:pt x="0" y="120000"/>
-                </a:lnTo>
-                <a:close/>
-              </a:path>
-            </a:pathLst>
-          </a:custGeom>
-        </p:spPr>
-      </p:sp>
-      <p:sp>
-        <p:nvSpPr>
-          <p:cNvPr id="443" name="Shape 443"/>
+          <p:cNvPr id="423" name="Shape 423"/>
           <p:cNvSpPr txBox="1"/>
           <p:nvPr>
             <p:ph idx="1" type="body"/>
@@ -16042,7 +15658,7 @@
           </a:prstGeom>
           <a:ln cap="flat" cmpd="sng" w="9525">
             <a:solidFill>
-              <a:schemeClr val="dk2"/>
+              <a:srgbClr val="000000"/>
             </a:solidFill>
             <a:prstDash val="solid"/>
             <a:round/>
@@ -16085,7 +15701,7 @@
             </a:pPr>
             <a:r>
               <a:rPr lang="en"/>
-              <a:t>Numeric attributes: “budget, domesticgross, globalgross, duration, imdb_score”</a:t>
+              <a:t>Numeric Features: “budget, domesticgross, globalgross, duration, imdb_score”</a:t>
             </a:r>
           </a:p>
           <a:p>
@@ -16097,7 +15713,7 @@
             </a:pPr>
             <a:r>
               <a:rPr lang="en"/>
-              <a:t>Categorical attributes: “language, country, majorgenres”</a:t>
+              <a:t>Categorical Features: “language, country, majorgenres”</a:t>
             </a:r>
           </a:p>
           <a:p>
@@ -16180,8 +15796,8 @@
         </p:blipFill>
         <p:spPr>
           <a:xfrm>
-            <a:off x="4761448" y="2504325"/>
-            <a:ext cx="821924" cy="1249974"/>
+            <a:off x="4761450" y="2449474"/>
+            <a:ext cx="858000" cy="1304824"/>
           </a:xfrm>
           <a:prstGeom prst="rect">
             <a:avLst/>
@@ -16317,7 +15933,7 @@
             </a:pPr>
             <a:r>
               <a:rPr lang="en"/>
-              <a:t>Algorithms: Linear Regression, </a:t>
+              <a:t>Algorithms: Linear Regression(LR), </a:t>
             </a:r>
             <a:r>
               <a:rPr lang="en">
@@ -16326,7 +15942,7 @@
                 <a:cs typeface="Times New Roman"/>
                 <a:sym typeface="Times New Roman"/>
               </a:rPr>
-              <a:t>Gradient Boost Regression</a:t>
+              <a:t>Gradient Boost Tree Regression(GBT)</a:t>
             </a:r>
           </a:p>
           <a:p>
@@ -16447,7 +16063,7 @@
         </p:blipFill>
         <p:spPr>
           <a:xfrm>
-            <a:off x="263525" y="1214650"/>
+            <a:off x="263525" y="1290850"/>
             <a:ext cx="8520600" cy="3655447"/>
           </a:xfrm>
           <a:prstGeom prst="rect">
@@ -16548,6 +16164,104 @@
               </a:rPr>
               <a:t>Gradient Boosted Regression</a:t>
             </a:r>
+          </a:p>
+        </p:txBody>
+      </p:sp>
+      <p:sp>
+        <p:nvSpPr>
+          <p:cNvPr id="180" name="Shape 180"/>
+          <p:cNvSpPr/>
+          <p:nvPr/>
+        </p:nvSpPr>
+        <p:spPr>
+          <a:xfrm>
+            <a:off x="125025" y="2786075"/>
+            <a:ext cx="428700" cy="285900"/>
+          </a:xfrm>
+          <a:prstGeom prst="rightArrow">
+            <a:avLst>
+              <a:gd fmla="val 50000" name="adj1"/>
+              <a:gd fmla="val 50000" name="adj2"/>
+            </a:avLst>
+          </a:prstGeom>
+          <a:solidFill>
+            <a:schemeClr val="lt2"/>
+          </a:solidFill>
+          <a:ln cap="flat" cmpd="sng" w="9525">
+            <a:solidFill>
+              <a:schemeClr val="dk2"/>
+            </a:solidFill>
+            <a:prstDash val="solid"/>
+            <a:round/>
+            <a:headEnd len="med" w="med" type="none"/>
+            <a:tailEnd len="med" w="med" type="none"/>
+          </a:ln>
+        </p:spPr>
+        <p:txBody>
+          <a:bodyPr anchorCtr="0" anchor="ctr" bIns="91425" lIns="91425" rIns="91425" tIns="91425">
+            <a:noAutofit/>
+          </a:bodyPr>
+          <a:lstStyle/>
+          <a:p>
+            <a:pPr lvl="0">
+              <a:spcBef>
+                <a:spcPts val="0"/>
+              </a:spcBef>
+              <a:buNone/>
+            </a:pPr>
+            <a:r>
+              <a:t/>
+            </a:r>
+            <a:endParaRPr/>
+          </a:p>
+        </p:txBody>
+      </p:sp>
+      <p:sp>
+        <p:nvSpPr>
+          <p:cNvPr id="181" name="Shape 181"/>
+          <p:cNvSpPr/>
+          <p:nvPr/>
+        </p:nvSpPr>
+        <p:spPr>
+          <a:xfrm>
+            <a:off x="4464850" y="2786075"/>
+            <a:ext cx="428700" cy="285900"/>
+          </a:xfrm>
+          <a:prstGeom prst="rightArrow">
+            <a:avLst>
+              <a:gd fmla="val 50000" name="adj1"/>
+              <a:gd fmla="val 50000" name="adj2"/>
+            </a:avLst>
+          </a:prstGeom>
+          <a:solidFill>
+            <a:schemeClr val="lt2"/>
+          </a:solidFill>
+          <a:ln cap="flat" cmpd="sng" w="9525">
+            <a:solidFill>
+              <a:schemeClr val="dk2"/>
+            </a:solidFill>
+            <a:prstDash val="solid"/>
+            <a:round/>
+            <a:headEnd len="med" w="med" type="none"/>
+            <a:tailEnd len="med" w="med" type="none"/>
+          </a:ln>
+        </p:spPr>
+        <p:txBody>
+          <a:bodyPr anchorCtr="0" anchor="ctr" bIns="91425" lIns="91425" rIns="91425" tIns="91425">
+            <a:noAutofit/>
+          </a:bodyPr>
+          <a:lstStyle/>
+          <a:p>
+            <a:pPr lvl="0">
+              <a:spcBef>
+                <a:spcPts val="0"/>
+              </a:spcBef>
+              <a:buNone/>
+            </a:pPr>
+            <a:r>
+              <a:t/>
+            </a:r>
+            <a:endParaRPr/>
           </a:p>
         </p:txBody>
       </p:sp>
@@ -16564,7 +16278,7 @@
   <p:cSld>
     <p:spTree>
       <p:nvGrpSpPr>
-        <p:cNvPr id="183" name="Shape 183"/>
+        <p:cNvPr id="185" name="Shape 185"/>
         <p:cNvGrpSpPr/>
         <p:nvPr/>
       </p:nvGrpSpPr>
@@ -16578,7 +16292,7 @@
       </p:grpSpPr>
       <p:sp>
         <p:nvSpPr>
-          <p:cNvPr id="184" name="Shape 184"/>
+          <p:cNvPr id="186" name="Shape 186"/>
           <p:cNvSpPr txBox="1"/>
           <p:nvPr>
             <p:ph type="title"/>
@@ -16607,14 +16321,14 @@
             </a:pPr>
             <a:r>
               <a:rPr lang="en" sz="3000"/>
-              <a:t>Importance scores of feature variables</a:t>
+              <a:t>Importance Scores of Feature Variables</a:t>
             </a:r>
           </a:p>
         </p:txBody>
       </p:sp>
       <p:pic>
         <p:nvPicPr>
-          <p:cNvPr id="185" name="Shape 185"/>
+          <p:cNvPr id="187" name="Shape 187"/>
           <p:cNvPicPr preferRelativeResize="0"/>
           <p:nvPr/>
         </p:nvPicPr>
@@ -16642,7 +16356,7 @@
       </p:pic>
       <p:pic>
         <p:nvPicPr>
-          <p:cNvPr id="186" name="Shape 186"/>
+          <p:cNvPr id="188" name="Shape 188"/>
           <p:cNvPicPr preferRelativeResize="0"/>
           <p:nvPr/>
         </p:nvPicPr>
@@ -16681,7 +16395,7 @@
   <p:cSld>
     <p:spTree>
       <p:nvGrpSpPr>
-        <p:cNvPr id="190" name="Shape 190"/>
+        <p:cNvPr id="192" name="Shape 192"/>
         <p:cNvGrpSpPr/>
         <p:nvPr/>
       </p:nvGrpSpPr>
@@ -16695,7 +16409,7 @@
       </p:grpSpPr>
       <p:sp>
         <p:nvSpPr>
-          <p:cNvPr id="191" name="Shape 191"/>
+          <p:cNvPr id="193" name="Shape 193"/>
           <p:cNvSpPr txBox="1"/>
           <p:nvPr>
             <p:ph type="title"/>
@@ -16729,14 +16443,14 @@
             </a:pPr>
             <a:r>
               <a:rPr lang="en" sz="3000"/>
-              <a:t>Importance scores of feature variables cont.</a:t>
+              <a:t>Importance Scores of Feature Variables Cont.</a:t>
             </a:r>
           </a:p>
         </p:txBody>
       </p:sp>
       <p:pic>
         <p:nvPicPr>
-          <p:cNvPr id="192" name="Shape 192"/>
+          <p:cNvPr id="194" name="Shape 194"/>
           <p:cNvPicPr preferRelativeResize="0"/>
           <p:nvPr/>
         </p:nvPicPr>
@@ -16764,7 +16478,7 @@
       </p:pic>
       <p:pic>
         <p:nvPicPr>
-          <p:cNvPr id="193" name="Shape 193"/>
+          <p:cNvPr id="195" name="Shape 195"/>
           <p:cNvPicPr preferRelativeResize="0"/>
           <p:nvPr/>
         </p:nvPicPr>
@@ -16798,7 +16512,7 @@
       </p:pic>
       <p:pic>
         <p:nvPicPr>
-          <p:cNvPr id="194" name="Shape 194"/>
+          <p:cNvPr id="196" name="Shape 196"/>
           <p:cNvPicPr preferRelativeResize="0"/>
           <p:nvPr/>
         </p:nvPicPr>
@@ -16826,7 +16540,7 @@
       </p:pic>
       <p:sp>
         <p:nvSpPr>
-          <p:cNvPr id="195" name="Shape 195"/>
+          <p:cNvPr id="197" name="Shape 197"/>
           <p:cNvSpPr txBox="1"/>
           <p:nvPr/>
         </p:nvSpPr>
@@ -16869,7 +16583,7 @@
       </p:sp>
       <p:sp>
         <p:nvSpPr>
-          <p:cNvPr id="196" name="Shape 196"/>
+          <p:cNvPr id="198" name="Shape 198"/>
           <p:cNvSpPr txBox="1"/>
           <p:nvPr/>
         </p:nvSpPr>
@@ -16912,7 +16626,7 @@
       </p:sp>
       <p:sp>
         <p:nvSpPr>
-          <p:cNvPr id="197" name="Shape 197"/>
+          <p:cNvPr id="199" name="Shape 199"/>
           <p:cNvSpPr txBox="1"/>
           <p:nvPr/>
         </p:nvSpPr>
@@ -16983,7 +16697,7 @@
   <p:cSld>
     <p:spTree>
       <p:nvGrpSpPr>
-        <p:cNvPr id="201" name="Shape 201"/>
+        <p:cNvPr id="203" name="Shape 203"/>
         <p:cNvGrpSpPr/>
         <p:nvPr/>
       </p:nvGrpSpPr>
@@ -16997,7 +16711,7 @@
       </p:grpSpPr>
       <p:sp>
         <p:nvSpPr>
-          <p:cNvPr id="202" name="Shape 202"/>
+          <p:cNvPr id="204" name="Shape 204"/>
           <p:cNvSpPr txBox="1"/>
           <p:nvPr>
             <p:ph type="title"/>
@@ -17033,7 +16747,7 @@
       </p:sp>
       <p:pic>
         <p:nvPicPr>
-          <p:cNvPr id="203" name="Shape 203"/>
+          <p:cNvPr id="205" name="Shape 205"/>
           <p:cNvPicPr preferRelativeResize="0"/>
           <p:nvPr/>
         </p:nvPicPr>
@@ -17072,7 +16786,7 @@
   <p:cSld>
     <p:spTree>
       <p:nvGrpSpPr>
-        <p:cNvPr id="207" name="Shape 207"/>
+        <p:cNvPr id="209" name="Shape 209"/>
         <p:cNvGrpSpPr/>
         <p:nvPr/>
       </p:nvGrpSpPr>
@@ -17086,7 +16800,7 @@
       </p:grpSpPr>
       <p:sp>
         <p:nvSpPr>
-          <p:cNvPr id="208" name="Shape 208"/>
+          <p:cNvPr id="210" name="Shape 210"/>
           <p:cNvSpPr txBox="1"/>
           <p:nvPr>
             <p:ph type="title"/>
@@ -17122,7 +16836,7 @@
       </p:sp>
       <p:sp>
         <p:nvSpPr>
-          <p:cNvPr id="209" name="Shape 209"/>
+          <p:cNvPr id="211" name="Shape 211"/>
           <p:cNvSpPr txBox="1"/>
           <p:nvPr>
             <p:ph idx="1" type="body"/>
@@ -17181,7 +16895,7 @@
   <p:cSld>
     <p:spTree>
       <p:nvGrpSpPr>
-        <p:cNvPr id="213" name="Shape 213"/>
+        <p:cNvPr id="215" name="Shape 215"/>
         <p:cNvGrpSpPr/>
         <p:nvPr/>
       </p:nvGrpSpPr>
@@ -17195,7 +16909,7 @@
       </p:grpSpPr>
       <p:sp>
         <p:nvSpPr>
-          <p:cNvPr id="214" name="Shape 214"/>
+          <p:cNvPr id="216" name="Shape 216"/>
           <p:cNvSpPr txBox="1"/>
           <p:nvPr>
             <p:ph type="title"/>
@@ -17235,7 +16949,7 @@
       </p:sp>
       <p:sp>
         <p:nvSpPr>
-          <p:cNvPr id="215" name="Shape 215"/>
+          <p:cNvPr id="217" name="Shape 217"/>
           <p:cNvSpPr txBox="1"/>
           <p:nvPr>
             <p:ph idx="1" type="body"/>
@@ -17271,7 +16985,7 @@
       </p:sp>
       <p:pic>
         <p:nvPicPr>
-          <p:cNvPr id="216" name="Shape 216"/>
+          <p:cNvPr id="218" name="Shape 218"/>
           <p:cNvPicPr preferRelativeResize="0"/>
           <p:nvPr/>
         </p:nvPicPr>
@@ -17299,7 +17013,7 @@
       </p:pic>
       <p:pic>
         <p:nvPicPr>
-          <p:cNvPr id="217" name="Shape 217"/>
+          <p:cNvPr id="219" name="Shape 219"/>
           <p:cNvPicPr preferRelativeResize="0"/>
           <p:nvPr/>
         </p:nvPicPr>
@@ -17338,7 +17052,7 @@
   <p:cSld>
     <p:spTree>
       <p:nvGrpSpPr>
-        <p:cNvPr id="221" name="Shape 221"/>
+        <p:cNvPr id="223" name="Shape 223"/>
         <p:cNvGrpSpPr/>
         <p:nvPr/>
       </p:nvGrpSpPr>
@@ -17352,7 +17066,7 @@
       </p:grpSpPr>
       <p:sp>
         <p:nvSpPr>
-          <p:cNvPr id="222" name="Shape 222"/>
+          <p:cNvPr id="224" name="Shape 224"/>
           <p:cNvSpPr txBox="1"/>
           <p:nvPr>
             <p:ph type="title"/>
@@ -17397,7 +17111,7 @@
       </p:sp>
       <p:sp>
         <p:nvSpPr>
-          <p:cNvPr id="223" name="Shape 223"/>
+          <p:cNvPr id="225" name="Shape 225"/>
           <p:cNvSpPr txBox="1"/>
           <p:nvPr>
             <p:ph idx="1" type="body"/>
@@ -17433,7 +17147,7 @@
       </p:sp>
       <p:pic>
         <p:nvPicPr>
-          <p:cNvPr id="224" name="Shape 224"/>
+          <p:cNvPr id="226" name="Shape 226"/>
           <p:cNvPicPr preferRelativeResize="0"/>
           <p:nvPr/>
         </p:nvPicPr>
@@ -17461,7 +17175,7 @@
       </p:pic>
       <p:pic>
         <p:nvPicPr>
-          <p:cNvPr id="225" name="Shape 225"/>
+          <p:cNvPr id="227" name="Shape 227"/>
           <p:cNvPicPr preferRelativeResize="0"/>
           <p:nvPr/>
         </p:nvPicPr>
@@ -17489,7 +17203,7 @@
       </p:pic>
       <p:sp>
         <p:nvSpPr>
-          <p:cNvPr id="226" name="Shape 226"/>
+          <p:cNvPr id="228" name="Shape 228"/>
           <p:cNvSpPr txBox="1"/>
           <p:nvPr/>
         </p:nvSpPr>
@@ -17527,7 +17241,7 @@
       </p:sp>
       <p:sp>
         <p:nvSpPr>
-          <p:cNvPr id="227" name="Shape 227"/>
+          <p:cNvPr id="229" name="Shape 229"/>
           <p:cNvSpPr txBox="1"/>
           <p:nvPr/>
         </p:nvSpPr>
@@ -17576,7 +17290,7 @@
   <p:cSld>
     <p:spTree>
       <p:nvGrpSpPr>
-        <p:cNvPr id="231" name="Shape 231"/>
+        <p:cNvPr id="233" name="Shape 233"/>
         <p:cNvGrpSpPr/>
         <p:nvPr/>
       </p:nvGrpSpPr>
@@ -17590,7 +17304,7 @@
       </p:grpSpPr>
       <p:sp>
         <p:nvSpPr>
-          <p:cNvPr id="232" name="Shape 232"/>
+          <p:cNvPr id="234" name="Shape 234"/>
           <p:cNvSpPr txBox="1"/>
           <p:nvPr>
             <p:ph type="title"/>
@@ -17635,7 +17349,7 @@
       </p:sp>
       <p:sp>
         <p:nvSpPr>
-          <p:cNvPr id="233" name="Shape 233"/>
+          <p:cNvPr id="235" name="Shape 235"/>
           <p:cNvSpPr txBox="1"/>
           <p:nvPr>
             <p:ph idx="1" type="body"/>
@@ -17671,7 +17385,7 @@
       </p:sp>
       <p:pic>
         <p:nvPicPr>
-          <p:cNvPr id="234" name="Shape 234"/>
+          <p:cNvPr id="236" name="Shape 236"/>
           <p:cNvPicPr preferRelativeResize="0"/>
           <p:nvPr/>
         </p:nvPicPr>
@@ -17699,7 +17413,7 @@
       </p:pic>
       <p:sp>
         <p:nvSpPr>
-          <p:cNvPr id="235" name="Shape 235"/>
+          <p:cNvPr id="237" name="Shape 237"/>
           <p:cNvSpPr txBox="1"/>
           <p:nvPr/>
         </p:nvSpPr>
@@ -17746,7 +17460,7 @@
       </p:sp>
       <p:sp>
         <p:nvSpPr>
-          <p:cNvPr id="236" name="Shape 236"/>
+          <p:cNvPr id="238" name="Shape 238"/>
           <p:cNvSpPr txBox="1"/>
           <p:nvPr/>
         </p:nvSpPr>
@@ -17793,7 +17507,7 @@
       </p:sp>
       <p:pic>
         <p:nvPicPr>
-          <p:cNvPr id="237" name="Shape 237"/>
+          <p:cNvPr id="239" name="Shape 239"/>
           <p:cNvPicPr preferRelativeResize="0"/>
           <p:nvPr/>
         </p:nvPicPr>
@@ -17994,7 +17708,7 @@
   <p:cSld>
     <p:spTree>
       <p:nvGrpSpPr>
-        <p:cNvPr id="241" name="Shape 241"/>
+        <p:cNvPr id="243" name="Shape 243"/>
         <p:cNvGrpSpPr/>
         <p:nvPr/>
       </p:nvGrpSpPr>
@@ -18008,7 +17722,7 @@
       </p:grpSpPr>
       <p:sp>
         <p:nvSpPr>
-          <p:cNvPr id="242" name="Shape 242"/>
+          <p:cNvPr id="244" name="Shape 244"/>
           <p:cNvSpPr txBox="1"/>
           <p:nvPr>
             <p:ph type="title"/>
@@ -18048,7 +17762,7 @@
       </p:sp>
       <p:sp>
         <p:nvSpPr>
-          <p:cNvPr id="243" name="Shape 243"/>
+          <p:cNvPr id="245" name="Shape 245"/>
           <p:cNvSpPr txBox="1"/>
           <p:nvPr>
             <p:ph idx="1" type="body"/>
@@ -18084,7 +17798,7 @@
       </p:sp>
       <p:pic>
         <p:nvPicPr>
-          <p:cNvPr id="244" name="Shape 244"/>
+          <p:cNvPr id="246" name="Shape 246"/>
           <p:cNvPicPr preferRelativeResize="0"/>
           <p:nvPr/>
         </p:nvPicPr>
@@ -18098,7 +17812,7 @@
         </p:blipFill>
         <p:spPr>
           <a:xfrm>
-            <a:off x="0" y="1633805"/>
+            <a:off x="0" y="1526655"/>
             <a:ext cx="9143998" cy="1360714"/>
           </a:xfrm>
           <a:prstGeom prst="rect">
@@ -18112,7 +17826,7 @@
       </p:pic>
       <p:pic>
         <p:nvPicPr>
-          <p:cNvPr id="245" name="Shape 245"/>
+          <p:cNvPr id="247" name="Shape 247"/>
           <p:cNvPicPr preferRelativeResize="0"/>
           <p:nvPr/>
         </p:nvPicPr>
@@ -18126,7 +17840,7 @@
         </p:blipFill>
         <p:spPr>
           <a:xfrm>
-            <a:off x="-12" y="3607175"/>
+            <a:off x="-12" y="3142825"/>
             <a:ext cx="6981825" cy="1047750"/>
           </a:xfrm>
           <a:prstGeom prst="rect">
@@ -18140,7 +17854,7 @@
       </p:pic>
       <p:sp>
         <p:nvSpPr>
-          <p:cNvPr id="246" name="Shape 246"/>
+          <p:cNvPr id="248" name="Shape 248"/>
           <p:cNvSpPr txBox="1"/>
           <p:nvPr/>
         </p:nvSpPr>
@@ -18182,13 +17896,13 @@
       </p:sp>
       <p:sp>
         <p:nvSpPr>
-          <p:cNvPr id="247" name="Shape 247"/>
+          <p:cNvPr id="249" name="Shape 249"/>
           <p:cNvSpPr txBox="1"/>
           <p:nvPr/>
         </p:nvSpPr>
         <p:spPr>
           <a:xfrm>
-            <a:off x="0" y="3062675"/>
+            <a:off x="0" y="2726625"/>
             <a:ext cx="4470300" cy="544500"/>
           </a:xfrm>
           <a:prstGeom prst="rect">
@@ -18218,6 +17932,45 @@
                 </a:solidFill>
               </a:rPr>
               <a:t>GBT in Databricks</a:t>
+            </a:r>
+          </a:p>
+        </p:txBody>
+      </p:sp>
+      <p:sp>
+        <p:nvSpPr>
+          <p:cNvPr id="250" name="Shape 250"/>
+          <p:cNvSpPr txBox="1"/>
+          <p:nvPr/>
+        </p:nvSpPr>
+        <p:spPr>
+          <a:xfrm>
+            <a:off x="0" y="4190575"/>
+            <a:ext cx="6981900" cy="544500"/>
+          </a:xfrm>
+          <a:prstGeom prst="rect">
+            <a:avLst/>
+          </a:prstGeom>
+          <a:noFill/>
+          <a:ln>
+            <a:noFill/>
+          </a:ln>
+        </p:spPr>
+        <p:txBody>
+          <a:bodyPr anchorCtr="0" anchor="t" bIns="91425" lIns="91425" rIns="91425" tIns="91425">
+            <a:noAutofit/>
+          </a:bodyPr>
+          <a:lstStyle/>
+          <a:p>
+            <a:pPr indent="-381000" lvl="0" marL="457200">
+              <a:spcBef>
+                <a:spcPts val="0"/>
+              </a:spcBef>
+              <a:buSzPct val="100000"/>
+              <a:buChar char="●"/>
+            </a:pPr>
+            <a:r>
+              <a:rPr lang="en" sz="2400" u="sng"/>
+              <a:t>ParamGrid, Cross Validation</a:t>
             </a:r>
           </a:p>
         </p:txBody>
@@ -18235,7 +17988,7 @@
   <p:cSld>
     <p:spTree>
       <p:nvGrpSpPr>
-        <p:cNvPr id="251" name="Shape 251"/>
+        <p:cNvPr id="254" name="Shape 254"/>
         <p:cNvGrpSpPr/>
         <p:nvPr/>
       </p:nvGrpSpPr>
@@ -18249,7 +18002,7 @@
       </p:grpSpPr>
       <p:sp>
         <p:nvSpPr>
-          <p:cNvPr id="252" name="Shape 252"/>
+          <p:cNvPr id="255" name="Shape 255"/>
           <p:cNvSpPr txBox="1"/>
           <p:nvPr>
             <p:ph type="title"/>
@@ -18257,8 +18010,8 @@
         </p:nvSpPr>
         <p:spPr>
           <a:xfrm>
-            <a:off x="311700" y="315925"/>
-            <a:ext cx="8520600" cy="831300"/>
+            <a:off x="178600" y="542350"/>
+            <a:ext cx="8653800" cy="831300"/>
           </a:xfrm>
           <a:prstGeom prst="rect">
             <a:avLst/>
@@ -18283,7 +18036,7 @@
             </a:pPr>
             <a:r>
               <a:rPr lang="en"/>
-              <a:t>Sprak ML</a:t>
+              <a:t>Spark ML</a:t>
             </a:r>
             <a:r>
               <a:rPr lang="en"/>
@@ -18294,7 +18047,7 @@
       </p:sp>
       <p:sp>
         <p:nvSpPr>
-          <p:cNvPr id="253" name="Shape 253"/>
+          <p:cNvPr id="256" name="Shape 256"/>
           <p:cNvSpPr txBox="1"/>
           <p:nvPr>
             <p:ph idx="1" type="body"/>
@@ -18330,7 +18083,7 @@
       </p:sp>
       <p:pic>
         <p:nvPicPr>
-          <p:cNvPr id="254" name="Shape 254"/>
+          <p:cNvPr id="257" name="Shape 257"/>
           <p:cNvPicPr preferRelativeResize="0"/>
           <p:nvPr/>
         </p:nvPicPr>
@@ -18344,8 +18097,8 @@
         </p:blipFill>
         <p:spPr>
           <a:xfrm>
-            <a:off x="1853175" y="1021150"/>
-            <a:ext cx="5279650" cy="4122350"/>
+            <a:off x="1110649" y="1225225"/>
+            <a:ext cx="6922699" cy="3754199"/>
           </a:xfrm>
           <a:prstGeom prst="rect">
             <a:avLst/>
@@ -18369,7 +18122,7 @@
   <p:cSld>
     <p:spTree>
       <p:nvGrpSpPr>
-        <p:cNvPr id="258" name="Shape 258"/>
+        <p:cNvPr id="261" name="Shape 261"/>
         <p:cNvGrpSpPr/>
         <p:nvPr/>
       </p:nvGrpSpPr>
@@ -18383,7 +18136,7 @@
       </p:grpSpPr>
       <p:sp>
         <p:nvSpPr>
-          <p:cNvPr id="259" name="Shape 259"/>
+          <p:cNvPr id="262" name="Shape 262"/>
           <p:cNvSpPr txBox="1"/>
           <p:nvPr>
             <p:ph type="title"/>
@@ -18391,8 +18144,8 @@
         </p:nvSpPr>
         <p:spPr>
           <a:xfrm>
-            <a:off x="311700" y="315925"/>
-            <a:ext cx="8520600" cy="831300"/>
+            <a:off x="311700" y="555650"/>
+            <a:ext cx="8832300" cy="831300"/>
           </a:xfrm>
           <a:prstGeom prst="rect">
             <a:avLst/>
@@ -18417,14 +18170,14 @@
             </a:pPr>
             <a:r>
               <a:rPr lang="en"/>
-              <a:t>Sprak ML(Test - Linear Regression)</a:t>
+              <a:t>Spark ML(Test - Linear Regression)</a:t>
             </a:r>
           </a:p>
         </p:txBody>
       </p:sp>
       <p:sp>
         <p:nvSpPr>
-          <p:cNvPr id="260" name="Shape 260"/>
+          <p:cNvPr id="263" name="Shape 263"/>
           <p:cNvSpPr txBox="1"/>
           <p:nvPr>
             <p:ph idx="1" type="body"/>
@@ -18460,7 +18213,7 @@
       </p:sp>
       <p:pic>
         <p:nvPicPr>
-          <p:cNvPr id="261" name="Shape 261"/>
+          <p:cNvPr id="264" name="Shape 264"/>
           <p:cNvPicPr preferRelativeResize="0"/>
           <p:nvPr/>
         </p:nvPicPr>
@@ -18474,7 +18227,7 @@
         </p:blipFill>
         <p:spPr>
           <a:xfrm>
-            <a:off x="1056725" y="1147224"/>
+            <a:off x="1110650" y="1225224"/>
             <a:ext cx="6922699" cy="3893324"/>
           </a:xfrm>
           <a:prstGeom prst="rect">
@@ -18499,7 +18252,7 @@
   <p:cSld>
     <p:spTree>
       <p:nvGrpSpPr>
-        <p:cNvPr id="265" name="Shape 265"/>
+        <p:cNvPr id="268" name="Shape 268"/>
         <p:cNvGrpSpPr/>
         <p:nvPr/>
       </p:nvGrpSpPr>
@@ -18513,7 +18266,7 @@
       </p:grpSpPr>
       <p:sp>
         <p:nvSpPr>
-          <p:cNvPr id="266" name="Shape 266"/>
+          <p:cNvPr id="269" name="Shape 269"/>
           <p:cNvSpPr txBox="1"/>
           <p:nvPr>
             <p:ph type="title"/>
@@ -18534,7 +18287,7 @@
           </a:bodyPr>
           <a:lstStyle/>
           <a:p>
-            <a:pPr lvl="0">
+            <a:pPr lvl="0" rtl="0">
               <a:spcBef>
                 <a:spcPts val="0"/>
               </a:spcBef>
@@ -18547,14 +18300,14 @@
             </a:pPr>
             <a:r>
               <a:rPr lang="en"/>
-              <a:t>Sprak ML(Test - GBT Regression)</a:t>
+              <a:t>Spark ML(Test - GBT Regression)</a:t>
             </a:r>
           </a:p>
         </p:txBody>
       </p:sp>
       <p:sp>
         <p:nvSpPr>
-          <p:cNvPr id="267" name="Shape 267"/>
+          <p:cNvPr id="270" name="Shape 270"/>
           <p:cNvSpPr txBox="1"/>
           <p:nvPr>
             <p:ph idx="1" type="body"/>
@@ -18590,7 +18343,7 @@
       </p:sp>
       <p:pic>
         <p:nvPicPr>
-          <p:cNvPr id="268" name="Shape 268"/>
+          <p:cNvPr id="271" name="Shape 271"/>
           <p:cNvPicPr preferRelativeResize="0"/>
           <p:nvPr/>
         </p:nvPicPr>
@@ -18629,7 +18382,7 @@
   <p:cSld>
     <p:spTree>
       <p:nvGrpSpPr>
-        <p:cNvPr id="272" name="Shape 272"/>
+        <p:cNvPr id="275" name="Shape 275"/>
         <p:cNvGrpSpPr/>
         <p:nvPr/>
       </p:nvGrpSpPr>
@@ -18643,7 +18396,7 @@
       </p:grpSpPr>
       <p:sp>
         <p:nvSpPr>
-          <p:cNvPr id="273" name="Shape 273"/>
+          <p:cNvPr id="276" name="Shape 276"/>
           <p:cNvSpPr txBox="1"/>
           <p:nvPr>
             <p:ph type="title"/>
@@ -18676,15 +18429,32 @@
               <a:buNone/>
             </a:pPr>
             <a:r>
+              <a:t/>
+            </a:r>
+            <a:endParaRPr/>
+          </a:p>
+          <a:p>
+            <a:pPr lvl="0">
+              <a:spcBef>
+                <a:spcPts val="0"/>
+              </a:spcBef>
+              <a:buClr>
+                <a:schemeClr val="dk1"/>
+              </a:buClr>
+              <a:buSzPct val="25000"/>
+              <a:buFont typeface="Arial"/>
+              <a:buNone/>
+            </a:pPr>
+            <a:r>
               <a:rPr lang="en"/>
-              <a:t>Sprak ML(Test - GBT Regression)</a:t>
+              <a:t>Spark ML(Test - GBT Regression)</a:t>
             </a:r>
           </a:p>
         </p:txBody>
       </p:sp>
       <p:sp>
         <p:nvSpPr>
-          <p:cNvPr id="274" name="Shape 274"/>
+          <p:cNvPr id="277" name="Shape 277"/>
           <p:cNvSpPr txBox="1"/>
           <p:nvPr>
             <p:ph idx="1" type="body"/>
@@ -18720,7 +18490,7 @@
       </p:sp>
       <p:pic>
         <p:nvPicPr>
-          <p:cNvPr descr="prediction.png" id="275" name="Shape 275"/>
+          <p:cNvPr descr="prediction.png" id="278" name="Shape 278"/>
           <p:cNvPicPr preferRelativeResize="0"/>
           <p:nvPr/>
         </p:nvPicPr>
@@ -18759,7 +18529,7 @@
   <p:cSld>
     <p:spTree>
       <p:nvGrpSpPr>
-        <p:cNvPr id="279" name="Shape 279"/>
+        <p:cNvPr id="282" name="Shape 282"/>
         <p:cNvGrpSpPr/>
         <p:nvPr/>
       </p:nvGrpSpPr>
@@ -18773,7 +18543,7 @@
       </p:grpSpPr>
       <p:sp>
         <p:nvSpPr>
-          <p:cNvPr id="280" name="Shape 280"/>
+          <p:cNvPr id="283" name="Shape 283"/>
           <p:cNvSpPr txBox="1"/>
           <p:nvPr>
             <p:ph type="title"/>
@@ -18809,7 +18579,7 @@
       </p:sp>
       <p:sp>
         <p:nvSpPr>
-          <p:cNvPr id="281" name="Shape 281"/>
+          <p:cNvPr id="284" name="Shape 284"/>
           <p:cNvSpPr txBox="1"/>
           <p:nvPr>
             <p:ph idx="1" type="body"/>
@@ -18845,7 +18615,7 @@
       </p:sp>
       <p:pic>
         <p:nvPicPr>
-          <p:cNvPr id="282" name="Shape 282"/>
+          <p:cNvPr id="285" name="Shape 285"/>
           <p:cNvPicPr preferRelativeResize="0"/>
           <p:nvPr/>
         </p:nvPicPr>
@@ -18873,7 +18643,7 @@
       </p:pic>
       <p:pic>
         <p:nvPicPr>
-          <p:cNvPr id="283" name="Shape 283"/>
+          <p:cNvPr id="286" name="Shape 286"/>
           <p:cNvPicPr preferRelativeResize="0"/>
           <p:nvPr/>
         </p:nvPicPr>
@@ -18901,7 +18671,7 @@
       </p:pic>
       <p:sp>
         <p:nvSpPr>
-          <p:cNvPr id="284" name="Shape 284"/>
+          <p:cNvPr id="287" name="Shape 287"/>
           <p:cNvSpPr txBox="1"/>
           <p:nvPr/>
         </p:nvSpPr>
@@ -18943,7 +18713,7 @@
       </p:sp>
       <p:sp>
         <p:nvSpPr>
-          <p:cNvPr id="285" name="Shape 285"/>
+          <p:cNvPr id="288" name="Shape 288"/>
           <p:cNvSpPr txBox="1"/>
           <p:nvPr/>
         </p:nvSpPr>
@@ -18980,6 +18750,196 @@
               </a:rPr>
               <a:t>GBT in Databricks</a:t>
             </a:r>
+          </a:p>
+        </p:txBody>
+      </p:sp>
+      <p:sp>
+        <p:nvSpPr>
+          <p:cNvPr id="289" name="Shape 289"/>
+          <p:cNvSpPr/>
+          <p:nvPr/>
+        </p:nvSpPr>
+        <p:spPr>
+          <a:xfrm>
+            <a:off x="4026350" y="2286625"/>
+            <a:ext cx="3786300" cy="290400"/>
+          </a:xfrm>
+          <a:prstGeom prst="rect">
+            <a:avLst/>
+          </a:prstGeom>
+          <a:solidFill>
+            <a:schemeClr val="lt2"/>
+          </a:solidFill>
+          <a:ln cap="flat" cmpd="sng" w="9525">
+            <a:solidFill>
+              <a:schemeClr val="dk2"/>
+            </a:solidFill>
+            <a:prstDash val="solid"/>
+            <a:round/>
+            <a:headEnd len="med" w="med" type="none"/>
+            <a:tailEnd len="med" w="med" type="none"/>
+          </a:ln>
+        </p:spPr>
+        <p:txBody>
+          <a:bodyPr anchorCtr="0" anchor="ctr" bIns="91425" lIns="91425" rIns="91425" tIns="91425">
+            <a:noAutofit/>
+          </a:bodyPr>
+          <a:lstStyle/>
+          <a:p>
+            <a:pPr lvl="0">
+              <a:spcBef>
+                <a:spcPts val="0"/>
+              </a:spcBef>
+              <a:buNone/>
+            </a:pPr>
+            <a:r>
+              <a:rPr lang="en" sz="2400"/>
+              <a:t>RMSE: 52,699,899.3262</a:t>
+            </a:r>
+          </a:p>
+        </p:txBody>
+      </p:sp>
+      <p:sp>
+        <p:nvSpPr>
+          <p:cNvPr id="290" name="Shape 290"/>
+          <p:cNvSpPr/>
+          <p:nvPr/>
+        </p:nvSpPr>
+        <p:spPr>
+          <a:xfrm>
+            <a:off x="3429000" y="4036225"/>
+            <a:ext cx="3857700" cy="339300"/>
+          </a:xfrm>
+          <a:prstGeom prst="rect">
+            <a:avLst/>
+          </a:prstGeom>
+          <a:solidFill>
+            <a:schemeClr val="lt2"/>
+          </a:solidFill>
+          <a:ln cap="flat" cmpd="sng" w="9525">
+            <a:solidFill>
+              <a:schemeClr val="dk2"/>
+            </a:solidFill>
+            <a:prstDash val="solid"/>
+            <a:round/>
+            <a:headEnd len="med" w="med" type="none"/>
+            <a:tailEnd len="med" w="med" type="none"/>
+          </a:ln>
+        </p:spPr>
+        <p:txBody>
+          <a:bodyPr anchorCtr="0" anchor="ctr" bIns="91425" lIns="91425" rIns="91425" tIns="91425">
+            <a:noAutofit/>
+          </a:bodyPr>
+          <a:lstStyle/>
+          <a:p>
+            <a:pPr lvl="0">
+              <a:spcBef>
+                <a:spcPts val="0"/>
+              </a:spcBef>
+              <a:buNone/>
+            </a:pPr>
+            <a:r>
+              <a:rPr lang="en" sz="2400"/>
+              <a:t>RMSE:60,409,700.0000</a:t>
+            </a:r>
+          </a:p>
+        </p:txBody>
+      </p:sp>
+      <p:sp>
+        <p:nvSpPr>
+          <p:cNvPr id="291" name="Shape 291"/>
+          <p:cNvSpPr/>
+          <p:nvPr/>
+        </p:nvSpPr>
+        <p:spPr>
+          <a:xfrm>
+            <a:off x="3071825" y="4089800"/>
+            <a:ext cx="357300" cy="285600"/>
+          </a:xfrm>
+          <a:prstGeom prst="rightArrow">
+            <a:avLst>
+              <a:gd fmla="val 50000" name="adj1"/>
+              <a:gd fmla="val 50000" name="adj2"/>
+            </a:avLst>
+          </a:prstGeom>
+          <a:solidFill>
+            <a:schemeClr val="lt2"/>
+          </a:solidFill>
+          <a:ln cap="flat" cmpd="sng" w="9525">
+            <a:solidFill>
+              <a:schemeClr val="dk2"/>
+            </a:solidFill>
+            <a:prstDash val="solid"/>
+            <a:round/>
+            <a:headEnd len="med" w="med" type="none"/>
+            <a:tailEnd len="med" w="med" type="none"/>
+          </a:ln>
+        </p:spPr>
+        <p:txBody>
+          <a:bodyPr anchorCtr="0" anchor="ctr" bIns="91425" lIns="91425" rIns="91425" tIns="91425">
+            <a:noAutofit/>
+          </a:bodyPr>
+          <a:lstStyle/>
+          <a:p>
+            <a:pPr lvl="0">
+              <a:spcBef>
+                <a:spcPts val="0"/>
+              </a:spcBef>
+              <a:buNone/>
+            </a:pPr>
+            <a:r>
+              <a:t/>
+            </a:r>
+            <a:endParaRPr/>
+          </a:p>
+        </p:txBody>
+      </p:sp>
+      <p:sp>
+        <p:nvSpPr>
+          <p:cNvPr id="292" name="Shape 292"/>
+          <p:cNvSpPr/>
+          <p:nvPr/>
+        </p:nvSpPr>
+        <p:spPr>
+          <a:xfrm>
+            <a:off x="3669050" y="2289025"/>
+            <a:ext cx="357300" cy="285600"/>
+          </a:xfrm>
+          <a:prstGeom prst="rightArrow">
+            <a:avLst>
+              <a:gd fmla="val 50000" name="adj1"/>
+              <a:gd fmla="val 50000" name="adj2"/>
+            </a:avLst>
+          </a:prstGeom>
+          <a:solidFill>
+            <a:schemeClr val="lt2"/>
+          </a:solidFill>
+          <a:ln cap="flat" cmpd="sng" w="9525">
+            <a:solidFill>
+              <a:schemeClr val="dk2"/>
+            </a:solidFill>
+            <a:prstDash val="solid"/>
+            <a:round/>
+            <a:headEnd len="med" w="med" type="none"/>
+            <a:tailEnd len="med" w="med" type="none"/>
+          </a:ln>
+        </p:spPr>
+        <p:txBody>
+          <a:bodyPr anchorCtr="0" anchor="ctr" bIns="91425" lIns="91425" rIns="91425" tIns="91425">
+            <a:noAutofit/>
+          </a:bodyPr>
+          <a:lstStyle/>
+          <a:p>
+            <a:pPr lvl="0">
+              <a:spcBef>
+                <a:spcPts val="0"/>
+              </a:spcBef>
+              <a:buNone/>
+            </a:pPr>
+            <a:r>
+              <a:t/>
+            </a:r>
+            <a:endParaRPr/>
           </a:p>
         </p:txBody>
       </p:sp>
@@ -18996,7 +18956,7 @@
   <p:cSld>
     <p:spTree>
       <p:nvGrpSpPr>
-        <p:cNvPr id="289" name="Shape 289"/>
+        <p:cNvPr id="296" name="Shape 296"/>
         <p:cNvGrpSpPr/>
         <p:nvPr/>
       </p:nvGrpSpPr>
@@ -19010,7 +18970,7 @@
       </p:grpSpPr>
       <p:sp>
         <p:nvSpPr>
-          <p:cNvPr id="290" name="Shape 290"/>
+          <p:cNvPr id="297" name="Shape 297"/>
           <p:cNvSpPr txBox="1"/>
           <p:nvPr>
             <p:ph type="title"/>
@@ -19046,7 +19006,7 @@
       </p:sp>
       <p:graphicFrame>
         <p:nvGraphicFramePr>
-          <p:cNvPr id="291" name="Shape 291"/>
+          <p:cNvPr id="298" name="Shape 298"/>
           <p:cNvGraphicFramePr/>
           <p:nvPr/>
         </p:nvGraphicFramePr>
@@ -19059,7 +19019,7 @@
             <a:tbl>
               <a:tblPr>
                 <a:noFill/>
-                <a:tableStyleId>{C0D87C19-EAE3-4051-93D8-65E8A14A769F}</a:tableStyleId>
+                <a:tableStyleId>{91BFCBCD-4983-4E63-A0CD-A01B6284BB2D}</a:tableStyleId>
               </a:tblPr>
               <a:tblGrid>
                 <a:gridCol w="2797975"/>
@@ -19678,6 +19638,86 @@
           </a:graphicData>
         </a:graphic>
       </p:graphicFrame>
+      <p:sp>
+        <p:nvSpPr>
+          <p:cNvPr id="299" name="Shape 299"/>
+          <p:cNvSpPr txBox="1"/>
+          <p:nvPr/>
+        </p:nvSpPr>
+        <p:spPr>
+          <a:xfrm>
+            <a:off x="311700" y="928150"/>
+            <a:ext cx="7602000" cy="679200"/>
+          </a:xfrm>
+          <a:prstGeom prst="rect">
+            <a:avLst/>
+          </a:prstGeom>
+          <a:noFill/>
+          <a:ln>
+            <a:noFill/>
+          </a:ln>
+        </p:spPr>
+        <p:txBody>
+          <a:bodyPr anchorCtr="0" anchor="t" bIns="91425" lIns="91425" rIns="91425" tIns="91425">
+            <a:noAutofit/>
+          </a:bodyPr>
+          <a:lstStyle/>
+          <a:p>
+            <a:pPr lvl="0">
+              <a:spcBef>
+                <a:spcPts val="0"/>
+              </a:spcBef>
+              <a:buNone/>
+            </a:pPr>
+            <a:r>
+              <a:rPr lang="en" sz="2400"/>
+              <a:t>Movie Box Office </a:t>
+            </a:r>
+            <a:r>
+              <a:rPr lang="en" sz="2400"/>
+              <a:t>Forecast </a:t>
+            </a:r>
+          </a:p>
+        </p:txBody>
+      </p:sp>
+      <p:sp>
+        <p:nvSpPr>
+          <p:cNvPr id="300" name="Shape 300"/>
+          <p:cNvSpPr txBox="1"/>
+          <p:nvPr/>
+        </p:nvSpPr>
+        <p:spPr>
+          <a:xfrm>
+            <a:off x="410775" y="3893350"/>
+            <a:ext cx="8358300" cy="1000200"/>
+          </a:xfrm>
+          <a:prstGeom prst="rect">
+            <a:avLst/>
+          </a:prstGeom>
+          <a:noFill/>
+          <a:ln>
+            <a:noFill/>
+          </a:ln>
+        </p:spPr>
+        <p:txBody>
+          <a:bodyPr anchorCtr="0" anchor="t" bIns="91425" lIns="91425" rIns="91425" tIns="91425">
+            <a:noAutofit/>
+          </a:bodyPr>
+          <a:lstStyle/>
+          <a:p>
+            <a:pPr lvl="0">
+              <a:spcBef>
+                <a:spcPts val="0"/>
+              </a:spcBef>
+              <a:buNone/>
+            </a:pPr>
+            <a:r>
+              <a:rPr lang="en" sz="2400"/>
+              <a:t>The RMSE is big but reasonable, as the max movie box office is around 3 billion, which makes it 1.6% of the label.</a:t>
+            </a:r>
+          </a:p>
+        </p:txBody>
+      </p:sp>
     </p:spTree>
   </p:cSld>
   <p:clrMapOvr>
@@ -19691,7 +19731,7 @@
   <p:cSld>
     <p:spTree>
       <p:nvGrpSpPr>
-        <p:cNvPr id="295" name="Shape 295"/>
+        <p:cNvPr id="304" name="Shape 304"/>
         <p:cNvGrpSpPr/>
         <p:nvPr/>
       </p:nvGrpSpPr>
@@ -19705,7 +19745,7 @@
       </p:grpSpPr>
       <p:sp>
         <p:nvSpPr>
-          <p:cNvPr id="296" name="Shape 296"/>
+          <p:cNvPr id="305" name="Shape 305"/>
           <p:cNvSpPr txBox="1"/>
           <p:nvPr>
             <p:ph type="title"/>
@@ -19746,7 +19786,7 @@
       </p:sp>
       <p:sp>
         <p:nvSpPr>
-          <p:cNvPr id="297" name="Shape 297"/>
+          <p:cNvPr id="306" name="Shape 306"/>
           <p:cNvSpPr/>
           <p:nvPr/>
         </p:nvSpPr>
@@ -19794,7 +19834,7 @@
       </p:sp>
       <p:sp>
         <p:nvSpPr>
-          <p:cNvPr id="298" name="Shape 298"/>
+          <p:cNvPr id="307" name="Shape 307"/>
           <p:cNvSpPr txBox="1"/>
           <p:nvPr/>
         </p:nvSpPr>
@@ -19832,7 +19872,7 @@
       </p:sp>
       <p:sp>
         <p:nvSpPr>
-          <p:cNvPr id="299" name="Shape 299"/>
+          <p:cNvPr id="308" name="Shape 308"/>
           <p:cNvSpPr/>
           <p:nvPr/>
         </p:nvSpPr>
@@ -19878,7 +19918,7 @@
       </p:sp>
       <p:sp>
         <p:nvSpPr>
-          <p:cNvPr id="300" name="Shape 300"/>
+          <p:cNvPr id="309" name="Shape 309"/>
           <p:cNvSpPr txBox="1"/>
           <p:nvPr/>
         </p:nvSpPr>
@@ -19916,7 +19956,7 @@
       </p:sp>
       <p:sp>
         <p:nvSpPr>
-          <p:cNvPr id="301" name="Shape 301"/>
+          <p:cNvPr id="310" name="Shape 310"/>
           <p:cNvSpPr/>
           <p:nvPr/>
         </p:nvSpPr>
@@ -19962,7 +20002,7 @@
       </p:sp>
       <p:sp>
         <p:nvSpPr>
-          <p:cNvPr id="302" name="Shape 302"/>
+          <p:cNvPr id="311" name="Shape 311"/>
           <p:cNvSpPr txBox="1"/>
           <p:nvPr/>
         </p:nvSpPr>
@@ -20011,7 +20051,7 @@
   <p:cSld>
     <p:spTree>
       <p:nvGrpSpPr>
-        <p:cNvPr id="306" name="Shape 306"/>
+        <p:cNvPr id="315" name="Shape 315"/>
         <p:cNvGrpSpPr/>
         <p:nvPr/>
       </p:nvGrpSpPr>
@@ -20025,7 +20065,7 @@
       </p:grpSpPr>
       <p:sp>
         <p:nvSpPr>
-          <p:cNvPr id="307" name="Shape 307"/>
+          <p:cNvPr id="316" name="Shape 316"/>
           <p:cNvSpPr txBox="1"/>
           <p:nvPr>
             <p:ph type="title"/>
@@ -20061,7 +20101,7 @@
       </p:sp>
       <p:pic>
         <p:nvPicPr>
-          <p:cNvPr id="308" name="Shape 308"/>
+          <p:cNvPr id="317" name="Shape 317"/>
           <p:cNvPicPr preferRelativeResize="0"/>
           <p:nvPr/>
         </p:nvPicPr>
@@ -20089,7 +20129,7 @@
       </p:pic>
       <p:pic>
         <p:nvPicPr>
-          <p:cNvPr id="309" name="Shape 309"/>
+          <p:cNvPr id="318" name="Shape 318"/>
           <p:cNvPicPr preferRelativeResize="0"/>
           <p:nvPr/>
         </p:nvPicPr>
@@ -20128,7 +20168,7 @@
   <p:cSld>
     <p:spTree>
       <p:nvGrpSpPr>
-        <p:cNvPr id="313" name="Shape 313"/>
+        <p:cNvPr id="322" name="Shape 322"/>
         <p:cNvGrpSpPr/>
         <p:nvPr/>
       </p:nvGrpSpPr>
@@ -20142,7 +20182,7 @@
       </p:grpSpPr>
       <p:sp>
         <p:nvSpPr>
-          <p:cNvPr id="314" name="Shape 314"/>
+          <p:cNvPr id="323" name="Shape 323"/>
           <p:cNvSpPr txBox="1"/>
           <p:nvPr>
             <p:ph type="title"/>
@@ -20178,7 +20218,7 @@
       </p:sp>
       <p:pic>
         <p:nvPicPr>
-          <p:cNvPr id="315" name="Shape 315"/>
+          <p:cNvPr id="324" name="Shape 324"/>
           <p:cNvPicPr preferRelativeResize="0"/>
           <p:nvPr/>
         </p:nvPicPr>
@@ -20206,7 +20246,7 @@
       </p:pic>
       <p:pic>
         <p:nvPicPr>
-          <p:cNvPr id="316" name="Shape 316"/>
+          <p:cNvPr id="325" name="Shape 325"/>
           <p:cNvPicPr preferRelativeResize="0"/>
           <p:nvPr/>
         </p:nvPicPr>
@@ -20234,7 +20274,7 @@
       </p:pic>
       <p:pic>
         <p:nvPicPr>
-          <p:cNvPr id="317" name="Shape 317"/>
+          <p:cNvPr id="326" name="Shape 326"/>
           <p:cNvPicPr preferRelativeResize="0"/>
           <p:nvPr/>
         </p:nvPicPr>
@@ -20408,6 +20448,32 @@
             </a:r>
           </a:p>
           <a:p>
+            <a:pPr indent="-381000" lvl="0" marL="457200" rtl="0" algn="l">
+              <a:spcBef>
+                <a:spcPts val="0"/>
+              </a:spcBef>
+              <a:buSzPct val="100000"/>
+              <a:buChar char="●"/>
+            </a:pPr>
+            <a:r>
+              <a:rPr lang="en" sz="2400"/>
+              <a:t>Cores: 0.88 </a:t>
+            </a:r>
+          </a:p>
+          <a:p>
+            <a:pPr indent="-381000" lvl="0" marL="457200" rtl="0" algn="l">
+              <a:spcBef>
+                <a:spcPts val="0"/>
+              </a:spcBef>
+              <a:buSzPct val="100000"/>
+              <a:buChar char="●"/>
+            </a:pPr>
+            <a:r>
+              <a:rPr lang="en" sz="2400"/>
+              <a:t>1 Driver, 1 DBU</a:t>
+            </a:r>
+          </a:p>
+          <a:p>
             <a:pPr lvl="0" rtl="0" algn="l">
               <a:spcBef>
                 <a:spcPts val="0"/>
@@ -20449,8 +20515,8 @@
         </p:blipFill>
         <p:spPr>
           <a:xfrm>
-            <a:off x="643600" y="851850"/>
-            <a:ext cx="3672200" cy="3439799"/>
+            <a:off x="0" y="992362"/>
+            <a:ext cx="4424925" cy="3568775"/>
           </a:xfrm>
           <a:prstGeom prst="rect">
             <a:avLst/>
@@ -20474,7 +20540,7 @@
   <p:cSld>
     <p:spTree>
       <p:nvGrpSpPr>
-        <p:cNvPr id="321" name="Shape 321"/>
+        <p:cNvPr id="330" name="Shape 330"/>
         <p:cNvGrpSpPr/>
         <p:nvPr/>
       </p:nvGrpSpPr>
@@ -20488,7 +20554,7 @@
       </p:grpSpPr>
       <p:sp>
         <p:nvSpPr>
-          <p:cNvPr id="322" name="Shape 322"/>
+          <p:cNvPr id="331" name="Shape 331"/>
           <p:cNvSpPr txBox="1"/>
           <p:nvPr>
             <p:ph type="title"/>
@@ -20524,7 +20590,7 @@
       </p:sp>
       <p:pic>
         <p:nvPicPr>
-          <p:cNvPr id="323" name="Shape 323"/>
+          <p:cNvPr id="332" name="Shape 332"/>
           <p:cNvPicPr preferRelativeResize="0"/>
           <p:nvPr/>
         </p:nvPicPr>
@@ -20552,7 +20618,7 @@
       </p:pic>
       <p:pic>
         <p:nvPicPr>
-          <p:cNvPr id="324" name="Shape 324"/>
+          <p:cNvPr id="333" name="Shape 333"/>
           <p:cNvPicPr preferRelativeResize="0"/>
           <p:nvPr/>
         </p:nvPicPr>
@@ -20591,7 +20657,7 @@
   <p:cSld>
     <p:spTree>
       <p:nvGrpSpPr>
-        <p:cNvPr id="328" name="Shape 328"/>
+        <p:cNvPr id="337" name="Shape 337"/>
         <p:cNvGrpSpPr/>
         <p:nvPr/>
       </p:nvGrpSpPr>
@@ -20605,7 +20671,7 @@
       </p:grpSpPr>
       <p:sp>
         <p:nvSpPr>
-          <p:cNvPr id="329" name="Shape 329"/>
+          <p:cNvPr id="338" name="Shape 338"/>
           <p:cNvSpPr txBox="1"/>
           <p:nvPr>
             <p:ph type="title"/>
@@ -20641,7 +20707,7 @@
       </p:sp>
       <p:pic>
         <p:nvPicPr>
-          <p:cNvPr id="330" name="Shape 330"/>
+          <p:cNvPr id="339" name="Shape 339"/>
           <p:cNvPicPr preferRelativeResize="0"/>
           <p:nvPr/>
         </p:nvPicPr>
@@ -20669,7 +20735,7 @@
       </p:pic>
       <p:pic>
         <p:nvPicPr>
-          <p:cNvPr id="331" name="Shape 331"/>
+          <p:cNvPr id="340" name="Shape 340"/>
           <p:cNvPicPr preferRelativeResize="0"/>
           <p:nvPr/>
         </p:nvPicPr>
@@ -20684,7 +20750,7 @@
         <p:spPr>
           <a:xfrm>
             <a:off x="657725" y="3724475"/>
-            <a:ext cx="2691649" cy="1234625"/>
+            <a:ext cx="3253474" cy="1234625"/>
           </a:xfrm>
           <a:prstGeom prst="rect">
             <a:avLst/>
@@ -20697,7 +20763,7 @@
       </p:pic>
       <p:pic>
         <p:nvPicPr>
-          <p:cNvPr id="332" name="Shape 332"/>
+          <p:cNvPr id="341" name="Shape 341"/>
           <p:cNvPicPr preferRelativeResize="0"/>
           <p:nvPr/>
         </p:nvPicPr>
@@ -20725,21 +20791,20 @@
       </p:pic>
       <p:pic>
         <p:nvPicPr>
-          <p:cNvPr id="333" name="Shape 333"/>
+          <p:cNvPr id="342" name="Shape 342"/>
           <p:cNvPicPr preferRelativeResize="0"/>
           <p:nvPr/>
         </p:nvPicPr>
-        <p:blipFill>
+        <p:blipFill rotWithShape="1">
           <a:blip r:embed="rId6">
             <a:alphaModFix/>
           </a:blip>
-          <a:stretch>
-            <a:fillRect/>
-          </a:stretch>
+          <a:srcRect b="0" l="-2480" r="2479" t="0"/>
+          <a:stretch/>
         </p:blipFill>
         <p:spPr>
           <a:xfrm>
-            <a:off x="5180950" y="3642275"/>
+            <a:off x="5104750" y="3642275"/>
             <a:ext cx="3073537" cy="1359450"/>
           </a:xfrm>
           <a:prstGeom prst="rect">
@@ -20753,7 +20818,7 @@
       </p:pic>
       <p:sp>
         <p:nvSpPr>
-          <p:cNvPr id="334" name="Shape 334"/>
+          <p:cNvPr id="343" name="Shape 343"/>
           <p:cNvSpPr/>
           <p:nvPr/>
         </p:nvSpPr>
@@ -20794,14 +20859,14 @@
             </a:pPr>
             <a:r>
               <a:rPr lang="en"/>
-              <a:t>Two-Class Decision Forest</a:t>
+              <a:t>Two-Class Decision Tree</a:t>
             </a:r>
           </a:p>
         </p:txBody>
       </p:sp>
       <p:sp>
         <p:nvSpPr>
-          <p:cNvPr id="335" name="Shape 335"/>
+          <p:cNvPr id="344" name="Shape 344"/>
           <p:cNvSpPr/>
           <p:nvPr/>
         </p:nvSpPr>
@@ -20868,7 +20933,7 @@
   <p:cSld>
     <p:spTree>
       <p:nvGrpSpPr>
-        <p:cNvPr id="339" name="Shape 339"/>
+        <p:cNvPr id="348" name="Shape 348"/>
         <p:cNvGrpSpPr/>
         <p:nvPr/>
       </p:nvGrpSpPr>
@@ -20882,7 +20947,7 @@
       </p:grpSpPr>
       <p:sp>
         <p:nvSpPr>
-          <p:cNvPr id="340" name="Shape 340"/>
+          <p:cNvPr id="349" name="Shape 349"/>
           <p:cNvSpPr txBox="1"/>
           <p:nvPr>
             <p:ph type="title"/>
@@ -20923,7 +20988,7 @@
       </p:sp>
       <p:pic>
         <p:nvPicPr>
-          <p:cNvPr id="341" name="Shape 341"/>
+          <p:cNvPr id="350" name="Shape 350"/>
           <p:cNvPicPr preferRelativeResize="0"/>
           <p:nvPr/>
         </p:nvPicPr>
@@ -20962,7 +21027,7 @@
   <p:cSld>
     <p:spTree>
       <p:nvGrpSpPr>
-        <p:cNvPr id="345" name="Shape 345"/>
+        <p:cNvPr id="354" name="Shape 354"/>
         <p:cNvGrpSpPr/>
         <p:nvPr/>
       </p:nvGrpSpPr>
@@ -20976,7 +21041,7 @@
       </p:grpSpPr>
       <p:sp>
         <p:nvSpPr>
-          <p:cNvPr id="346" name="Shape 346"/>
+          <p:cNvPr id="355" name="Shape 355"/>
           <p:cNvSpPr txBox="1"/>
           <p:nvPr>
             <p:ph type="title"/>
@@ -21017,7 +21082,7 @@
       </p:sp>
       <p:sp>
         <p:nvSpPr>
-          <p:cNvPr id="347" name="Shape 347"/>
+          <p:cNvPr id="356" name="Shape 356"/>
           <p:cNvSpPr/>
           <p:nvPr/>
         </p:nvSpPr>
@@ -21065,7 +21130,7 @@
       </p:sp>
       <p:sp>
         <p:nvSpPr>
-          <p:cNvPr id="348" name="Shape 348"/>
+          <p:cNvPr id="357" name="Shape 357"/>
           <p:cNvSpPr/>
           <p:nvPr/>
         </p:nvSpPr>
@@ -21113,7 +21178,7 @@
       </p:sp>
       <p:sp>
         <p:nvSpPr>
-          <p:cNvPr id="349" name="Shape 349"/>
+          <p:cNvPr id="358" name="Shape 358"/>
           <p:cNvSpPr txBox="1"/>
           <p:nvPr/>
         </p:nvSpPr>
@@ -21151,7 +21216,7 @@
       </p:sp>
       <p:sp>
         <p:nvSpPr>
-          <p:cNvPr id="350" name="Shape 350"/>
+          <p:cNvPr id="359" name="Shape 359"/>
           <p:cNvSpPr txBox="1"/>
           <p:nvPr/>
         </p:nvSpPr>
@@ -21213,7 +21278,7 @@
       </p:sp>
       <p:pic>
         <p:nvPicPr>
-          <p:cNvPr id="351" name="Shape 351"/>
+          <p:cNvPr id="360" name="Shape 360"/>
           <p:cNvPicPr preferRelativeResize="0"/>
           <p:nvPr/>
         </p:nvPicPr>
@@ -21241,7 +21306,7 @@
       </p:pic>
       <p:pic>
         <p:nvPicPr>
-          <p:cNvPr id="352" name="Shape 352"/>
+          <p:cNvPr id="361" name="Shape 361"/>
           <p:cNvPicPr preferRelativeResize="0"/>
           <p:nvPr/>
         </p:nvPicPr>
@@ -21276,179 +21341,6 @@
 </file>
 
 <file path=ppt/slides/slide34.xml><?xml version="1.0" encoding="utf-8"?>
-<p:sld xmlns:a="http://schemas.openxmlformats.org/drawingml/2006/main" xmlns:r="http://schemas.openxmlformats.org/officeDocument/2006/relationships" xmlns:mc="http://schemas.openxmlformats.org/markup-compatibility/2006" xmlns:mv="urn:schemas-microsoft-com:mac:vml" xmlns:p="http://schemas.openxmlformats.org/presentationml/2006/main" xmlns:c="http://schemas.openxmlformats.org/drawingml/2006/chart" xmlns:dgm="http://schemas.openxmlformats.org/drawingml/2006/diagram" xmlns:o="urn:schemas-microsoft-com:office:office" xmlns:v="urn:schemas-microsoft-com:vml" xmlns:pvml="urn:schemas-microsoft-com:office:powerpoint" xmlns:com="http://schemas.openxmlformats.org/drawingml/2006/compatibility" xmlns:p14="http://schemas.microsoft.com/office/powerpoint/2010/main">
-  <p:cSld>
-    <p:spTree>
-      <p:nvGrpSpPr>
-        <p:cNvPr id="356" name="Shape 356"/>
-        <p:cNvGrpSpPr/>
-        <p:nvPr/>
-      </p:nvGrpSpPr>
-      <p:grpSpPr>
-        <a:xfrm>
-          <a:off x="0" y="0"/>
-          <a:ext cx="0" cy="0"/>
-          <a:chOff x="0" y="0"/>
-          <a:chExt cx="0" cy="0"/>
-        </a:xfrm>
-      </p:grpSpPr>
-      <p:sp>
-        <p:nvSpPr>
-          <p:cNvPr id="357" name="Shape 357"/>
-          <p:cNvSpPr txBox="1"/>
-          <p:nvPr>
-            <p:ph type="title"/>
-          </p:nvPr>
-        </p:nvSpPr>
-        <p:spPr>
-          <a:xfrm>
-            <a:off x="311700" y="315925"/>
-            <a:ext cx="8520600" cy="831300"/>
-          </a:xfrm>
-          <a:prstGeom prst="rect">
-            <a:avLst/>
-          </a:prstGeom>
-        </p:spPr>
-        <p:txBody>
-          <a:bodyPr anchorCtr="0" anchor="b" bIns="91425" lIns="91425" rIns="91425" tIns="91425">
-            <a:noAutofit/>
-          </a:bodyPr>
-          <a:lstStyle/>
-          <a:p>
-            <a:pPr lvl="0">
-              <a:spcBef>
-                <a:spcPts val="0"/>
-              </a:spcBef>
-              <a:buNone/>
-            </a:pPr>
-            <a:r>
-              <a:rPr lang="en"/>
-              <a:t>Databricks(Load &amp; Prepare Data)</a:t>
-            </a:r>
-          </a:p>
-        </p:txBody>
-      </p:sp>
-      <p:pic>
-        <p:nvPicPr>
-          <p:cNvPr id="358" name="Shape 358"/>
-          <p:cNvPicPr preferRelativeResize="0"/>
-          <p:nvPr/>
-        </p:nvPicPr>
-        <p:blipFill>
-          <a:blip r:embed="rId3">
-            <a:alphaModFix/>
-          </a:blip>
-          <a:stretch>
-            <a:fillRect/>
-          </a:stretch>
-        </p:blipFill>
-        <p:spPr>
-          <a:xfrm>
-            <a:off x="77475" y="1147225"/>
-            <a:ext cx="8591550" cy="691424"/>
-          </a:xfrm>
-          <a:prstGeom prst="rect">
-            <a:avLst/>
-          </a:prstGeom>
-          <a:noFill/>
-          <a:ln>
-            <a:noFill/>
-          </a:ln>
-        </p:spPr>
-      </p:pic>
-      <p:pic>
-        <p:nvPicPr>
-          <p:cNvPr id="359" name="Shape 359"/>
-          <p:cNvPicPr preferRelativeResize="0"/>
-          <p:nvPr/>
-        </p:nvPicPr>
-        <p:blipFill>
-          <a:blip r:embed="rId4">
-            <a:alphaModFix/>
-          </a:blip>
-          <a:stretch>
-            <a:fillRect/>
-          </a:stretch>
-        </p:blipFill>
-        <p:spPr>
-          <a:xfrm>
-            <a:off x="183750" y="2661575"/>
-            <a:ext cx="4216774" cy="2125300"/>
-          </a:xfrm>
-          <a:prstGeom prst="rect">
-            <a:avLst/>
-          </a:prstGeom>
-          <a:noFill/>
-          <a:ln>
-            <a:noFill/>
-          </a:ln>
-        </p:spPr>
-      </p:pic>
-      <p:pic>
-        <p:nvPicPr>
-          <p:cNvPr id="360" name="Shape 360"/>
-          <p:cNvPicPr preferRelativeResize="0"/>
-          <p:nvPr/>
-        </p:nvPicPr>
-        <p:blipFill>
-          <a:blip r:embed="rId5">
-            <a:alphaModFix/>
-          </a:blip>
-          <a:stretch>
-            <a:fillRect/>
-          </a:stretch>
-        </p:blipFill>
-        <p:spPr>
-          <a:xfrm>
-            <a:off x="77475" y="1894875"/>
-            <a:ext cx="8851050" cy="680200"/>
-          </a:xfrm>
-          <a:prstGeom prst="rect">
-            <a:avLst/>
-          </a:prstGeom>
-          <a:noFill/>
-          <a:ln>
-            <a:noFill/>
-          </a:ln>
-        </p:spPr>
-      </p:pic>
-      <p:pic>
-        <p:nvPicPr>
-          <p:cNvPr id="361" name="Shape 361"/>
-          <p:cNvPicPr preferRelativeResize="0"/>
-          <p:nvPr/>
-        </p:nvPicPr>
-        <p:blipFill>
-          <a:blip r:embed="rId6">
-            <a:alphaModFix/>
-          </a:blip>
-          <a:stretch>
-            <a:fillRect/>
-          </a:stretch>
-        </p:blipFill>
-        <p:spPr>
-          <a:xfrm>
-            <a:off x="4462100" y="2661574"/>
-            <a:ext cx="4473311" cy="2125300"/>
-          </a:xfrm>
-          <a:prstGeom prst="rect">
-            <a:avLst/>
-          </a:prstGeom>
-          <a:noFill/>
-          <a:ln>
-            <a:noFill/>
-          </a:ln>
-        </p:spPr>
-      </p:pic>
-    </p:spTree>
-  </p:cSld>
-  <p:clrMapOvr>
-    <a:masterClrMapping/>
-  </p:clrMapOvr>
-</p:sld>
-</file>
-
-<file path=ppt/slides/slide35.xml><?xml version="1.0" encoding="utf-8"?>
 <p:sld xmlns:a="http://schemas.openxmlformats.org/drawingml/2006/main" xmlns:r="http://schemas.openxmlformats.org/officeDocument/2006/relationships" xmlns:mc="http://schemas.openxmlformats.org/markup-compatibility/2006" xmlns:mv="urn:schemas-microsoft-com:mac:vml" xmlns:p="http://schemas.openxmlformats.org/presentationml/2006/main" xmlns:c="http://schemas.openxmlformats.org/drawingml/2006/chart" xmlns:dgm="http://schemas.openxmlformats.org/drawingml/2006/diagram" xmlns:o="urn:schemas-microsoft-com:office:office" xmlns:v="urn:schemas-microsoft-com:vml" xmlns:pvml="urn:schemas-microsoft-com:office:powerpoint" xmlns:com="http://schemas.openxmlformats.org/drawingml/2006/compatibility" xmlns:p14="http://schemas.microsoft.com/office/powerpoint/2010/main">
   <p:cSld>
     <p:spTree>
@@ -21488,7 +21380,7 @@
           </a:bodyPr>
           <a:lstStyle/>
           <a:p>
-            <a:pPr lvl="0" rtl="0">
+            <a:pPr lvl="0">
               <a:spcBef>
                 <a:spcPts val="0"/>
               </a:spcBef>
@@ -21496,7 +21388,7 @@
             </a:pPr>
             <a:r>
               <a:rPr lang="en"/>
-              <a:t>Databricks(Split Data)</a:t>
+              <a:t>Databricks(Load &amp; Prepare Data)</a:t>
             </a:r>
           </a:p>
         </p:txBody>
@@ -21517,6 +21409,179 @@
         </p:blipFill>
         <p:spPr>
           <a:xfrm>
+            <a:off x="77475" y="1147225"/>
+            <a:ext cx="8591550" cy="691424"/>
+          </a:xfrm>
+          <a:prstGeom prst="rect">
+            <a:avLst/>
+          </a:prstGeom>
+          <a:noFill/>
+          <a:ln>
+            <a:noFill/>
+          </a:ln>
+        </p:spPr>
+      </p:pic>
+      <p:pic>
+        <p:nvPicPr>
+          <p:cNvPr id="368" name="Shape 368"/>
+          <p:cNvPicPr preferRelativeResize="0"/>
+          <p:nvPr/>
+        </p:nvPicPr>
+        <p:blipFill>
+          <a:blip r:embed="rId4">
+            <a:alphaModFix/>
+          </a:blip>
+          <a:stretch>
+            <a:fillRect/>
+          </a:stretch>
+        </p:blipFill>
+        <p:spPr>
+          <a:xfrm>
+            <a:off x="183750" y="2661575"/>
+            <a:ext cx="4216774" cy="2125300"/>
+          </a:xfrm>
+          <a:prstGeom prst="rect">
+            <a:avLst/>
+          </a:prstGeom>
+          <a:noFill/>
+          <a:ln>
+            <a:noFill/>
+          </a:ln>
+        </p:spPr>
+      </p:pic>
+      <p:pic>
+        <p:nvPicPr>
+          <p:cNvPr id="369" name="Shape 369"/>
+          <p:cNvPicPr preferRelativeResize="0"/>
+          <p:nvPr/>
+        </p:nvPicPr>
+        <p:blipFill>
+          <a:blip r:embed="rId5">
+            <a:alphaModFix/>
+          </a:blip>
+          <a:stretch>
+            <a:fillRect/>
+          </a:stretch>
+        </p:blipFill>
+        <p:spPr>
+          <a:xfrm>
+            <a:off x="77475" y="1894875"/>
+            <a:ext cx="8851050" cy="680200"/>
+          </a:xfrm>
+          <a:prstGeom prst="rect">
+            <a:avLst/>
+          </a:prstGeom>
+          <a:noFill/>
+          <a:ln>
+            <a:noFill/>
+          </a:ln>
+        </p:spPr>
+      </p:pic>
+      <p:pic>
+        <p:nvPicPr>
+          <p:cNvPr id="370" name="Shape 370"/>
+          <p:cNvPicPr preferRelativeResize="0"/>
+          <p:nvPr/>
+        </p:nvPicPr>
+        <p:blipFill>
+          <a:blip r:embed="rId6">
+            <a:alphaModFix/>
+          </a:blip>
+          <a:stretch>
+            <a:fillRect/>
+          </a:stretch>
+        </p:blipFill>
+        <p:spPr>
+          <a:xfrm>
+            <a:off x="4462100" y="2661574"/>
+            <a:ext cx="4473311" cy="2125300"/>
+          </a:xfrm>
+          <a:prstGeom prst="rect">
+            <a:avLst/>
+          </a:prstGeom>
+          <a:noFill/>
+          <a:ln>
+            <a:noFill/>
+          </a:ln>
+        </p:spPr>
+      </p:pic>
+    </p:spTree>
+  </p:cSld>
+  <p:clrMapOvr>
+    <a:masterClrMapping/>
+  </p:clrMapOvr>
+</p:sld>
+</file>
+
+<file path=ppt/slides/slide35.xml><?xml version="1.0" encoding="utf-8"?>
+<p:sld xmlns:a="http://schemas.openxmlformats.org/drawingml/2006/main" xmlns:r="http://schemas.openxmlformats.org/officeDocument/2006/relationships" xmlns:mc="http://schemas.openxmlformats.org/markup-compatibility/2006" xmlns:mv="urn:schemas-microsoft-com:mac:vml" xmlns:p="http://schemas.openxmlformats.org/presentationml/2006/main" xmlns:c="http://schemas.openxmlformats.org/drawingml/2006/chart" xmlns:dgm="http://schemas.openxmlformats.org/drawingml/2006/diagram" xmlns:o="urn:schemas-microsoft-com:office:office" xmlns:v="urn:schemas-microsoft-com:vml" xmlns:pvml="urn:schemas-microsoft-com:office:powerpoint" xmlns:com="http://schemas.openxmlformats.org/drawingml/2006/compatibility" xmlns:p14="http://schemas.microsoft.com/office/powerpoint/2010/main">
+  <p:cSld>
+    <p:spTree>
+      <p:nvGrpSpPr>
+        <p:cNvPr id="374" name="Shape 374"/>
+        <p:cNvGrpSpPr/>
+        <p:nvPr/>
+      </p:nvGrpSpPr>
+      <p:grpSpPr>
+        <a:xfrm>
+          <a:off x="0" y="0"/>
+          <a:ext cx="0" cy="0"/>
+          <a:chOff x="0" y="0"/>
+          <a:chExt cx="0" cy="0"/>
+        </a:xfrm>
+      </p:grpSpPr>
+      <p:sp>
+        <p:nvSpPr>
+          <p:cNvPr id="375" name="Shape 375"/>
+          <p:cNvSpPr txBox="1"/>
+          <p:nvPr>
+            <p:ph type="title"/>
+          </p:nvPr>
+        </p:nvSpPr>
+        <p:spPr>
+          <a:xfrm>
+            <a:off x="311700" y="315925"/>
+            <a:ext cx="8520600" cy="831300"/>
+          </a:xfrm>
+          <a:prstGeom prst="rect">
+            <a:avLst/>
+          </a:prstGeom>
+        </p:spPr>
+        <p:txBody>
+          <a:bodyPr anchorCtr="0" anchor="b" bIns="91425" lIns="91425" rIns="91425" tIns="91425">
+            <a:noAutofit/>
+          </a:bodyPr>
+          <a:lstStyle/>
+          <a:p>
+            <a:pPr lvl="0" rtl="0">
+              <a:spcBef>
+                <a:spcPts val="0"/>
+              </a:spcBef>
+              <a:buNone/>
+            </a:pPr>
+            <a:r>
+              <a:rPr lang="en"/>
+              <a:t>Databricks(Split Data)</a:t>
+            </a:r>
+          </a:p>
+        </p:txBody>
+      </p:sp>
+      <p:pic>
+        <p:nvPicPr>
+          <p:cNvPr id="376" name="Shape 376"/>
+          <p:cNvPicPr preferRelativeResize="0"/>
+          <p:nvPr/>
+        </p:nvPicPr>
+        <p:blipFill>
+          <a:blip r:embed="rId3">
+            <a:alphaModFix/>
+          </a:blip>
+          <a:stretch>
+            <a:fillRect/>
+          </a:stretch>
+        </p:blipFill>
+        <p:spPr>
+          <a:xfrm>
             <a:off x="756706" y="1485356"/>
             <a:ext cx="7630599" cy="2468300"/>
           </a:xfrm>
@@ -21542,7 +21607,7 @@
   <p:cSld>
     <p:spTree>
       <p:nvGrpSpPr>
-        <p:cNvPr id="371" name="Shape 371"/>
+        <p:cNvPr id="380" name="Shape 380"/>
         <p:cNvGrpSpPr/>
         <p:nvPr/>
       </p:nvGrpSpPr>
@@ -21556,7 +21621,7 @@
       </p:grpSpPr>
       <p:sp>
         <p:nvSpPr>
-          <p:cNvPr id="372" name="Shape 372"/>
+          <p:cNvPr id="381" name="Shape 381"/>
           <p:cNvSpPr txBox="1"/>
           <p:nvPr>
             <p:ph type="title"/>
@@ -21597,7 +21662,7 @@
       </p:sp>
       <p:pic>
         <p:nvPicPr>
-          <p:cNvPr id="373" name="Shape 373"/>
+          <p:cNvPr id="382" name="Shape 382"/>
           <p:cNvPicPr preferRelativeResize="0"/>
           <p:nvPr/>
         </p:nvPicPr>
@@ -21636,7 +21701,7 @@
   <p:cSld>
     <p:spTree>
       <p:nvGrpSpPr>
-        <p:cNvPr id="377" name="Shape 377"/>
+        <p:cNvPr id="386" name="Shape 386"/>
         <p:cNvGrpSpPr/>
         <p:nvPr/>
       </p:nvGrpSpPr>
@@ -21650,7 +21715,7 @@
       </p:grpSpPr>
       <p:sp>
         <p:nvSpPr>
-          <p:cNvPr id="378" name="Shape 378"/>
+          <p:cNvPr id="387" name="Shape 387"/>
           <p:cNvSpPr txBox="1"/>
           <p:nvPr>
             <p:ph type="title"/>
@@ -21658,7 +21723,7 @@
         </p:nvSpPr>
         <p:spPr>
           <a:xfrm>
-            <a:off x="311700" y="331050"/>
+            <a:off x="311700" y="315925"/>
             <a:ext cx="8520600" cy="831300"/>
           </a:xfrm>
           <a:prstGeom prst="rect">
@@ -21671,27 +21736,22 @@
           </a:bodyPr>
           <a:lstStyle/>
           <a:p>
-            <a:pPr lvl="0">
-              <a:spcBef>
-                <a:spcPts val="0"/>
-              </a:spcBef>
-              <a:buClr>
-                <a:schemeClr val="dk1"/>
-              </a:buClr>
-              <a:buSzPct val="25000"/>
-              <a:buFont typeface="Arial"/>
+            <a:pPr lvl="0" rtl="0">
+              <a:spcBef>
+                <a:spcPts val="0"/>
+              </a:spcBef>
               <a:buNone/>
             </a:pPr>
             <a:r>
               <a:rPr lang="en"/>
-              <a:t>Databricks(Train)</a:t>
+              <a:t>Databricks(Train &amp; Test)</a:t>
             </a:r>
           </a:p>
         </p:txBody>
       </p:sp>
       <p:pic>
         <p:nvPicPr>
-          <p:cNvPr id="379" name="Shape 379"/>
+          <p:cNvPr id="388" name="Shape 388"/>
           <p:cNvPicPr preferRelativeResize="0"/>
           <p:nvPr/>
         </p:nvPicPr>
@@ -21705,8 +21765,36 @@
         </p:blipFill>
         <p:spPr>
           <a:xfrm>
-            <a:off x="2081150" y="1430775"/>
-            <a:ext cx="5150349" cy="2536349"/>
+            <a:off x="152400" y="1299625"/>
+            <a:ext cx="3790950" cy="1866900"/>
+          </a:xfrm>
+          <a:prstGeom prst="rect">
+            <a:avLst/>
+          </a:prstGeom>
+          <a:noFill/>
+          <a:ln>
+            <a:noFill/>
+          </a:ln>
+        </p:spPr>
+      </p:pic>
+      <p:pic>
+        <p:nvPicPr>
+          <p:cNvPr id="389" name="Shape 389"/>
+          <p:cNvPicPr preferRelativeResize="0"/>
+          <p:nvPr/>
+        </p:nvPicPr>
+        <p:blipFill>
+          <a:blip r:embed="rId4">
+            <a:alphaModFix/>
+          </a:blip>
+          <a:stretch>
+            <a:fillRect/>
+          </a:stretch>
+        </p:blipFill>
+        <p:spPr>
+          <a:xfrm>
+            <a:off x="3943350" y="1299625"/>
+            <a:ext cx="5068524" cy="3352575"/>
           </a:xfrm>
           <a:prstGeom prst="rect">
             <a:avLst/>
@@ -21730,7 +21818,7 @@
   <p:cSld>
     <p:spTree>
       <p:nvGrpSpPr>
-        <p:cNvPr id="383" name="Shape 383"/>
+        <p:cNvPr id="393" name="Shape 393"/>
         <p:cNvGrpSpPr/>
         <p:nvPr/>
       </p:nvGrpSpPr>
@@ -21744,7 +21832,7 @@
       </p:grpSpPr>
       <p:sp>
         <p:nvSpPr>
-          <p:cNvPr id="384" name="Shape 384"/>
+          <p:cNvPr id="394" name="Shape 394"/>
           <p:cNvSpPr txBox="1"/>
           <p:nvPr>
             <p:ph type="title"/>
@@ -21773,14 +21861,14 @@
             </a:pPr>
             <a:r>
               <a:rPr lang="en"/>
-              <a:t>Databricks(Train &amp; Test)</a:t>
+              <a:t>Databricks(Accuracy)</a:t>
             </a:r>
           </a:p>
         </p:txBody>
       </p:sp>
       <p:pic>
         <p:nvPicPr>
-          <p:cNvPr id="385" name="Shape 385"/>
+          <p:cNvPr id="395" name="Shape 395"/>
           <p:cNvPicPr preferRelativeResize="0"/>
           <p:nvPr/>
         </p:nvPicPr>
@@ -21794,36 +21882,8 @@
         </p:blipFill>
         <p:spPr>
           <a:xfrm>
-            <a:off x="152400" y="1299625"/>
-            <a:ext cx="3790950" cy="1866900"/>
-          </a:xfrm>
-          <a:prstGeom prst="rect">
-            <a:avLst/>
-          </a:prstGeom>
-          <a:noFill/>
-          <a:ln>
-            <a:noFill/>
-          </a:ln>
-        </p:spPr>
-      </p:pic>
-      <p:pic>
-        <p:nvPicPr>
-          <p:cNvPr id="386" name="Shape 386"/>
-          <p:cNvPicPr preferRelativeResize="0"/>
-          <p:nvPr/>
-        </p:nvPicPr>
-        <p:blipFill>
-          <a:blip r:embed="rId4">
-            <a:alphaModFix/>
-          </a:blip>
-          <a:stretch>
-            <a:fillRect/>
-          </a:stretch>
-        </p:blipFill>
-        <p:spPr>
-          <a:xfrm>
-            <a:off x="4041475" y="1299625"/>
-            <a:ext cx="4922025" cy="3337074"/>
+            <a:off x="152400" y="1955425"/>
+            <a:ext cx="8839202" cy="1488531"/>
           </a:xfrm>
           <a:prstGeom prst="rect">
             <a:avLst/>
@@ -21847,7 +21907,7 @@
   <p:cSld>
     <p:spTree>
       <p:nvGrpSpPr>
-        <p:cNvPr id="390" name="Shape 390"/>
+        <p:cNvPr id="399" name="Shape 399"/>
         <p:cNvGrpSpPr/>
         <p:nvPr/>
       </p:nvGrpSpPr>
@@ -21861,7 +21921,7 @@
       </p:grpSpPr>
       <p:sp>
         <p:nvSpPr>
-          <p:cNvPr id="391" name="Shape 391"/>
+          <p:cNvPr id="400" name="Shape 400"/>
           <p:cNvSpPr txBox="1"/>
           <p:nvPr>
             <p:ph type="title"/>
@@ -21890,39 +21950,81 @@
             </a:pPr>
             <a:r>
               <a:rPr lang="en"/>
-              <a:t>Databricks(Accuracy)</a:t>
+              <a:t>Conclusion</a:t>
             </a:r>
           </a:p>
         </p:txBody>
       </p:sp>
-      <p:pic>
-        <p:nvPicPr>
-          <p:cNvPr id="392" name="Shape 392"/>
-          <p:cNvPicPr preferRelativeResize="0"/>
-          <p:nvPr/>
-        </p:nvPicPr>
-        <p:blipFill>
-          <a:blip r:embed="rId3">
-            <a:alphaModFix/>
-          </a:blip>
-          <a:stretch>
-            <a:fillRect/>
-          </a:stretch>
-        </p:blipFill>
-        <p:spPr>
-          <a:xfrm>
-            <a:off x="152400" y="1908600"/>
-            <a:ext cx="8839199" cy="1526313"/>
-          </a:xfrm>
-          <a:prstGeom prst="rect">
-            <a:avLst/>
-          </a:prstGeom>
-          <a:noFill/>
-          <a:ln>
-            <a:noFill/>
-          </a:ln>
-        </p:spPr>
-      </p:pic>
+      <p:sp>
+        <p:nvSpPr>
+          <p:cNvPr id="401" name="Shape 401"/>
+          <p:cNvSpPr txBox="1"/>
+          <p:nvPr>
+            <p:ph idx="1" type="body"/>
+          </p:nvPr>
+        </p:nvSpPr>
+        <p:spPr>
+          <a:xfrm>
+            <a:off x="311700" y="1225225"/>
+            <a:ext cx="8520600" cy="3354000"/>
+          </a:xfrm>
+          <a:prstGeom prst="rect">
+            <a:avLst/>
+          </a:prstGeom>
+        </p:spPr>
+        <p:txBody>
+          <a:bodyPr anchorCtr="0" anchor="t" bIns="91425" lIns="91425" rIns="91425" tIns="91425">
+            <a:noAutofit/>
+          </a:bodyPr>
+          <a:lstStyle/>
+          <a:p>
+            <a:pPr indent="0" lvl="0" marL="0">
+              <a:spcBef>
+                <a:spcPts val="0"/>
+              </a:spcBef>
+              <a:buNone/>
+            </a:pPr>
+            <a:r>
+              <a:rPr b="1" i="1" lang="en"/>
+              <a:t>Movie Box Office</a:t>
+            </a:r>
+          </a:p>
+          <a:p>
+            <a:pPr indent="-228600" lvl="0" marL="457200">
+              <a:spcBef>
+                <a:spcPts val="0"/>
+              </a:spcBef>
+            </a:pPr>
+            <a:r>
+              <a:rPr lang="en"/>
+              <a:t>Linear regression is better as it has lower RMSE</a:t>
+            </a:r>
+          </a:p>
+          <a:p>
+            <a:pPr indent="0" lvl="0" marL="0" rtl="0">
+              <a:spcBef>
+                <a:spcPts val="0"/>
+              </a:spcBef>
+              <a:buNone/>
+            </a:pPr>
+            <a:r>
+              <a:rPr b="1" i="1" lang="en"/>
+              <a:t> Oscar Nominations</a:t>
+            </a:r>
+          </a:p>
+          <a:p>
+            <a:pPr indent="-228600" lvl="0" marL="457200">
+              <a:spcBef>
+                <a:spcPts val="0"/>
+              </a:spcBef>
+            </a:pPr>
+            <a:r>
+              <a:rPr lang="en"/>
+              <a:t>both models produced similar precision and accuracy rate</a:t>
+            </a:r>
+          </a:p>
+        </p:txBody>
+      </p:sp>
     </p:spTree>
   </p:cSld>
   <p:clrMapOvr>
@@ -22165,7 +22267,7 @@
   <p:cSld>
     <p:spTree>
       <p:nvGrpSpPr>
-        <p:cNvPr id="396" name="Shape 396"/>
+        <p:cNvPr id="405" name="Shape 405"/>
         <p:cNvGrpSpPr/>
         <p:nvPr/>
       </p:nvGrpSpPr>
@@ -22179,7 +22281,7 @@
       </p:grpSpPr>
       <p:sp>
         <p:nvSpPr>
-          <p:cNvPr id="397" name="Shape 397"/>
+          <p:cNvPr id="406" name="Shape 406"/>
           <p:cNvSpPr txBox="1"/>
           <p:nvPr>
             <p:ph type="title"/>
@@ -22200,7 +22302,7 @@
           </a:bodyPr>
           <a:lstStyle/>
           <a:p>
-            <a:pPr lvl="0" rtl="0">
+            <a:pPr lvl="0">
               <a:spcBef>
                 <a:spcPts val="0"/>
               </a:spcBef>
@@ -22208,95 +22310,79 @@
             </a:pPr>
             <a:r>
               <a:rPr lang="en"/>
-              <a:t>Databricks(ROC)</a:t>
+              <a:t>Observation</a:t>
             </a:r>
           </a:p>
         </p:txBody>
       </p:sp>
-      <p:pic>
-        <p:nvPicPr>
-          <p:cNvPr id="398" name="Shape 398"/>
-          <p:cNvPicPr preferRelativeResize="0"/>
-          <p:nvPr/>
-        </p:nvPicPr>
-        <p:blipFill>
-          <a:blip r:embed="rId3">
-            <a:alphaModFix/>
-          </a:blip>
-          <a:stretch>
-            <a:fillRect/>
-          </a:stretch>
-        </p:blipFill>
-        <p:spPr>
-          <a:xfrm>
-            <a:off x="311700" y="1006687"/>
-            <a:ext cx="6338674" cy="2337275"/>
-          </a:xfrm>
-          <a:prstGeom prst="rect">
-            <a:avLst/>
-          </a:prstGeom>
-          <a:noFill/>
-          <a:ln>
-            <a:noFill/>
-          </a:ln>
-        </p:spPr>
-      </p:pic>
-      <p:pic>
-        <p:nvPicPr>
-          <p:cNvPr id="399" name="Shape 399"/>
-          <p:cNvPicPr preferRelativeResize="0"/>
-          <p:nvPr/>
-        </p:nvPicPr>
-        <p:blipFill>
-          <a:blip r:embed="rId4">
-            <a:alphaModFix/>
-          </a:blip>
-          <a:stretch>
-            <a:fillRect/>
-          </a:stretch>
-        </p:blipFill>
-        <p:spPr>
-          <a:xfrm>
-            <a:off x="2794400" y="3187202"/>
-            <a:ext cx="2461525" cy="1821524"/>
-          </a:xfrm>
-          <a:prstGeom prst="rect">
-            <a:avLst/>
-          </a:prstGeom>
-          <a:noFill/>
-          <a:ln>
-            <a:noFill/>
-          </a:ln>
-        </p:spPr>
-      </p:pic>
-      <p:pic>
-        <p:nvPicPr>
-          <p:cNvPr id="400" name="Shape 400"/>
-          <p:cNvPicPr preferRelativeResize="0"/>
-          <p:nvPr/>
-        </p:nvPicPr>
-        <p:blipFill>
-          <a:blip r:embed="rId5">
-            <a:alphaModFix/>
-          </a:blip>
-          <a:stretch>
-            <a:fillRect/>
-          </a:stretch>
-        </p:blipFill>
-        <p:spPr>
-          <a:xfrm>
-            <a:off x="5622300" y="3187199"/>
-            <a:ext cx="2431986" cy="1821524"/>
-          </a:xfrm>
-          <a:prstGeom prst="rect">
-            <a:avLst/>
-          </a:prstGeom>
-          <a:noFill/>
-          <a:ln>
-            <a:noFill/>
-          </a:ln>
-        </p:spPr>
-      </p:pic>
+      <p:sp>
+        <p:nvSpPr>
+          <p:cNvPr id="407" name="Shape 407"/>
+          <p:cNvSpPr txBox="1"/>
+          <p:nvPr>
+            <p:ph idx="1" type="body"/>
+          </p:nvPr>
+        </p:nvSpPr>
+        <p:spPr>
+          <a:xfrm>
+            <a:off x="311700" y="1225225"/>
+            <a:ext cx="8520600" cy="3354000"/>
+          </a:xfrm>
+          <a:prstGeom prst="rect">
+            <a:avLst/>
+          </a:prstGeom>
+        </p:spPr>
+        <p:txBody>
+          <a:bodyPr anchorCtr="0" anchor="t" bIns="91425" lIns="91425" rIns="91425" tIns="91425">
+            <a:noAutofit/>
+          </a:bodyPr>
+          <a:lstStyle/>
+          <a:p>
+            <a:pPr indent="-228600" lvl="0" marL="457200" rtl="0">
+              <a:spcBef>
+                <a:spcPts val="0"/>
+              </a:spcBef>
+            </a:pPr>
+            <a:r>
+              <a:rPr lang="en"/>
+              <a:t>Azure is better for cleaning missing data, has many built-in graphics, and is easier to use.</a:t>
+            </a:r>
+          </a:p>
+          <a:p>
+            <a:pPr indent="-228600" lvl="0" marL="457200">
+              <a:spcBef>
+                <a:spcPts val="0"/>
+              </a:spcBef>
+            </a:pPr>
+            <a:r>
+              <a:rPr lang="en"/>
+              <a:t>Spark(DB and IBM) is better for advanced graphics.</a:t>
+            </a:r>
+          </a:p>
+          <a:p>
+            <a:pPr indent="-228600" lvl="0" marL="457200">
+              <a:spcBef>
+                <a:spcPts val="0"/>
+              </a:spcBef>
+            </a:pPr>
+            <a:r>
+              <a:rPr lang="en"/>
+              <a:t>Databricks has faster processing time.</a:t>
+            </a:r>
+          </a:p>
+          <a:p>
+            <a:pPr indent="-228600" lvl="0" marL="457200">
+              <a:spcBef>
+                <a:spcPts val="0"/>
+              </a:spcBef>
+            </a:pPr>
+            <a:r>
+              <a:rPr lang="en"/>
+              <a:t>IBM provides detailed error log.</a:t>
+            </a:r>
+          </a:p>
+        </p:txBody>
+      </p:sp>
     </p:spTree>
   </p:cSld>
   <p:clrMapOvr>
@@ -22310,7 +22396,7 @@
   <p:cSld>
     <p:spTree>
       <p:nvGrpSpPr>
-        <p:cNvPr id="404" name="Shape 404"/>
+        <p:cNvPr id="411" name="Shape 411"/>
         <p:cNvGrpSpPr/>
         <p:nvPr/>
       </p:nvGrpSpPr>
@@ -22324,7 +22410,7 @@
       </p:grpSpPr>
       <p:sp>
         <p:nvSpPr>
-          <p:cNvPr id="405" name="Shape 405"/>
+          <p:cNvPr id="412" name="Shape 412"/>
           <p:cNvSpPr txBox="1"/>
           <p:nvPr>
             <p:ph type="title"/>
@@ -22332,8 +22418,8 @@
         </p:nvSpPr>
         <p:spPr>
           <a:xfrm>
-            <a:off x="311700" y="315925"/>
-            <a:ext cx="8520600" cy="831300"/>
+            <a:off x="166325" y="406625"/>
+            <a:ext cx="8520600" cy="572700"/>
           </a:xfrm>
           <a:prstGeom prst="rect">
             <a:avLst/>
@@ -22349,23 +22435,66 @@
               <a:spcBef>
                 <a:spcPts val="0"/>
               </a:spcBef>
+              <a:buNone/>
+            </a:pPr>
+            <a:r>
+              <a:rPr lang="en" sz="3000"/>
+              <a:t>Github Link</a:t>
+            </a:r>
+          </a:p>
+        </p:txBody>
+      </p:sp>
+      <p:sp>
+        <p:nvSpPr>
+          <p:cNvPr id="413" name="Shape 413"/>
+          <p:cNvSpPr txBox="1"/>
+          <p:nvPr>
+            <p:ph idx="1" type="body"/>
+          </p:nvPr>
+        </p:nvSpPr>
+        <p:spPr>
+          <a:xfrm>
+            <a:off x="119400" y="979325"/>
+            <a:ext cx="8905200" cy="3416400"/>
+          </a:xfrm>
+          <a:prstGeom prst="rect">
+            <a:avLst/>
+          </a:prstGeom>
+        </p:spPr>
+        <p:txBody>
+          <a:bodyPr anchorCtr="0" anchor="t" bIns="91425" lIns="91425" rIns="91425" tIns="91425">
+            <a:noAutofit/>
+          </a:bodyPr>
+          <a:lstStyle/>
+          <a:p>
+            <a:pPr lvl="0" rtl="0">
+              <a:spcBef>
+                <a:spcPts val="0"/>
+              </a:spcBef>
+              <a:spcAft>
+                <a:spcPts val="0"/>
+              </a:spcAft>
               <a:buClr>
                 <a:schemeClr val="dk1"/>
               </a:buClr>
-              <a:buSzPct val="25000"/>
+              <a:buSzPct val="45833"/>
               <a:buFont typeface="Arial"/>
               <a:buNone/>
             </a:pPr>
             <a:r>
-              <a:rPr lang="en"/>
-              <a:t>Databricks(ROC)</a:t>
+              <a:rPr lang="en" u="sng">
+                <a:solidFill>
+                  <a:schemeClr val="dk1"/>
+                </a:solidFill>
+              </a:rPr>
+              <a:t>https://github.com/biranlicis/Movie-Box-Office-Machine-Learning</a:t>
             </a:r>
           </a:p>
         </p:txBody>
       </p:sp>
       <p:pic>
         <p:nvPicPr>
-          <p:cNvPr id="406" name="Shape 406"/>
+          <p:cNvPr id="414" name="Shape 414"/>
           <p:cNvPicPr preferRelativeResize="0"/>
           <p:nvPr/>
         </p:nvPicPr>
@@ -22379,8 +22508,8 @@
         </p:blipFill>
         <p:spPr>
           <a:xfrm>
-            <a:off x="152400" y="1646275"/>
-            <a:ext cx="8839199" cy="1913899"/>
+            <a:off x="385274" y="1867075"/>
+            <a:ext cx="8350976" cy="3077349"/>
           </a:xfrm>
           <a:prstGeom prst="rect">
             <a:avLst/>
@@ -22404,7 +22533,7 @@
   <p:cSld>
     <p:spTree>
       <p:nvGrpSpPr>
-        <p:cNvPr id="410" name="Shape 410"/>
+        <p:cNvPr id="418" name="Shape 418"/>
         <p:cNvGrpSpPr/>
         <p:nvPr/>
       </p:nvGrpSpPr>
@@ -22418,7 +22547,7 @@
       </p:grpSpPr>
       <p:sp>
         <p:nvSpPr>
-          <p:cNvPr id="411" name="Shape 411"/>
+          <p:cNvPr id="419" name="Shape 419"/>
           <p:cNvSpPr txBox="1"/>
           <p:nvPr>
             <p:ph type="title"/>
@@ -22439,372 +22568,363 @@
           </a:bodyPr>
           <a:lstStyle/>
           <a:p>
-            <a:pPr lvl="0">
+            <a:pPr lvl="0" algn="l">
+              <a:spcBef>
+                <a:spcPts val="0"/>
+              </a:spcBef>
+              <a:buNone/>
+            </a:pPr>
+            <a:r>
+              <a:rPr lang="en"/>
+              <a:t>                 References</a:t>
+            </a:r>
+          </a:p>
+        </p:txBody>
+      </p:sp>
+      <p:sp>
+        <p:nvSpPr>
+          <p:cNvPr id="420" name="Shape 420"/>
+          <p:cNvSpPr txBox="1"/>
+          <p:nvPr>
+            <p:ph idx="1" type="body"/>
+          </p:nvPr>
+        </p:nvSpPr>
+        <p:spPr>
+          <a:xfrm>
+            <a:off x="311700" y="795850"/>
+            <a:ext cx="8520600" cy="4144800"/>
+          </a:xfrm>
+          <a:prstGeom prst="rect">
+            <a:avLst/>
+          </a:prstGeom>
+        </p:spPr>
+        <p:txBody>
+          <a:bodyPr anchorCtr="0" anchor="t" bIns="91425" lIns="91425" rIns="91425" tIns="91425">
+            <a:noAutofit/>
+          </a:bodyPr>
+          <a:lstStyle/>
+          <a:p>
+            <a:pPr indent="-342900" lvl="0" marL="457200" rtl="0">
               <a:spcBef>
                 <a:spcPts val="0"/>
               </a:spcBef>
               <a:buClr>
                 <a:schemeClr val="dk1"/>
               </a:buClr>
-              <a:buSzPct val="25000"/>
+              <a:buSzPct val="100000"/>
               <a:buFont typeface="Arial"/>
-              <a:buNone/>
+              <a:buAutoNum type="arabicPeriod"/>
             </a:pPr>
             <a:r>
-              <a:rPr lang="en"/>
-              <a:t>Azure vs Spark</a:t>
+              <a:rPr lang="en" sz="1800">
+                <a:solidFill>
+                  <a:schemeClr val="dk1"/>
+                </a:solidFill>
+                <a:latin typeface="Arial"/>
+                <a:ea typeface="Arial"/>
+                <a:cs typeface="Arial"/>
+                <a:sym typeface="Arial"/>
+              </a:rPr>
+              <a:t>Microsoft DAT202.3x Implementing Predictive Analytics with Spark in Azure HDInsight</a:t>
             </a:r>
           </a:p>
+          <a:p>
+            <a:pPr indent="-342900" lvl="0" marL="457200" rtl="0">
+              <a:spcBef>
+                <a:spcPts val="0"/>
+              </a:spcBef>
+              <a:spcAft>
+                <a:spcPts val="0"/>
+              </a:spcAft>
+              <a:buClr>
+                <a:schemeClr val="dk1"/>
+              </a:buClr>
+              <a:buSzPct val="100000"/>
+              <a:buFont typeface="Arial"/>
+              <a:buAutoNum type="arabicPeriod"/>
+            </a:pPr>
+            <a:r>
+              <a:rPr lang="en" sz="1800">
+                <a:solidFill>
+                  <a:schemeClr val="dk1"/>
+                </a:solidFill>
+                <a:latin typeface="Arial"/>
+                <a:ea typeface="Arial"/>
+                <a:cs typeface="Arial"/>
+                <a:sym typeface="Arial"/>
+              </a:rPr>
+              <a:t>Microsoft's DAT203x, Data Science and Machine Learning Essentials</a:t>
+            </a:r>
+          </a:p>
+          <a:p>
+            <a:pPr indent="-342900" lvl="0" marL="457200" rtl="0">
+              <a:spcBef>
+                <a:spcPts val="0"/>
+              </a:spcBef>
+              <a:buClr>
+                <a:schemeClr val="dk1"/>
+              </a:buClr>
+              <a:buSzPct val="100000"/>
+              <a:buFont typeface="Arial"/>
+              <a:buAutoNum type="arabicPeriod"/>
+            </a:pPr>
+            <a:r>
+              <a:rPr lang="en" sz="1800">
+                <a:solidFill>
+                  <a:schemeClr val="dk1"/>
+                </a:solidFill>
+                <a:latin typeface="Arial"/>
+                <a:ea typeface="Arial"/>
+                <a:cs typeface="Arial"/>
+                <a:sym typeface="Arial"/>
+              </a:rPr>
+              <a:t>Gautam, Geetika, and Divakar Yadav. </a:t>
+            </a:r>
+            <a:r>
+              <a:rPr i="1" lang="en" sz="1800">
+                <a:solidFill>
+                  <a:schemeClr val="dk1"/>
+                </a:solidFill>
+                <a:latin typeface="Arial"/>
+                <a:ea typeface="Arial"/>
+                <a:cs typeface="Arial"/>
+                <a:sym typeface="Arial"/>
+              </a:rPr>
+              <a:t>Sentiment Analysis of Twitter Data Using Machine Learning Approaches and Semantic Analysis - IEEE Xplore Document</a:t>
+            </a:r>
+            <a:r>
+              <a:rPr lang="en" sz="1800">
+                <a:solidFill>
+                  <a:schemeClr val="dk1"/>
+                </a:solidFill>
+                <a:latin typeface="Arial"/>
+                <a:ea typeface="Arial"/>
+                <a:cs typeface="Arial"/>
+                <a:sym typeface="Arial"/>
+              </a:rPr>
+              <a:t>. N.p., n.d. Web. 02 May 2017. </a:t>
+            </a:r>
+          </a:p>
+          <a:p>
+            <a:pPr indent="-342900" lvl="0" marL="457200" rtl="0">
+              <a:spcBef>
+                <a:spcPts val="0"/>
+              </a:spcBef>
+              <a:buClr>
+                <a:schemeClr val="dk1"/>
+              </a:buClr>
+              <a:buSzPct val="100000"/>
+              <a:buFont typeface="Arial"/>
+              <a:buAutoNum type="arabicPeriod"/>
+            </a:pPr>
+            <a:r>
+              <a:rPr lang="en" sz="1800">
+                <a:solidFill>
+                  <a:schemeClr val="dk1"/>
+                </a:solidFill>
+                <a:latin typeface="Arial"/>
+                <a:ea typeface="Arial"/>
+                <a:cs typeface="Arial"/>
+                <a:sym typeface="Arial"/>
+              </a:rPr>
+              <a:t>"MovieLens." </a:t>
+            </a:r>
+            <a:r>
+              <a:rPr i="1" lang="en" sz="1800">
+                <a:solidFill>
+                  <a:schemeClr val="dk1"/>
+                </a:solidFill>
+                <a:latin typeface="Arial"/>
+                <a:ea typeface="Arial"/>
+                <a:cs typeface="Arial"/>
+                <a:sym typeface="Arial"/>
+              </a:rPr>
+              <a:t>GroupLens</a:t>
+            </a:r>
+            <a:r>
+              <a:rPr lang="en" sz="1800">
+                <a:solidFill>
+                  <a:schemeClr val="dk1"/>
+                </a:solidFill>
+                <a:latin typeface="Arial"/>
+                <a:ea typeface="Arial"/>
+                <a:cs typeface="Arial"/>
+                <a:sym typeface="Arial"/>
+              </a:rPr>
+              <a:t>. N.p., 18 Oct. 2016. Web. 02 May 2017. </a:t>
+            </a:r>
+          </a:p>
+          <a:p>
+            <a:pPr indent="-342900" lvl="0" marL="457200" rtl="0">
+              <a:spcBef>
+                <a:spcPts val="0"/>
+              </a:spcBef>
+              <a:buClr>
+                <a:schemeClr val="dk1"/>
+              </a:buClr>
+              <a:buSzPct val="100000"/>
+              <a:buFont typeface="Arial"/>
+              <a:buAutoNum type="arabicPeriod"/>
+            </a:pPr>
+            <a:r>
+              <a:rPr lang="en" sz="1800">
+                <a:solidFill>
+                  <a:schemeClr val="dk1"/>
+                </a:solidFill>
+                <a:latin typeface="Arial"/>
+                <a:ea typeface="Arial"/>
+                <a:cs typeface="Arial"/>
+                <a:sym typeface="Arial"/>
+              </a:rPr>
+              <a:t>Concetta A., and Constanc H. McLaren. "Movie Data." </a:t>
+            </a:r>
+            <a:r>
+              <a:rPr i="1" lang="en" sz="1800">
+                <a:solidFill>
+                  <a:schemeClr val="dk1"/>
+                </a:solidFill>
+                <a:latin typeface="Arial"/>
+                <a:ea typeface="Arial"/>
+                <a:cs typeface="Arial"/>
+                <a:sym typeface="Arial"/>
+              </a:rPr>
+              <a:t>Journal of Statistics Education, V17n1</a:t>
+            </a:r>
+            <a:r>
+              <a:rPr lang="en" sz="1800">
+                <a:solidFill>
+                  <a:schemeClr val="dk1"/>
+                </a:solidFill>
+                <a:latin typeface="Arial"/>
+                <a:ea typeface="Arial"/>
+                <a:cs typeface="Arial"/>
+                <a:sym typeface="Arial"/>
+              </a:rPr>
+              <a:t>. N.p., 2009. Web. 02 May 2017. </a:t>
+            </a:r>
+          </a:p>
+          <a:p>
+            <a:pPr indent="-342900" lvl="0" marL="457200" rtl="0">
+              <a:spcBef>
+                <a:spcPts val="0"/>
+              </a:spcBef>
+              <a:buClr>
+                <a:schemeClr val="dk1"/>
+              </a:buClr>
+              <a:buSzPct val="100000"/>
+              <a:buFont typeface="Arial"/>
+              <a:buAutoNum type="arabicPeriod"/>
+            </a:pPr>
+            <a:r>
+              <a:rPr lang="en" sz="1800">
+                <a:solidFill>
+                  <a:schemeClr val="dk1"/>
+                </a:solidFill>
+                <a:latin typeface="Arial"/>
+                <a:ea typeface="Arial"/>
+                <a:cs typeface="Arial"/>
+                <a:sym typeface="Arial"/>
+              </a:rPr>
+              <a:t>Chuansun7. "IMDB 5000 Movie Dataset." </a:t>
+            </a:r>
+            <a:r>
+              <a:rPr i="1" lang="en" sz="1800">
+                <a:solidFill>
+                  <a:schemeClr val="dk1"/>
+                </a:solidFill>
+                <a:latin typeface="Arial"/>
+                <a:ea typeface="Arial"/>
+                <a:cs typeface="Arial"/>
+                <a:sym typeface="Arial"/>
+              </a:rPr>
+              <a:t>IMDB 5000 Movie Dataset | Kaggle</a:t>
+            </a:r>
+            <a:r>
+              <a:rPr lang="en" sz="1800">
+                <a:solidFill>
+                  <a:schemeClr val="dk1"/>
+                </a:solidFill>
+                <a:latin typeface="Arial"/>
+                <a:ea typeface="Arial"/>
+                <a:cs typeface="Arial"/>
+                <a:sym typeface="Arial"/>
+              </a:rPr>
+              <a:t>. N.p., n.d. Web. 02 May 2017.</a:t>
+            </a:r>
+          </a:p>
+          <a:p>
+            <a:pPr indent="-342900" lvl="0" marL="457200" rtl="0">
+              <a:spcBef>
+                <a:spcPts val="0"/>
+              </a:spcBef>
+              <a:buClr>
+                <a:schemeClr val="dk1"/>
+              </a:buClr>
+              <a:buSzPct val="100000"/>
+              <a:buFont typeface="Arial"/>
+              <a:buAutoNum type="arabicPeriod"/>
+            </a:pPr>
+            <a:r>
+              <a:rPr lang="en" sz="1800">
+                <a:solidFill>
+                  <a:schemeClr val="dk1"/>
+                </a:solidFill>
+                <a:latin typeface="Arial"/>
+                <a:ea typeface="Arial"/>
+                <a:cs typeface="Arial"/>
+                <a:sym typeface="Arial"/>
+              </a:rPr>
+              <a:t>"The Academy Awards, 1927-2015." Academy of Motion Picture Arts and Sciences, n.d. Web. 02 May 2017. </a:t>
+            </a:r>
+          </a:p>
+          <a:p>
+            <a:pPr indent="-298450" lvl="0" marL="457200" rtl="0">
+              <a:spcBef>
+                <a:spcPts val="0"/>
+              </a:spcBef>
+              <a:buClr>
+                <a:srgbClr val="000000"/>
+              </a:buClr>
+              <a:buSzPct val="45833"/>
+              <a:buNone/>
+            </a:pPr>
+            <a:r>
+              <a:rPr lang="en">
+                <a:solidFill>
+                  <a:schemeClr val="dk1"/>
+                </a:solidFill>
+                <a:latin typeface="Arial"/>
+                <a:ea typeface="Arial"/>
+                <a:cs typeface="Arial"/>
+                <a:sym typeface="Arial"/>
+              </a:rPr>
+              <a:t>　</a:t>
+            </a:r>
+          </a:p>
+          <a:p>
+            <a:pPr indent="0" lvl="0" marL="0" marR="0" rtl="0" algn="l">
+              <a:lnSpc>
+                <a:spcPct val="115000"/>
+              </a:lnSpc>
+              <a:spcBef>
+                <a:spcPts val="0"/>
+              </a:spcBef>
+              <a:spcAft>
+                <a:spcPts val="0"/>
+              </a:spcAft>
+              <a:buNone/>
+            </a:pPr>
+            <a:r>
+              <a:t/>
+            </a:r>
+            <a:endParaRPr sz="1100">
+              <a:solidFill>
+                <a:schemeClr val="dk1"/>
+              </a:solidFill>
+            </a:endParaRPr>
+          </a:p>
         </p:txBody>
       </p:sp>
-      <p:graphicFrame>
-        <p:nvGraphicFramePr>
-          <p:cNvPr id="412" name="Shape 412"/>
-          <p:cNvGraphicFramePr/>
-          <p:nvPr/>
-        </p:nvGraphicFramePr>
-        <p:xfrm>
-          <a:off x="375037" y="1147225"/>
-          <a:ext cx="3000000" cy="3000000"/>
-        </p:xfrm>
-        <a:graphic>
-          <a:graphicData uri="http://schemas.openxmlformats.org/drawingml/2006/table">
-            <a:tbl>
-              <a:tblPr>
-                <a:noFill/>
-                <a:tableStyleId>{C0D87C19-EAE3-4051-93D8-65E8A14A769F}</a:tableStyleId>
-              </a:tblPr>
-              <a:tblGrid>
-                <a:gridCol w="2573125"/>
-                <a:gridCol w="2919775"/>
-                <a:gridCol w="2901025"/>
-              </a:tblGrid>
-              <a:tr h="632525">
-                <a:tc>
-                  <a:txBody>
-                    <a:bodyPr>
-                      <a:noAutofit/>
-                    </a:bodyPr>
-                    <a:lstStyle/>
-                    <a:p>
-                      <a:pPr lvl="0" rtl="0">
-                        <a:spcBef>
-                          <a:spcPts val="0"/>
-                        </a:spcBef>
-                        <a:buNone/>
-                      </a:pPr>
-                      <a:r>
-                        <a:rPr b="1" lang="en" sz="2400"/>
-                        <a:t>ROC</a:t>
-                      </a:r>
-                    </a:p>
-                  </a:txBody>
-                  <a:tcPr marT="91425" marB="91425" marR="91425" marL="91425"/>
-                </a:tc>
-                <a:tc>
-                  <a:txBody>
-                    <a:bodyPr>
-                      <a:noAutofit/>
-                    </a:bodyPr>
-                    <a:lstStyle/>
-                    <a:p>
-                      <a:pPr lvl="0" rtl="0">
-                        <a:spcBef>
-                          <a:spcPts val="0"/>
-                        </a:spcBef>
-                        <a:buNone/>
-                      </a:pPr>
-                      <a:r>
-                        <a:rPr b="1" lang="en" sz="2400"/>
-                        <a:t>Azure</a:t>
-                      </a:r>
-                    </a:p>
-                  </a:txBody>
-                  <a:tcPr marT="91425" marB="91425" marR="91425" marL="91425"/>
-                </a:tc>
-                <a:tc>
-                  <a:txBody>
-                    <a:bodyPr>
-                      <a:noAutofit/>
-                    </a:bodyPr>
-                    <a:lstStyle/>
-                    <a:p>
-                      <a:pPr lvl="0" rtl="0">
-                        <a:spcBef>
-                          <a:spcPts val="0"/>
-                        </a:spcBef>
-                        <a:buNone/>
-                      </a:pPr>
-                      <a:r>
-                        <a:rPr b="1" lang="en" sz="2400"/>
-                        <a:t>Databricks</a:t>
-                      </a:r>
-                    </a:p>
-                  </a:txBody>
-                  <a:tcPr marT="91425" marB="91425" marR="91425" marL="91425"/>
-                </a:tc>
-              </a:tr>
-              <a:tr h="1667575">
-                <a:tc>
-                  <a:txBody>
-                    <a:bodyPr>
-                      <a:noAutofit/>
-                    </a:bodyPr>
-                    <a:lstStyle/>
-                    <a:p>
-                      <a:pPr lvl="0" rtl="0">
-                        <a:spcBef>
-                          <a:spcPts val="0"/>
-                        </a:spcBef>
-                        <a:buClr>
-                          <a:srgbClr val="000000"/>
-                        </a:buClr>
-                        <a:buSzPct val="45833"/>
-                        <a:buFont typeface="Arial"/>
-                        <a:buNone/>
-                      </a:pPr>
-                      <a:r>
-                        <a:rPr b="1" lang="en" sz="2400">
-                          <a:latin typeface="Source Sans Pro"/>
-                          <a:ea typeface="Source Sans Pro"/>
-                          <a:cs typeface="Source Sans Pro"/>
-                          <a:sym typeface="Source Sans Pro"/>
-                        </a:rPr>
-                        <a:t>Decision Tree </a:t>
-                      </a:r>
-                    </a:p>
-                  </a:txBody>
-                  <a:tcPr marT="91425" marB="91425" marR="91425" marL="91425"/>
-                </a:tc>
-                <a:tc>
-                  <a:txBody>
-                    <a:bodyPr>
-                      <a:noAutofit/>
-                    </a:bodyPr>
-                    <a:lstStyle/>
-                    <a:p>
-                      <a:pPr lvl="0" rtl="0">
-                        <a:spcBef>
-                          <a:spcPts val="0"/>
-                        </a:spcBef>
-                        <a:buNone/>
-                      </a:pPr>
-                      <a:r>
-                        <a:t/>
-                      </a:r>
-                      <a:endParaRPr sz="2400"/>
-                    </a:p>
-                  </a:txBody>
-                  <a:tcPr marT="91425" marB="91425" marR="91425" marL="91425"/>
-                </a:tc>
-                <a:tc>
-                  <a:txBody>
-                    <a:bodyPr>
-                      <a:noAutofit/>
-                    </a:bodyPr>
-                    <a:lstStyle/>
-                    <a:p>
-                      <a:pPr lvl="0" rtl="0">
-                        <a:spcBef>
-                          <a:spcPts val="0"/>
-                        </a:spcBef>
-                        <a:buNone/>
-                      </a:pPr>
-                      <a:r>
-                        <a:t/>
-                      </a:r>
-                      <a:endParaRPr sz="2400"/>
-                    </a:p>
-                  </a:txBody>
-                  <a:tcPr marT="91425" marB="91425" marR="91425" marL="91425"/>
-                </a:tc>
-              </a:tr>
-              <a:tr h="1481275">
-                <a:tc>
-                  <a:txBody>
-                    <a:bodyPr>
-                      <a:noAutofit/>
-                    </a:bodyPr>
-                    <a:lstStyle/>
-                    <a:p>
-                      <a:pPr lvl="0" rtl="0">
-                        <a:spcBef>
-                          <a:spcPts val="0"/>
-                        </a:spcBef>
-                        <a:buNone/>
-                      </a:pPr>
-                      <a:r>
-                        <a:rPr b="1" lang="en" sz="2400">
-                          <a:latin typeface="Source Sans Pro"/>
-                          <a:ea typeface="Source Sans Pro"/>
-                          <a:cs typeface="Source Sans Pro"/>
-                          <a:sym typeface="Source Sans Pro"/>
-                        </a:rPr>
-                        <a:t>Logistic Regression</a:t>
-                      </a:r>
-                    </a:p>
-                  </a:txBody>
-                  <a:tcPr marT="91425" marB="91425" marR="91425" marL="91425"/>
-                </a:tc>
-                <a:tc>
-                  <a:txBody>
-                    <a:bodyPr>
-                      <a:noAutofit/>
-                    </a:bodyPr>
-                    <a:lstStyle/>
-                    <a:p>
-                      <a:pPr lvl="0" rtl="0">
-                        <a:spcBef>
-                          <a:spcPts val="0"/>
-                        </a:spcBef>
-                        <a:buNone/>
-                      </a:pPr>
-                      <a:r>
-                        <a:t/>
-                      </a:r>
-                      <a:endParaRPr sz="2400"/>
-                    </a:p>
-                  </a:txBody>
-                  <a:tcPr marT="91425" marB="91425" marR="91425" marL="91425"/>
-                </a:tc>
-                <a:tc>
-                  <a:txBody>
-                    <a:bodyPr>
-                      <a:noAutofit/>
-                    </a:bodyPr>
-                    <a:lstStyle/>
-                    <a:p>
-                      <a:pPr lvl="0" rtl="0">
-                        <a:spcBef>
-                          <a:spcPts val="0"/>
-                        </a:spcBef>
-                        <a:buNone/>
-                      </a:pPr>
-                      <a:r>
-                        <a:t/>
-                      </a:r>
-                      <a:endParaRPr sz="2400"/>
-                    </a:p>
-                  </a:txBody>
-                  <a:tcPr marT="91425" marB="91425" marR="91425" marL="91425"/>
-                </a:tc>
-              </a:tr>
-            </a:tbl>
-          </a:graphicData>
-        </a:graphic>
-      </p:graphicFrame>
-      <p:pic>
-        <p:nvPicPr>
-          <p:cNvPr id="413" name="Shape 413"/>
-          <p:cNvPicPr preferRelativeResize="0"/>
-          <p:nvPr/>
-        </p:nvPicPr>
-        <p:blipFill>
-          <a:blip r:embed="rId3">
-            <a:alphaModFix/>
-          </a:blip>
-          <a:stretch>
-            <a:fillRect/>
-          </a:stretch>
-        </p:blipFill>
-        <p:spPr>
-          <a:xfrm>
-            <a:off x="2999925" y="1781875"/>
-            <a:ext cx="2826674" cy="1586950"/>
-          </a:xfrm>
-          <a:prstGeom prst="rect">
-            <a:avLst/>
-          </a:prstGeom>
-          <a:noFill/>
-          <a:ln>
-            <a:noFill/>
-          </a:ln>
-        </p:spPr>
-      </p:pic>
-      <p:pic>
-        <p:nvPicPr>
-          <p:cNvPr id="414" name="Shape 414"/>
-          <p:cNvPicPr preferRelativeResize="0"/>
-          <p:nvPr/>
-        </p:nvPicPr>
-        <p:blipFill>
-          <a:blip r:embed="rId4">
-            <a:alphaModFix/>
-          </a:blip>
-          <a:stretch>
-            <a:fillRect/>
-          </a:stretch>
-        </p:blipFill>
-        <p:spPr>
-          <a:xfrm>
-            <a:off x="5902375" y="1843850"/>
-            <a:ext cx="2745075" cy="1455800"/>
-          </a:xfrm>
-          <a:prstGeom prst="rect">
-            <a:avLst/>
-          </a:prstGeom>
-          <a:noFill/>
-          <a:ln>
-            <a:noFill/>
-          </a:ln>
-        </p:spPr>
-      </p:pic>
-      <p:pic>
-        <p:nvPicPr>
-          <p:cNvPr id="415" name="Shape 415"/>
-          <p:cNvPicPr preferRelativeResize="0"/>
-          <p:nvPr/>
-        </p:nvPicPr>
-        <p:blipFill>
-          <a:blip r:embed="rId5">
-            <a:alphaModFix/>
-          </a:blip>
-          <a:stretch>
-            <a:fillRect/>
-          </a:stretch>
-        </p:blipFill>
-        <p:spPr>
-          <a:xfrm>
-            <a:off x="2999925" y="3505750"/>
-            <a:ext cx="2826674" cy="1366049"/>
-          </a:xfrm>
-          <a:prstGeom prst="rect">
-            <a:avLst/>
-          </a:prstGeom>
-          <a:noFill/>
-          <a:ln>
-            <a:noFill/>
-          </a:ln>
-        </p:spPr>
-      </p:pic>
-      <p:pic>
-        <p:nvPicPr>
-          <p:cNvPr id="416" name="Shape 416"/>
-          <p:cNvPicPr preferRelativeResize="0"/>
-          <p:nvPr/>
-        </p:nvPicPr>
-        <p:blipFill>
-          <a:blip r:embed="rId6">
-            <a:alphaModFix/>
-          </a:blip>
-          <a:stretch>
-            <a:fillRect/>
-          </a:stretch>
-        </p:blipFill>
-        <p:spPr>
-          <a:xfrm>
-            <a:off x="5949225" y="3505750"/>
-            <a:ext cx="2745075" cy="1366050"/>
-          </a:xfrm>
-          <a:prstGeom prst="rect">
-            <a:avLst/>
-          </a:prstGeom>
-          <a:noFill/>
-          <a:ln>
-            <a:noFill/>
-          </a:ln>
-        </p:spPr>
-      </p:pic>
     </p:spTree>
   </p:cSld>
   <p:clrMapOvr>
@@ -22818,7 +22938,7 @@
   <p:cSld>
     <p:spTree>
       <p:nvGrpSpPr>
-        <p:cNvPr id="420" name="Shape 420"/>
+        <p:cNvPr id="424" name="Shape 424"/>
         <p:cNvGrpSpPr/>
         <p:nvPr/>
       </p:nvGrpSpPr>
@@ -22832,138 +22952,7 @@
       </p:grpSpPr>
       <p:sp>
         <p:nvSpPr>
-          <p:cNvPr id="421" name="Shape 421"/>
-          <p:cNvSpPr txBox="1"/>
-          <p:nvPr>
-            <p:ph type="title"/>
-          </p:nvPr>
-        </p:nvSpPr>
-        <p:spPr>
-          <a:xfrm>
-            <a:off x="311700" y="315925"/>
-            <a:ext cx="8520600" cy="831300"/>
-          </a:xfrm>
-          <a:prstGeom prst="rect">
-            <a:avLst/>
-          </a:prstGeom>
-        </p:spPr>
-        <p:txBody>
-          <a:bodyPr anchorCtr="0" anchor="b" bIns="91425" lIns="91425" rIns="91425" tIns="91425">
-            <a:noAutofit/>
-          </a:bodyPr>
-          <a:lstStyle/>
-          <a:p>
-            <a:pPr lvl="0" rtl="0">
-              <a:spcBef>
-                <a:spcPts val="0"/>
-              </a:spcBef>
-              <a:buNone/>
-            </a:pPr>
-            <a:r>
-              <a:rPr lang="en"/>
-              <a:t>Conclusion</a:t>
-            </a:r>
-          </a:p>
-        </p:txBody>
-      </p:sp>
-      <p:sp>
-        <p:nvSpPr>
-          <p:cNvPr id="422" name="Shape 422"/>
-          <p:cNvSpPr txBox="1"/>
-          <p:nvPr>
-            <p:ph idx="1" type="body"/>
-          </p:nvPr>
-        </p:nvSpPr>
-        <p:spPr>
-          <a:xfrm>
-            <a:off x="311700" y="1225225"/>
-            <a:ext cx="8520600" cy="3354000"/>
-          </a:xfrm>
-          <a:prstGeom prst="rect">
-            <a:avLst/>
-          </a:prstGeom>
-        </p:spPr>
-        <p:txBody>
-          <a:bodyPr anchorCtr="0" anchor="t" bIns="91425" lIns="91425" rIns="91425" tIns="91425">
-            <a:noAutofit/>
-          </a:bodyPr>
-          <a:lstStyle/>
-          <a:p>
-            <a:pPr indent="0" lvl="0" marL="0">
-              <a:spcBef>
-                <a:spcPts val="0"/>
-              </a:spcBef>
-              <a:buNone/>
-            </a:pPr>
-            <a:r>
-              <a:rPr b="1" i="1" lang="en"/>
-              <a:t>Movie Box Office</a:t>
-            </a:r>
-          </a:p>
-          <a:p>
-            <a:pPr indent="-228600" lvl="0" marL="457200">
-              <a:spcBef>
-                <a:spcPts val="0"/>
-              </a:spcBef>
-            </a:pPr>
-            <a:r>
-              <a:rPr lang="en"/>
-              <a:t>Linear regression is better as it has lower RMSE</a:t>
-            </a:r>
-          </a:p>
-          <a:p>
-            <a:pPr indent="0" lvl="0" marL="0" rtl="0">
-              <a:spcBef>
-                <a:spcPts val="0"/>
-              </a:spcBef>
-              <a:buNone/>
-            </a:pPr>
-            <a:r>
-              <a:rPr b="1" i="1" lang="en"/>
-              <a:t> Oscar Nominations</a:t>
-            </a:r>
-          </a:p>
-          <a:p>
-            <a:pPr indent="-228600" lvl="0" marL="457200">
-              <a:spcBef>
-                <a:spcPts val="0"/>
-              </a:spcBef>
-            </a:pPr>
-            <a:r>
-              <a:rPr lang="en"/>
-              <a:t>both models produced similar precision and accuracy rate</a:t>
-            </a:r>
-          </a:p>
-        </p:txBody>
-      </p:sp>
-    </p:spTree>
-  </p:cSld>
-  <p:clrMapOvr>
-    <a:masterClrMapping/>
-  </p:clrMapOvr>
-</p:sld>
-</file>
-
-<file path=ppt/slides/slide44.xml><?xml version="1.0" encoding="utf-8"?>
-<p:sld xmlns:a="http://schemas.openxmlformats.org/drawingml/2006/main" xmlns:r="http://schemas.openxmlformats.org/officeDocument/2006/relationships" xmlns:mc="http://schemas.openxmlformats.org/markup-compatibility/2006" xmlns:mv="urn:schemas-microsoft-com:mac:vml" xmlns:p="http://schemas.openxmlformats.org/presentationml/2006/main" xmlns:c="http://schemas.openxmlformats.org/drawingml/2006/chart" xmlns:dgm="http://schemas.openxmlformats.org/drawingml/2006/diagram" xmlns:o="urn:schemas-microsoft-com:office:office" xmlns:v="urn:schemas-microsoft-com:vml" xmlns:pvml="urn:schemas-microsoft-com:office:powerpoint" xmlns:com="http://schemas.openxmlformats.org/drawingml/2006/compatibility" xmlns:p14="http://schemas.microsoft.com/office/powerpoint/2010/main">
-  <p:cSld>
-    <p:spTree>
-      <p:nvGrpSpPr>
-        <p:cNvPr id="426" name="Shape 426"/>
-        <p:cNvGrpSpPr/>
-        <p:nvPr/>
-      </p:nvGrpSpPr>
-      <p:grpSpPr>
-        <a:xfrm>
-          <a:off x="0" y="0"/>
-          <a:ext cx="0" cy="0"/>
-          <a:chOff x="0" y="0"/>
-          <a:chExt cx="0" cy="0"/>
-        </a:xfrm>
-      </p:grpSpPr>
-      <p:sp>
-        <p:nvSpPr>
-          <p:cNvPr id="427" name="Shape 427"/>
+          <p:cNvPr id="425" name="Shape 425"/>
           <p:cNvSpPr txBox="1"/>
           <p:nvPr>
             <p:ph type="title"/>
@@ -22992,649 +22981,6 @@
             </a:pPr>
             <a:r>
               <a:rPr lang="en"/>
-              <a:t>Observation</a:t>
-            </a:r>
-          </a:p>
-        </p:txBody>
-      </p:sp>
-      <p:sp>
-        <p:nvSpPr>
-          <p:cNvPr id="428" name="Shape 428"/>
-          <p:cNvSpPr txBox="1"/>
-          <p:nvPr>
-            <p:ph idx="1" type="body"/>
-          </p:nvPr>
-        </p:nvSpPr>
-        <p:spPr>
-          <a:xfrm>
-            <a:off x="311700" y="1225225"/>
-            <a:ext cx="8520600" cy="3354000"/>
-          </a:xfrm>
-          <a:prstGeom prst="rect">
-            <a:avLst/>
-          </a:prstGeom>
-        </p:spPr>
-        <p:txBody>
-          <a:bodyPr anchorCtr="0" anchor="t" bIns="91425" lIns="91425" rIns="91425" tIns="91425">
-            <a:noAutofit/>
-          </a:bodyPr>
-          <a:lstStyle/>
-          <a:p>
-            <a:pPr indent="-228600" lvl="0" marL="457200" rtl="0">
-              <a:spcBef>
-                <a:spcPts val="0"/>
-              </a:spcBef>
-            </a:pPr>
-            <a:r>
-              <a:rPr lang="en"/>
-              <a:t>Azure is better for cleaning missing data, has many built-in graphics, and is easier to use.</a:t>
-            </a:r>
-          </a:p>
-          <a:p>
-            <a:pPr indent="-228600" lvl="0" marL="457200">
-              <a:spcBef>
-                <a:spcPts val="0"/>
-              </a:spcBef>
-            </a:pPr>
-            <a:r>
-              <a:rPr lang="en"/>
-              <a:t>Spark(DB and IBM) is better for advanced graphics.</a:t>
-            </a:r>
-          </a:p>
-          <a:p>
-            <a:pPr indent="-228600" lvl="0" marL="457200">
-              <a:spcBef>
-                <a:spcPts val="0"/>
-              </a:spcBef>
-            </a:pPr>
-            <a:r>
-              <a:rPr lang="en"/>
-              <a:t>Databricks has faster processing time.</a:t>
-            </a:r>
-          </a:p>
-          <a:p>
-            <a:pPr indent="-228600" lvl="0" marL="457200">
-              <a:spcBef>
-                <a:spcPts val="0"/>
-              </a:spcBef>
-            </a:pPr>
-            <a:r>
-              <a:rPr lang="en"/>
-              <a:t>IBM provides detailed error log.</a:t>
-            </a:r>
-          </a:p>
-        </p:txBody>
-      </p:sp>
-    </p:spTree>
-  </p:cSld>
-  <p:clrMapOvr>
-    <a:masterClrMapping/>
-  </p:clrMapOvr>
-</p:sld>
-</file>
-
-<file path=ppt/slides/slide45.xml><?xml version="1.0" encoding="utf-8"?>
-<p:sld xmlns:a="http://schemas.openxmlformats.org/drawingml/2006/main" xmlns:r="http://schemas.openxmlformats.org/officeDocument/2006/relationships" xmlns:mc="http://schemas.openxmlformats.org/markup-compatibility/2006" xmlns:mv="urn:schemas-microsoft-com:mac:vml" xmlns:p="http://schemas.openxmlformats.org/presentationml/2006/main" xmlns:c="http://schemas.openxmlformats.org/drawingml/2006/chart" xmlns:dgm="http://schemas.openxmlformats.org/drawingml/2006/diagram" xmlns:o="urn:schemas-microsoft-com:office:office" xmlns:v="urn:schemas-microsoft-com:vml" xmlns:pvml="urn:schemas-microsoft-com:office:powerpoint" xmlns:com="http://schemas.openxmlformats.org/drawingml/2006/compatibility" xmlns:p14="http://schemas.microsoft.com/office/powerpoint/2010/main">
-  <p:cSld>
-    <p:spTree>
-      <p:nvGrpSpPr>
-        <p:cNvPr id="432" name="Shape 432"/>
-        <p:cNvGrpSpPr/>
-        <p:nvPr/>
-      </p:nvGrpSpPr>
-      <p:grpSpPr>
-        <a:xfrm>
-          <a:off x="0" y="0"/>
-          <a:ext cx="0" cy="0"/>
-          <a:chOff x="0" y="0"/>
-          <a:chExt cx="0" cy="0"/>
-        </a:xfrm>
-      </p:grpSpPr>
-      <p:sp>
-        <p:nvSpPr>
-          <p:cNvPr id="433" name="Shape 433"/>
-          <p:cNvSpPr txBox="1"/>
-          <p:nvPr>
-            <p:ph type="title"/>
-          </p:nvPr>
-        </p:nvSpPr>
-        <p:spPr>
-          <a:xfrm>
-            <a:off x="166325" y="406625"/>
-            <a:ext cx="8520600" cy="572700"/>
-          </a:xfrm>
-          <a:prstGeom prst="rect">
-            <a:avLst/>
-          </a:prstGeom>
-        </p:spPr>
-        <p:txBody>
-          <a:bodyPr anchorCtr="0" anchor="b" bIns="91425" lIns="91425" rIns="91425" tIns="91425">
-            <a:noAutofit/>
-          </a:bodyPr>
-          <a:lstStyle/>
-          <a:p>
-            <a:pPr lvl="0">
-              <a:spcBef>
-                <a:spcPts val="0"/>
-              </a:spcBef>
-              <a:buNone/>
-            </a:pPr>
-            <a:r>
-              <a:rPr lang="en" sz="3000"/>
-              <a:t>Github Link</a:t>
-            </a:r>
-          </a:p>
-        </p:txBody>
-      </p:sp>
-      <p:sp>
-        <p:nvSpPr>
-          <p:cNvPr id="434" name="Shape 434"/>
-          <p:cNvSpPr txBox="1"/>
-          <p:nvPr>
-            <p:ph idx="1" type="body"/>
-          </p:nvPr>
-        </p:nvSpPr>
-        <p:spPr>
-          <a:xfrm>
-            <a:off x="119400" y="979325"/>
-            <a:ext cx="8905200" cy="3416400"/>
-          </a:xfrm>
-          <a:prstGeom prst="rect">
-            <a:avLst/>
-          </a:prstGeom>
-        </p:spPr>
-        <p:txBody>
-          <a:bodyPr anchorCtr="0" anchor="t" bIns="91425" lIns="91425" rIns="91425" tIns="91425">
-            <a:noAutofit/>
-          </a:bodyPr>
-          <a:lstStyle/>
-          <a:p>
-            <a:pPr lvl="0" rtl="0">
-              <a:spcBef>
-                <a:spcPts val="0"/>
-              </a:spcBef>
-              <a:spcAft>
-                <a:spcPts val="0"/>
-              </a:spcAft>
-              <a:buClr>
-                <a:schemeClr val="dk1"/>
-              </a:buClr>
-              <a:buSzPct val="45833"/>
-              <a:buFont typeface="Arial"/>
-              <a:buNone/>
-            </a:pPr>
-            <a:r>
-              <a:rPr lang="en" u="sng">
-                <a:solidFill>
-                  <a:schemeClr val="dk1"/>
-                </a:solidFill>
-              </a:rPr>
-              <a:t>https://github.com/biranlicis/Movie-Box-Office-Machine-Learning</a:t>
-            </a:r>
-          </a:p>
-        </p:txBody>
-      </p:sp>
-    </p:spTree>
-  </p:cSld>
-  <p:clrMapOvr>
-    <a:masterClrMapping/>
-  </p:clrMapOvr>
-</p:sld>
-</file>
-
-<file path=ppt/slides/slide46.xml><?xml version="1.0" encoding="utf-8"?>
-<p:sld xmlns:a="http://schemas.openxmlformats.org/drawingml/2006/main" xmlns:r="http://schemas.openxmlformats.org/officeDocument/2006/relationships" xmlns:mc="http://schemas.openxmlformats.org/markup-compatibility/2006" xmlns:mv="urn:schemas-microsoft-com:mac:vml" xmlns:p="http://schemas.openxmlformats.org/presentationml/2006/main" xmlns:c="http://schemas.openxmlformats.org/drawingml/2006/chart" xmlns:dgm="http://schemas.openxmlformats.org/drawingml/2006/diagram" xmlns:o="urn:schemas-microsoft-com:office:office" xmlns:v="urn:schemas-microsoft-com:vml" xmlns:pvml="urn:schemas-microsoft-com:office:powerpoint" xmlns:com="http://schemas.openxmlformats.org/drawingml/2006/compatibility" xmlns:p14="http://schemas.microsoft.com/office/powerpoint/2010/main">
-  <p:cSld>
-    <p:spTree>
-      <p:nvGrpSpPr>
-        <p:cNvPr id="438" name="Shape 438"/>
-        <p:cNvGrpSpPr/>
-        <p:nvPr/>
-      </p:nvGrpSpPr>
-      <p:grpSpPr>
-        <a:xfrm>
-          <a:off x="0" y="0"/>
-          <a:ext cx="0" cy="0"/>
-          <a:chOff x="0" y="0"/>
-          <a:chExt cx="0" cy="0"/>
-        </a:xfrm>
-      </p:grpSpPr>
-      <p:sp>
-        <p:nvSpPr>
-          <p:cNvPr id="439" name="Shape 439"/>
-          <p:cNvSpPr txBox="1"/>
-          <p:nvPr>
-            <p:ph type="title"/>
-          </p:nvPr>
-        </p:nvSpPr>
-        <p:spPr>
-          <a:xfrm>
-            <a:off x="311700" y="315925"/>
-            <a:ext cx="8520600" cy="831300"/>
-          </a:xfrm>
-          <a:prstGeom prst="rect">
-            <a:avLst/>
-          </a:prstGeom>
-        </p:spPr>
-        <p:txBody>
-          <a:bodyPr anchorCtr="0" anchor="b" bIns="91425" lIns="91425" rIns="91425" tIns="91425">
-            <a:noAutofit/>
-          </a:bodyPr>
-          <a:lstStyle/>
-          <a:p>
-            <a:pPr lvl="0" algn="l">
-              <a:spcBef>
-                <a:spcPts val="0"/>
-              </a:spcBef>
-              <a:buNone/>
-            </a:pPr>
-            <a:r>
-              <a:rPr lang="en"/>
-              <a:t>                 References</a:t>
-            </a:r>
-          </a:p>
-        </p:txBody>
-      </p:sp>
-      <p:sp>
-        <p:nvSpPr>
-          <p:cNvPr id="440" name="Shape 440"/>
-          <p:cNvSpPr txBox="1"/>
-          <p:nvPr>
-            <p:ph idx="1" type="body"/>
-          </p:nvPr>
-        </p:nvSpPr>
-        <p:spPr>
-          <a:xfrm>
-            <a:off x="311700" y="795850"/>
-            <a:ext cx="8520600" cy="4144800"/>
-          </a:xfrm>
-          <a:prstGeom prst="rect">
-            <a:avLst/>
-          </a:prstGeom>
-        </p:spPr>
-        <p:txBody>
-          <a:bodyPr anchorCtr="0" anchor="t" bIns="91425" lIns="91425" rIns="91425" tIns="91425">
-            <a:noAutofit/>
-          </a:bodyPr>
-          <a:lstStyle/>
-          <a:p>
-            <a:pPr indent="-342900" lvl="0" marL="457200" rtl="0">
-              <a:spcBef>
-                <a:spcPts val="0"/>
-              </a:spcBef>
-              <a:buClr>
-                <a:schemeClr val="dk1"/>
-              </a:buClr>
-              <a:buSzPct val="100000"/>
-              <a:buFont typeface="Arial"/>
-              <a:buAutoNum type="arabicPeriod"/>
-            </a:pPr>
-            <a:r>
-              <a:rPr lang="en" sz="1800">
-                <a:solidFill>
-                  <a:schemeClr val="dk1"/>
-                </a:solidFill>
-                <a:latin typeface="Arial"/>
-                <a:ea typeface="Arial"/>
-                <a:cs typeface="Arial"/>
-                <a:sym typeface="Arial"/>
-              </a:rPr>
-              <a:t>Microsoft DAT202.3x Implementing Predictive Analytics with Spark in Azure HDInsight</a:t>
-            </a:r>
-          </a:p>
-          <a:p>
-            <a:pPr indent="-342900" lvl="0" marL="457200" rtl="0">
-              <a:spcBef>
-                <a:spcPts val="0"/>
-              </a:spcBef>
-              <a:spcAft>
-                <a:spcPts val="0"/>
-              </a:spcAft>
-              <a:buClr>
-                <a:schemeClr val="dk1"/>
-              </a:buClr>
-              <a:buSzPct val="100000"/>
-              <a:buFont typeface="Arial"/>
-              <a:buAutoNum type="arabicPeriod"/>
-            </a:pPr>
-            <a:r>
-              <a:rPr lang="en" sz="1800">
-                <a:solidFill>
-                  <a:schemeClr val="dk1"/>
-                </a:solidFill>
-                <a:latin typeface="Arial"/>
-                <a:ea typeface="Arial"/>
-                <a:cs typeface="Arial"/>
-                <a:sym typeface="Arial"/>
-              </a:rPr>
-              <a:t>Microsoft's DAT203x, Data Science and Machine Learning Essentials</a:t>
-            </a:r>
-          </a:p>
-          <a:p>
-            <a:pPr indent="-342900" lvl="0" marL="457200" rtl="0">
-              <a:spcBef>
-                <a:spcPts val="0"/>
-              </a:spcBef>
-              <a:buClr>
-                <a:schemeClr val="dk1"/>
-              </a:buClr>
-              <a:buSzPct val="100000"/>
-              <a:buFont typeface="Arial"/>
-              <a:buAutoNum type="arabicPeriod"/>
-            </a:pPr>
-            <a:r>
-              <a:rPr lang="en" sz="1800">
-                <a:solidFill>
-                  <a:schemeClr val="dk1"/>
-                </a:solidFill>
-                <a:latin typeface="Arial"/>
-                <a:ea typeface="Arial"/>
-                <a:cs typeface="Arial"/>
-                <a:sym typeface="Arial"/>
-              </a:rPr>
-              <a:t>Gautam, Geetika, and Divakar Yadav. </a:t>
-            </a:r>
-            <a:r>
-              <a:rPr i="1" lang="en" sz="1800">
-                <a:solidFill>
-                  <a:schemeClr val="dk1"/>
-                </a:solidFill>
-                <a:latin typeface="Arial"/>
-                <a:ea typeface="Arial"/>
-                <a:cs typeface="Arial"/>
-                <a:sym typeface="Arial"/>
-              </a:rPr>
-              <a:t>Sentiment Analysis of Twitter Data Using Machine Learning Approaches and Semantic Analysis - IEEE Xplore Document</a:t>
-            </a:r>
-            <a:r>
-              <a:rPr lang="en" sz="1800">
-                <a:solidFill>
-                  <a:schemeClr val="dk1"/>
-                </a:solidFill>
-                <a:latin typeface="Arial"/>
-                <a:ea typeface="Arial"/>
-                <a:cs typeface="Arial"/>
-                <a:sym typeface="Arial"/>
-              </a:rPr>
-              <a:t>. N.p., n.d. Web. 02 May 2017. </a:t>
-            </a:r>
-          </a:p>
-          <a:p>
-            <a:pPr indent="-342900" lvl="0" marL="457200" rtl="0">
-              <a:spcBef>
-                <a:spcPts val="0"/>
-              </a:spcBef>
-              <a:buClr>
-                <a:schemeClr val="dk1"/>
-              </a:buClr>
-              <a:buSzPct val="100000"/>
-              <a:buFont typeface="Arial"/>
-              <a:buAutoNum type="arabicPeriod"/>
-            </a:pPr>
-            <a:r>
-              <a:rPr lang="en" sz="1800">
-                <a:solidFill>
-                  <a:schemeClr val="dk1"/>
-                </a:solidFill>
-                <a:latin typeface="Arial"/>
-                <a:ea typeface="Arial"/>
-                <a:cs typeface="Arial"/>
-                <a:sym typeface="Arial"/>
-              </a:rPr>
-              <a:t>"MovieLens." </a:t>
-            </a:r>
-            <a:r>
-              <a:rPr i="1" lang="en" sz="1800">
-                <a:solidFill>
-                  <a:schemeClr val="dk1"/>
-                </a:solidFill>
-                <a:latin typeface="Arial"/>
-                <a:ea typeface="Arial"/>
-                <a:cs typeface="Arial"/>
-                <a:sym typeface="Arial"/>
-              </a:rPr>
-              <a:t>GroupLens</a:t>
-            </a:r>
-            <a:r>
-              <a:rPr lang="en" sz="1800">
-                <a:solidFill>
-                  <a:schemeClr val="dk1"/>
-                </a:solidFill>
-                <a:latin typeface="Arial"/>
-                <a:ea typeface="Arial"/>
-                <a:cs typeface="Arial"/>
-                <a:sym typeface="Arial"/>
-              </a:rPr>
-              <a:t>. N.p., 18 Oct. 2016. Web. 02 May 2017. </a:t>
-            </a:r>
-          </a:p>
-          <a:p>
-            <a:pPr indent="-342900" lvl="0" marL="457200" rtl="0">
-              <a:spcBef>
-                <a:spcPts val="0"/>
-              </a:spcBef>
-              <a:buClr>
-                <a:schemeClr val="dk1"/>
-              </a:buClr>
-              <a:buSzPct val="100000"/>
-              <a:buFont typeface="Arial"/>
-              <a:buAutoNum type="arabicPeriod"/>
-            </a:pPr>
-            <a:r>
-              <a:rPr lang="en" sz="1800">
-                <a:solidFill>
-                  <a:schemeClr val="dk1"/>
-                </a:solidFill>
-                <a:latin typeface="Arial"/>
-                <a:ea typeface="Arial"/>
-                <a:cs typeface="Arial"/>
-                <a:sym typeface="Arial"/>
-              </a:rPr>
-              <a:t>Concetta A., and Constanc H. McLaren. "Movie Data." </a:t>
-            </a:r>
-            <a:r>
-              <a:rPr i="1" lang="en" sz="1800">
-                <a:solidFill>
-                  <a:schemeClr val="dk1"/>
-                </a:solidFill>
-                <a:latin typeface="Arial"/>
-                <a:ea typeface="Arial"/>
-                <a:cs typeface="Arial"/>
-                <a:sym typeface="Arial"/>
-              </a:rPr>
-              <a:t>Journal of Statistics Education, V17n1</a:t>
-            </a:r>
-            <a:r>
-              <a:rPr lang="en" sz="1800">
-                <a:solidFill>
-                  <a:schemeClr val="dk1"/>
-                </a:solidFill>
-                <a:latin typeface="Arial"/>
-                <a:ea typeface="Arial"/>
-                <a:cs typeface="Arial"/>
-                <a:sym typeface="Arial"/>
-              </a:rPr>
-              <a:t>. N.p., 2009. Web. 02 May 2017. </a:t>
-            </a:r>
-          </a:p>
-          <a:p>
-            <a:pPr indent="-342900" lvl="0" marL="457200" rtl="0">
-              <a:spcBef>
-                <a:spcPts val="0"/>
-              </a:spcBef>
-              <a:buClr>
-                <a:schemeClr val="dk1"/>
-              </a:buClr>
-              <a:buSzPct val="100000"/>
-              <a:buFont typeface="Arial"/>
-              <a:buAutoNum type="arabicPeriod"/>
-            </a:pPr>
-            <a:r>
-              <a:rPr lang="en" sz="1800">
-                <a:solidFill>
-                  <a:schemeClr val="dk1"/>
-                </a:solidFill>
-                <a:latin typeface="Arial"/>
-                <a:ea typeface="Arial"/>
-                <a:cs typeface="Arial"/>
-                <a:sym typeface="Arial"/>
-              </a:rPr>
-              <a:t>Chuansun7. "IMDB 5000 Movie Dataset." </a:t>
-            </a:r>
-            <a:r>
-              <a:rPr i="1" lang="en" sz="1800">
-                <a:solidFill>
-                  <a:schemeClr val="dk1"/>
-                </a:solidFill>
-                <a:latin typeface="Arial"/>
-                <a:ea typeface="Arial"/>
-                <a:cs typeface="Arial"/>
-                <a:sym typeface="Arial"/>
-              </a:rPr>
-              <a:t>IMDB 5000 Movie Dataset | Kaggle</a:t>
-            </a:r>
-            <a:r>
-              <a:rPr lang="en" sz="1800">
-                <a:solidFill>
-                  <a:schemeClr val="dk1"/>
-                </a:solidFill>
-                <a:latin typeface="Arial"/>
-                <a:ea typeface="Arial"/>
-                <a:cs typeface="Arial"/>
-                <a:sym typeface="Arial"/>
-              </a:rPr>
-              <a:t>. N.p., n.d. Web. 02 May 2017.</a:t>
-            </a:r>
-          </a:p>
-          <a:p>
-            <a:pPr indent="-342900" lvl="0" marL="457200" rtl="0">
-              <a:spcBef>
-                <a:spcPts val="0"/>
-              </a:spcBef>
-              <a:buClr>
-                <a:schemeClr val="dk1"/>
-              </a:buClr>
-              <a:buSzPct val="100000"/>
-              <a:buFont typeface="Arial"/>
-              <a:buAutoNum type="arabicPeriod"/>
-            </a:pPr>
-            <a:r>
-              <a:rPr lang="en" sz="1800">
-                <a:solidFill>
-                  <a:schemeClr val="dk1"/>
-                </a:solidFill>
-                <a:latin typeface="Arial"/>
-                <a:ea typeface="Arial"/>
-                <a:cs typeface="Arial"/>
-                <a:sym typeface="Arial"/>
-              </a:rPr>
-              <a:t>"The Academy Awards, 1927-2015." Academy of Motion Picture Arts and Sciences, n.d. Web. 02 May 2017. </a:t>
-            </a:r>
-          </a:p>
-          <a:p>
-            <a:pPr indent="-298450" lvl="0" marL="457200" rtl="0">
-              <a:spcBef>
-                <a:spcPts val="0"/>
-              </a:spcBef>
-              <a:buClr>
-                <a:srgbClr val="000000"/>
-              </a:buClr>
-              <a:buSzPct val="45833"/>
-              <a:buNone/>
-            </a:pPr>
-            <a:r>
-              <a:rPr lang="en">
-                <a:solidFill>
-                  <a:schemeClr val="dk1"/>
-                </a:solidFill>
-                <a:latin typeface="Arial"/>
-                <a:ea typeface="Arial"/>
-                <a:cs typeface="Arial"/>
-                <a:sym typeface="Arial"/>
-              </a:rPr>
-              <a:t>　</a:t>
-            </a:r>
-          </a:p>
-          <a:p>
-            <a:pPr indent="0" lvl="0" marL="0" marR="0" rtl="0" algn="l">
-              <a:lnSpc>
-                <a:spcPct val="115000"/>
-              </a:lnSpc>
-              <a:spcBef>
-                <a:spcPts val="0"/>
-              </a:spcBef>
-              <a:spcAft>
-                <a:spcPts val="0"/>
-              </a:spcAft>
-              <a:buNone/>
-            </a:pPr>
-            <a:r>
-              <a:t/>
-            </a:r>
-            <a:endParaRPr sz="1100">
-              <a:solidFill>
-                <a:schemeClr val="dk1"/>
-              </a:solidFill>
-            </a:endParaRPr>
-          </a:p>
-        </p:txBody>
-      </p:sp>
-    </p:spTree>
-  </p:cSld>
-  <p:clrMapOvr>
-    <a:masterClrMapping/>
-  </p:clrMapOvr>
-</p:sld>
-</file>
-
-<file path=ppt/slides/slide47.xml><?xml version="1.0" encoding="utf-8"?>
-<p:sld xmlns:a="http://schemas.openxmlformats.org/drawingml/2006/main" xmlns:r="http://schemas.openxmlformats.org/officeDocument/2006/relationships" xmlns:mc="http://schemas.openxmlformats.org/markup-compatibility/2006" xmlns:mv="urn:schemas-microsoft-com:mac:vml" xmlns:p="http://schemas.openxmlformats.org/presentationml/2006/main" xmlns:c="http://schemas.openxmlformats.org/drawingml/2006/chart" xmlns:dgm="http://schemas.openxmlformats.org/drawingml/2006/diagram" xmlns:o="urn:schemas-microsoft-com:office:office" xmlns:v="urn:schemas-microsoft-com:vml" xmlns:pvml="urn:schemas-microsoft-com:office:powerpoint" xmlns:com="http://schemas.openxmlformats.org/drawingml/2006/compatibility" xmlns:p14="http://schemas.microsoft.com/office/powerpoint/2010/main">
-  <p:cSld>
-    <p:spTree>
-      <p:nvGrpSpPr>
-        <p:cNvPr id="444" name="Shape 444"/>
-        <p:cNvGrpSpPr/>
-        <p:nvPr/>
-      </p:nvGrpSpPr>
-      <p:grpSpPr>
-        <a:xfrm>
-          <a:off x="0" y="0"/>
-          <a:ext cx="0" cy="0"/>
-          <a:chOff x="0" y="0"/>
-          <a:chExt cx="0" cy="0"/>
-        </a:xfrm>
-      </p:grpSpPr>
-      <p:sp>
-        <p:nvSpPr>
-          <p:cNvPr id="445" name="Shape 445"/>
-          <p:cNvSpPr txBox="1"/>
-          <p:nvPr>
-            <p:ph type="title"/>
-          </p:nvPr>
-        </p:nvSpPr>
-        <p:spPr>
-          <a:xfrm>
-            <a:off x="311700" y="315925"/>
-            <a:ext cx="8520600" cy="831300"/>
-          </a:xfrm>
-          <a:prstGeom prst="rect">
-            <a:avLst/>
-          </a:prstGeom>
-        </p:spPr>
-        <p:txBody>
-          <a:bodyPr anchorCtr="0" anchor="b" bIns="91425" lIns="91425" rIns="91425" tIns="91425">
-            <a:noAutofit/>
-          </a:bodyPr>
-          <a:lstStyle/>
-          <a:p>
-            <a:pPr lvl="0">
-              <a:spcBef>
-                <a:spcPts val="0"/>
-              </a:spcBef>
-              <a:buNone/>
-            </a:pPr>
-            <a:r>
-              <a:rPr lang="en"/>
               <a:t>Thank you</a:t>
             </a:r>
           </a:p>
@@ -23642,7 +22988,7 @@
       </p:sp>
       <p:sp>
         <p:nvSpPr>
-          <p:cNvPr id="446" name="Shape 446"/>
+          <p:cNvPr id="426" name="Shape 426"/>
           <p:cNvSpPr txBox="1"/>
           <p:nvPr>
             <p:ph idx="1" type="body"/>
@@ -24078,7 +23424,7 @@
                 <a:cs typeface="Impact"/>
                 <a:sym typeface="Impact"/>
               </a:rPr>
-              <a:t>Model</a:t>
+              <a:t>Algorithm</a:t>
             </a:r>
           </a:p>
           <a:p>
@@ -24919,6 +24265,285 @@
 </file>
 
 <file path=ppt/theme/theme1.xml><?xml version="1.0" encoding="utf-8"?>
+<a:theme xmlns:a="http://schemas.openxmlformats.org/drawingml/2006/main" xmlns:r="http://schemas.openxmlformats.org/officeDocument/2006/relationships" name="Custom Theme">
+  <a:themeElements>
+    <a:clrScheme name="Default">
+      <a:dk1>
+        <a:srgbClr val="000000"/>
+      </a:dk1>
+      <a:lt1>
+        <a:srgbClr val="FFFFFF"/>
+      </a:lt1>
+      <a:dk2>
+        <a:srgbClr val="158158"/>
+      </a:dk2>
+      <a:lt2>
+        <a:srgbClr val="F3F3F3"/>
+      </a:lt2>
+      <a:accent1>
+        <a:srgbClr val="058DC7"/>
+      </a:accent1>
+      <a:accent2>
+        <a:srgbClr val="50B432"/>
+      </a:accent2>
+      <a:accent3>
+        <a:srgbClr val="ED561B"/>
+      </a:accent3>
+      <a:accent4>
+        <a:srgbClr val="EDEF00"/>
+      </a:accent4>
+      <a:accent5>
+        <a:srgbClr val="24CBE5"/>
+      </a:accent5>
+      <a:accent6>
+        <a:srgbClr val="64E572"/>
+      </a:accent6>
+      <a:hlink>
+        <a:srgbClr val="2200CC"/>
+      </a:hlink>
+      <a:folHlink>
+        <a:srgbClr val="551A8B"/>
+      </a:folHlink>
+    </a:clrScheme>
+    <a:fontScheme name="Office">
+      <a:majorFont>
+        <a:latin typeface="Arial"/>
+        <a:ea typeface=""/>
+        <a:cs typeface=""/>
+        <a:font script="Jpan" typeface="ＭＳ Ｐゴシック"/>
+        <a:font script="Hang" typeface="맑은 고딕"/>
+        <a:font script="Hans" typeface="宋体"/>
+        <a:font script="Hant" typeface="新細明體"/>
+        <a:font script="Arab" typeface="Times New Roman"/>
+        <a:font script="Hebr" typeface="Times New Roman"/>
+        <a:font script="Thai" typeface="Angsana New"/>
+        <a:font script="Ethi" typeface="Nyala"/>
+        <a:font script="Beng" typeface="Vrinda"/>
+        <a:font script="Gujr" typeface="Shruti"/>
+        <a:font script="Khmr" typeface="MoolBoran"/>
+        <a:font script="Knda" typeface="Tunga"/>
+        <a:font script="Guru" typeface="Raavi"/>
+        <a:font script="Cans" typeface="Euphemia"/>
+        <a:font script="Cher" typeface="Plantagenet Cherokee"/>
+        <a:font script="Yiii" typeface="Microsoft Yi Baiti"/>
+        <a:font script="Tibt" typeface="Microsoft Himalaya"/>
+        <a:font script="Thaa" typeface="MV Boli"/>
+        <a:font script="Deva" typeface="Mangal"/>
+        <a:font script="Telu" typeface="Gautami"/>
+        <a:font script="Taml" typeface="Latha"/>
+        <a:font script="Syrc" typeface="Estrangelo Edessa"/>
+        <a:font script="Orya" typeface="Kalinga"/>
+        <a:font script="Mlym" typeface="Kartika"/>
+        <a:font script="Laoo" typeface="DokChampa"/>
+        <a:font script="Sinh" typeface="Iskoola Pota"/>
+        <a:font script="Mong" typeface="Mongolian Baiti"/>
+        <a:font script="Viet" typeface="Times New Roman"/>
+        <a:font script="Uigh" typeface="Microsoft Uighur"/>
+        <a:font script="Geor" typeface="Sylfaen"/>
+      </a:majorFont>
+      <a:minorFont>
+        <a:latin typeface="Arial"/>
+        <a:ea typeface=""/>
+        <a:cs typeface=""/>
+        <a:font script="Jpan" typeface="ＭＳ Ｐゴシック"/>
+        <a:font script="Hang" typeface="맑은 고딕"/>
+        <a:font script="Hans" typeface="宋体"/>
+        <a:font script="Hant" typeface="新細明體"/>
+        <a:font script="Arab" typeface="Arial"/>
+        <a:font script="Hebr" typeface="Arial"/>
+        <a:font script="Thai" typeface="Cordia New"/>
+        <a:font script="Ethi" typeface="Nyala"/>
+        <a:font script="Beng" typeface="Vrinda"/>
+        <a:font script="Gujr" typeface="Shruti"/>
+        <a:font script="Khmr" typeface="DaunPenh"/>
+        <a:font script="Knda" typeface="Tunga"/>
+        <a:font script="Guru" typeface="Raavi"/>
+        <a:font script="Cans" typeface="Euphemia"/>
+        <a:font script="Cher" typeface="Plantagenet Cherokee"/>
+        <a:font script="Yiii" typeface="Microsoft Yi Baiti"/>
+        <a:font script="Tibt" typeface="Microsoft Himalaya"/>
+        <a:font script="Thaa" typeface="MV Boli"/>
+        <a:font script="Deva" typeface="Mangal"/>
+        <a:font script="Telu" typeface="Gautami"/>
+        <a:font script="Taml" typeface="Latha"/>
+        <a:font script="Syrc" typeface="Estrangelo Edessa"/>
+        <a:font script="Orya" typeface="Kalinga"/>
+        <a:font script="Mlym" typeface="Kartika"/>
+        <a:font script="Laoo" typeface="DokChampa"/>
+        <a:font script="Sinh" typeface="Iskoola Pota"/>
+        <a:font script="Mong" typeface="Mongolian Baiti"/>
+        <a:font script="Viet" typeface="Arial"/>
+        <a:font script="Uigh" typeface="Microsoft Uighur"/>
+        <a:font script="Geor" typeface="Sylfaen"/>
+      </a:minorFont>
+    </a:fontScheme>
+    <a:fmtScheme name="Office">
+      <a:fillStyleLst>
+        <a:solidFill>
+          <a:schemeClr val="phClr"/>
+        </a:solidFill>
+        <a:gradFill rotWithShape="1">
+          <a:gsLst>
+            <a:gs pos="0">
+              <a:schemeClr val="phClr">
+                <a:tint val="50000"/>
+                <a:satMod val="300000"/>
+              </a:schemeClr>
+            </a:gs>
+            <a:gs pos="35000">
+              <a:schemeClr val="phClr">
+                <a:tint val="37000"/>
+                <a:satMod val="300000"/>
+              </a:schemeClr>
+            </a:gs>
+            <a:gs pos="100000">
+              <a:schemeClr val="phClr">
+                <a:tint val="15000"/>
+                <a:satMod val="350000"/>
+              </a:schemeClr>
+            </a:gs>
+          </a:gsLst>
+          <a:lin ang="16200000" scaled="1"/>
+        </a:gradFill>
+        <a:gradFill rotWithShape="1">
+          <a:gsLst>
+            <a:gs pos="0">
+              <a:schemeClr val="phClr">
+                <a:tint val="100000"/>
+                <a:shade val="100000"/>
+                <a:satMod val="130000"/>
+              </a:schemeClr>
+            </a:gs>
+            <a:gs pos="100000">
+              <a:schemeClr val="phClr">
+                <a:tint val="50000"/>
+                <a:shade val="100000"/>
+                <a:satMod val="350000"/>
+              </a:schemeClr>
+            </a:gs>
+          </a:gsLst>
+          <a:lin ang="16200000" scaled="0"/>
+        </a:gradFill>
+      </a:fillStyleLst>
+      <a:lnStyleLst>
+        <a:ln w="9525" cap="flat" cmpd="sng" algn="ctr">
+          <a:solidFill>
+            <a:schemeClr val="phClr">
+              <a:shade val="95000"/>
+              <a:satMod val="105000"/>
+            </a:schemeClr>
+          </a:solidFill>
+          <a:prstDash val="solid"/>
+        </a:ln>
+        <a:ln w="25400" cap="flat" cmpd="sng" algn="ctr">
+          <a:solidFill>
+            <a:schemeClr val="phClr"/>
+          </a:solidFill>
+          <a:prstDash val="solid"/>
+        </a:ln>
+        <a:ln w="38100" cap="flat" cmpd="sng" algn="ctr">
+          <a:solidFill>
+            <a:schemeClr val="phClr"/>
+          </a:solidFill>
+          <a:prstDash val="solid"/>
+        </a:ln>
+      </a:lnStyleLst>
+      <a:effectStyleLst>
+        <a:effectStyle>
+          <a:effectLst>
+            <a:outerShdw blurRad="40000" dist="20000" dir="5400000" rotWithShape="0">
+              <a:srgbClr val="000000">
+                <a:alpha val="38000"/>
+              </a:srgbClr>
+            </a:outerShdw>
+          </a:effectLst>
+        </a:effectStyle>
+        <a:effectStyle>
+          <a:effectLst>
+            <a:outerShdw blurRad="40000" dist="23000" dir="5400000" rotWithShape="0">
+              <a:srgbClr val="000000">
+                <a:alpha val="35000"/>
+              </a:srgbClr>
+            </a:outerShdw>
+          </a:effectLst>
+        </a:effectStyle>
+        <a:effectStyle>
+          <a:effectLst>
+            <a:outerShdw blurRad="40000" dist="23000" dir="5400000" rotWithShape="0">
+              <a:srgbClr val="000000">
+                <a:alpha val="35000"/>
+              </a:srgbClr>
+            </a:outerShdw>
+          </a:effectLst>
+          <a:scene3d>
+            <a:camera prst="orthographicFront">
+              <a:rot lat="0" lon="0" rev="0"/>
+            </a:camera>
+            <a:lightRig rig="threePt" dir="t">
+              <a:rot lat="0" lon="0" rev="1200000"/>
+            </a:lightRig>
+          </a:scene3d>
+          <a:sp3d>
+            <a:bevelT w="63500" h="25400"/>
+          </a:sp3d>
+        </a:effectStyle>
+      </a:effectStyleLst>
+      <a:bgFillStyleLst>
+        <a:solidFill>
+          <a:schemeClr val="phClr"/>
+        </a:solidFill>
+        <a:gradFill rotWithShape="1">
+          <a:gsLst>
+            <a:gs pos="0">
+              <a:schemeClr val="phClr">
+                <a:tint val="40000"/>
+                <a:satMod val="350000"/>
+              </a:schemeClr>
+            </a:gs>
+            <a:gs pos="40000">
+              <a:schemeClr val="phClr">
+                <a:tint val="45000"/>
+                <a:shade val="99000"/>
+                <a:satMod val="350000"/>
+              </a:schemeClr>
+            </a:gs>
+            <a:gs pos="100000">
+              <a:schemeClr val="phClr">
+                <a:shade val="20000"/>
+                <a:satMod val="255000"/>
+              </a:schemeClr>
+            </a:gs>
+          </a:gsLst>
+          <a:path path="circle">
+            <a:fillToRect l="50000" t="-80000" r="50000" b="180000"/>
+          </a:path>
+        </a:gradFill>
+        <a:gradFill rotWithShape="1">
+          <a:gsLst>
+            <a:gs pos="0">
+              <a:schemeClr val="phClr">
+                <a:tint val="80000"/>
+                <a:satMod val="300000"/>
+              </a:schemeClr>
+            </a:gs>
+            <a:gs pos="100000">
+              <a:schemeClr val="phClr">
+                <a:shade val="30000"/>
+                <a:satMod val="200000"/>
+              </a:schemeClr>
+            </a:gs>
+          </a:gsLst>
+          <a:path path="circle">
+            <a:fillToRect l="50000" t="50000" r="50000" b="50000"/>
+          </a:path>
+        </a:gradFill>
+      </a:bgFillStyleLst>
+    </a:fmtScheme>
+  </a:themeElements>
+</a:theme>
+</file>
+
+<file path=ppt/theme/theme2.xml><?xml version="1.0" encoding="utf-8"?>
 <a:theme xmlns:a="http://schemas.openxmlformats.org/drawingml/2006/main" xmlns:r="http://schemas.openxmlformats.org/officeDocument/2006/relationships" name="Breeze">
   <a:themeElements>
     <a:clrScheme name="Breeze">
@@ -25195,283 +24820,4 @@
     </a:fmtScheme>
   </a:themeElements>
 </a:theme>
-</file>
-
-<file path=ppt/theme/theme2.xml><?xml version="1.0" encoding="utf-8"?>
-<a:theme xmlns:a="http://schemas.openxmlformats.org/drawingml/2006/main" xmlns:r="http://schemas.openxmlformats.org/officeDocument/2006/relationships" name="Custom Theme">
-  <a:themeElements>
-    <a:clrScheme name="Default">
-      <a:dk1>
-        <a:srgbClr val="000000"/>
-      </a:dk1>
-      <a:lt1>
-        <a:srgbClr val="FFFFFF"/>
-      </a:lt1>
-      <a:dk2>
-        <a:srgbClr val="158158"/>
-      </a:dk2>
-      <a:lt2>
-        <a:srgbClr val="F3F3F3"/>
-      </a:lt2>
-      <a:accent1>
-        <a:srgbClr val="058DC7"/>
-      </a:accent1>
-      <a:accent2>
-        <a:srgbClr val="50B432"/>
-      </a:accent2>
-      <a:accent3>
-        <a:srgbClr val="ED561B"/>
-      </a:accent3>
-      <a:accent4>
-        <a:srgbClr val="EDEF00"/>
-      </a:accent4>
-      <a:accent5>
-        <a:srgbClr val="24CBE5"/>
-      </a:accent5>
-      <a:accent6>
-        <a:srgbClr val="64E572"/>
-      </a:accent6>
-      <a:hlink>
-        <a:srgbClr val="2200CC"/>
-      </a:hlink>
-      <a:folHlink>
-        <a:srgbClr val="551A8B"/>
-      </a:folHlink>
-    </a:clrScheme>
-    <a:fontScheme name="Office">
-      <a:majorFont>
-        <a:latin typeface="Arial"/>
-        <a:ea typeface=""/>
-        <a:cs typeface=""/>
-        <a:font script="Jpan" typeface="ＭＳ Ｐゴシック"/>
-        <a:font script="Hang" typeface="맑은 고딕"/>
-        <a:font script="Hans" typeface="宋体"/>
-        <a:font script="Hant" typeface="新細明體"/>
-        <a:font script="Arab" typeface="Times New Roman"/>
-        <a:font script="Hebr" typeface="Times New Roman"/>
-        <a:font script="Thai" typeface="Angsana New"/>
-        <a:font script="Ethi" typeface="Nyala"/>
-        <a:font script="Beng" typeface="Vrinda"/>
-        <a:font script="Gujr" typeface="Shruti"/>
-        <a:font script="Khmr" typeface="MoolBoran"/>
-        <a:font script="Knda" typeface="Tunga"/>
-        <a:font script="Guru" typeface="Raavi"/>
-        <a:font script="Cans" typeface="Euphemia"/>
-        <a:font script="Cher" typeface="Plantagenet Cherokee"/>
-        <a:font script="Yiii" typeface="Microsoft Yi Baiti"/>
-        <a:font script="Tibt" typeface="Microsoft Himalaya"/>
-        <a:font script="Thaa" typeface="MV Boli"/>
-        <a:font script="Deva" typeface="Mangal"/>
-        <a:font script="Telu" typeface="Gautami"/>
-        <a:font script="Taml" typeface="Latha"/>
-        <a:font script="Syrc" typeface="Estrangelo Edessa"/>
-        <a:font script="Orya" typeface="Kalinga"/>
-        <a:font script="Mlym" typeface="Kartika"/>
-        <a:font script="Laoo" typeface="DokChampa"/>
-        <a:font script="Sinh" typeface="Iskoola Pota"/>
-        <a:font script="Mong" typeface="Mongolian Baiti"/>
-        <a:font script="Viet" typeface="Times New Roman"/>
-        <a:font script="Uigh" typeface="Microsoft Uighur"/>
-        <a:font script="Geor" typeface="Sylfaen"/>
-      </a:majorFont>
-      <a:minorFont>
-        <a:latin typeface="Arial"/>
-        <a:ea typeface=""/>
-        <a:cs typeface=""/>
-        <a:font script="Jpan" typeface="ＭＳ Ｐゴシック"/>
-        <a:font script="Hang" typeface="맑은 고딕"/>
-        <a:font script="Hans" typeface="宋体"/>
-        <a:font script="Hant" typeface="新細明體"/>
-        <a:font script="Arab" typeface="Arial"/>
-        <a:font script="Hebr" typeface="Arial"/>
-        <a:font script="Thai" typeface="Cordia New"/>
-        <a:font script="Ethi" typeface="Nyala"/>
-        <a:font script="Beng" typeface="Vrinda"/>
-        <a:font script="Gujr" typeface="Shruti"/>
-        <a:font script="Khmr" typeface="DaunPenh"/>
-        <a:font script="Knda" typeface="Tunga"/>
-        <a:font script="Guru" typeface="Raavi"/>
-        <a:font script="Cans" typeface="Euphemia"/>
-        <a:font script="Cher" typeface="Plantagenet Cherokee"/>
-        <a:font script="Yiii" typeface="Microsoft Yi Baiti"/>
-        <a:font script="Tibt" typeface="Microsoft Himalaya"/>
-        <a:font script="Thaa" typeface="MV Boli"/>
-        <a:font script="Deva" typeface="Mangal"/>
-        <a:font script="Telu" typeface="Gautami"/>
-        <a:font script="Taml" typeface="Latha"/>
-        <a:font script="Syrc" typeface="Estrangelo Edessa"/>
-        <a:font script="Orya" typeface="Kalinga"/>
-        <a:font script="Mlym" typeface="Kartika"/>
-        <a:font script="Laoo" typeface="DokChampa"/>
-        <a:font script="Sinh" typeface="Iskoola Pota"/>
-        <a:font script="Mong" typeface="Mongolian Baiti"/>
-        <a:font script="Viet" typeface="Arial"/>
-        <a:font script="Uigh" typeface="Microsoft Uighur"/>
-        <a:font script="Geor" typeface="Sylfaen"/>
-      </a:minorFont>
-    </a:fontScheme>
-    <a:fmtScheme name="Office">
-      <a:fillStyleLst>
-        <a:solidFill>
-          <a:schemeClr val="phClr"/>
-        </a:solidFill>
-        <a:gradFill rotWithShape="1">
-          <a:gsLst>
-            <a:gs pos="0">
-              <a:schemeClr val="phClr">
-                <a:tint val="50000"/>
-                <a:satMod val="300000"/>
-              </a:schemeClr>
-            </a:gs>
-            <a:gs pos="35000">
-              <a:schemeClr val="phClr">
-                <a:tint val="37000"/>
-                <a:satMod val="300000"/>
-              </a:schemeClr>
-            </a:gs>
-            <a:gs pos="100000">
-              <a:schemeClr val="phClr">
-                <a:tint val="15000"/>
-                <a:satMod val="350000"/>
-              </a:schemeClr>
-            </a:gs>
-          </a:gsLst>
-          <a:lin ang="16200000" scaled="1"/>
-        </a:gradFill>
-        <a:gradFill rotWithShape="1">
-          <a:gsLst>
-            <a:gs pos="0">
-              <a:schemeClr val="phClr">
-                <a:tint val="100000"/>
-                <a:shade val="100000"/>
-                <a:satMod val="130000"/>
-              </a:schemeClr>
-            </a:gs>
-            <a:gs pos="100000">
-              <a:schemeClr val="phClr">
-                <a:tint val="50000"/>
-                <a:shade val="100000"/>
-                <a:satMod val="350000"/>
-              </a:schemeClr>
-            </a:gs>
-          </a:gsLst>
-          <a:lin ang="16200000" scaled="0"/>
-        </a:gradFill>
-      </a:fillStyleLst>
-      <a:lnStyleLst>
-        <a:ln w="9525" cap="flat" cmpd="sng" algn="ctr">
-          <a:solidFill>
-            <a:schemeClr val="phClr">
-              <a:shade val="95000"/>
-              <a:satMod val="105000"/>
-            </a:schemeClr>
-          </a:solidFill>
-          <a:prstDash val="solid"/>
-        </a:ln>
-        <a:ln w="25400" cap="flat" cmpd="sng" algn="ctr">
-          <a:solidFill>
-            <a:schemeClr val="phClr"/>
-          </a:solidFill>
-          <a:prstDash val="solid"/>
-        </a:ln>
-        <a:ln w="38100" cap="flat" cmpd="sng" algn="ctr">
-          <a:solidFill>
-            <a:schemeClr val="phClr"/>
-          </a:solidFill>
-          <a:prstDash val="solid"/>
-        </a:ln>
-      </a:lnStyleLst>
-      <a:effectStyleLst>
-        <a:effectStyle>
-          <a:effectLst>
-            <a:outerShdw blurRad="40000" dist="20000" dir="5400000" rotWithShape="0">
-              <a:srgbClr val="000000">
-                <a:alpha val="38000"/>
-              </a:srgbClr>
-            </a:outerShdw>
-          </a:effectLst>
-        </a:effectStyle>
-        <a:effectStyle>
-          <a:effectLst>
-            <a:outerShdw blurRad="40000" dist="23000" dir="5400000" rotWithShape="0">
-              <a:srgbClr val="000000">
-                <a:alpha val="35000"/>
-              </a:srgbClr>
-            </a:outerShdw>
-          </a:effectLst>
-        </a:effectStyle>
-        <a:effectStyle>
-          <a:effectLst>
-            <a:outerShdw blurRad="40000" dist="23000" dir="5400000" rotWithShape="0">
-              <a:srgbClr val="000000">
-                <a:alpha val="35000"/>
-              </a:srgbClr>
-            </a:outerShdw>
-          </a:effectLst>
-          <a:scene3d>
-            <a:camera prst="orthographicFront">
-              <a:rot lat="0" lon="0" rev="0"/>
-            </a:camera>
-            <a:lightRig rig="threePt" dir="t">
-              <a:rot lat="0" lon="0" rev="1200000"/>
-            </a:lightRig>
-          </a:scene3d>
-          <a:sp3d>
-            <a:bevelT w="63500" h="25400"/>
-          </a:sp3d>
-        </a:effectStyle>
-      </a:effectStyleLst>
-      <a:bgFillStyleLst>
-        <a:solidFill>
-          <a:schemeClr val="phClr"/>
-        </a:solidFill>
-        <a:gradFill rotWithShape="1">
-          <a:gsLst>
-            <a:gs pos="0">
-              <a:schemeClr val="phClr">
-                <a:tint val="40000"/>
-                <a:satMod val="350000"/>
-              </a:schemeClr>
-            </a:gs>
-            <a:gs pos="40000">
-              <a:schemeClr val="phClr">
-                <a:tint val="45000"/>
-                <a:shade val="99000"/>
-                <a:satMod val="350000"/>
-              </a:schemeClr>
-            </a:gs>
-            <a:gs pos="100000">
-              <a:schemeClr val="phClr">
-                <a:shade val="20000"/>
-                <a:satMod val="255000"/>
-              </a:schemeClr>
-            </a:gs>
-          </a:gsLst>
-          <a:path path="circle">
-            <a:fillToRect l="50000" t="-80000" r="50000" b="180000"/>
-          </a:path>
-        </a:gradFill>
-        <a:gradFill rotWithShape="1">
-          <a:gsLst>
-            <a:gs pos="0">
-              <a:schemeClr val="phClr">
-                <a:tint val="80000"/>
-                <a:satMod val="300000"/>
-              </a:schemeClr>
-            </a:gs>
-            <a:gs pos="100000">
-              <a:schemeClr val="phClr">
-                <a:shade val="30000"/>
-                <a:satMod val="200000"/>
-              </a:schemeClr>
-            </a:gs>
-          </a:gsLst>
-          <a:path path="circle">
-            <a:fillToRect l="50000" t="50000" r="50000" b="50000"/>
-          </a:path>
-        </a:gradFill>
-      </a:bgFillStyleLst>
-    </a:fmtScheme>
-  </a:themeElements>
-</a:theme>
 </file>